--- a/AT91RM9200器件方框图标注版.pptx
+++ b/AT91RM9200器件方框图标注版.pptx
@@ -134,7 +134,7 @@
           <a:p>
             <a:fld id="{AA74A8C3-CCDE-49D5-913A-47AB0C5E4AD0}" type="datetimeFigureOut">
               <a:rPr lang="zh-CN" altLang="en-US" smtClean="0"/>
-              <a:t>2025/6/11</a:t>
+              <a:t>2025/6/13</a:t>
             </a:fld>
             <a:endParaRPr lang="zh-CN" altLang="en-US"/>
           </a:p>
@@ -368,7 +368,7 @@
           <a:p>
             <a:fld id="{1D8BD707-D9CF-40AE-B4C6-C98DA3205C09}" type="datetimeFigureOut">
               <a:rPr lang="en-US"/>
-              <a:t>6/11/2025</a:t>
+              <a:t>6/13/2025</a:t>
             </a:fld>
             <a:endParaRPr lang="en-US"/>
           </a:p>
@@ -533,7 +533,7 @@
           <a:p>
             <a:fld id="{1D8BD707-D9CF-40AE-B4C6-C98DA3205C09}" type="datetimeFigureOut">
               <a:rPr lang="en-US"/>
-              <a:t>6/11/2025</a:t>
+              <a:t>6/13/2025</a:t>
             </a:fld>
             <a:endParaRPr lang="en-US"/>
           </a:p>
@@ -741,7 +741,7 @@
           <a:p>
             <a:fld id="{1D8BD707-D9CF-40AE-B4C6-C98DA3205C09}" type="datetimeFigureOut">
               <a:rPr lang="en-US"/>
-              <a:t>6/11/2025</a:t>
+              <a:t>6/13/2025</a:t>
             </a:fld>
             <a:endParaRPr lang="en-US"/>
           </a:p>
@@ -883,7 +883,7 @@
           <a:p>
             <a:fld id="{1D8BD707-D9CF-40AE-B4C6-C98DA3205C09}" type="datetimeFigureOut">
               <a:rPr lang="en-US"/>
-              <a:t>6/11/2025</a:t>
+              <a:t>6/13/2025</a:t>
             </a:fld>
             <a:endParaRPr lang="en-US"/>
           </a:p>
@@ -1157,7 +1157,7 @@
           <a:p>
             <a:fld id="{1D8BD707-D9CF-40AE-B4C6-C98DA3205C09}" type="datetimeFigureOut">
               <a:rPr lang="en-US"/>
-              <a:t>6/11/2025</a:t>
+              <a:t>6/13/2025</a:t>
             </a:fld>
             <a:endParaRPr lang="en-US"/>
           </a:p>
@@ -6298,7 +6298,7 @@
         </p:nvSpPr>
         <p:spPr>
           <a:xfrm>
-            <a:off x="6707369" y="5860521"/>
+            <a:off x="6637963" y="5856887"/>
             <a:ext cx="759055" cy="169277"/>
           </a:xfrm>
           <a:prstGeom prst="rect">
@@ -6318,7 +6318,7 @@
               </a:spcBef>
             </a:pPr>
             <a:r>
-              <a:rPr lang="zh-CN" altLang="en-US" sz="500">
+              <a:rPr lang="zh-CN" altLang="en-US" sz="500" dirty="0">
                 <a:solidFill>
                   <a:srgbClr val="0000FF"/>
                 </a:solidFill>
@@ -6326,6 +6326,482 @@
                 <a:cs typeface="Arial"/>
               </a:rPr>
               <a:t>？？？</a:t>
+            </a:r>
+          </a:p>
+        </p:txBody>
+      </p:sp>
+      <p:sp>
+        <p:nvSpPr>
+          <p:cNvPr id="47" name="文本框 46">
+            <a:extLst>
+              <a:ext uri="{FF2B5EF4-FFF2-40B4-BE49-F238E27FC236}">
+                <a16:creationId xmlns:a16="http://schemas.microsoft.com/office/drawing/2014/main" id="{73F0BC24-8641-5061-83EB-E81165A5F8E4}"/>
+              </a:ext>
+            </a:extLst>
+          </p:cNvPr>
+          <p:cNvSpPr txBox="1"/>
+          <p:nvPr/>
+        </p:nvSpPr>
+        <p:spPr>
+          <a:xfrm>
+            <a:off x="6847853" y="7669606"/>
+            <a:ext cx="1254269" cy="412934"/>
+          </a:xfrm>
+          <a:prstGeom prst="rect">
+            <a:avLst/>
+          </a:prstGeom>
+          <a:noFill/>
+        </p:spPr>
+        <p:txBody>
+          <a:bodyPr wrap="square">
+            <a:spAutoFit/>
+          </a:bodyPr>
+          <a:lstStyle/>
+          <a:p>
+            <a:pPr marR="5080" algn="l">
+              <a:spcBef>
+                <a:spcPts val="125"/>
+              </a:spcBef>
+            </a:pPr>
+            <a:r>
+              <a:rPr lang="en-US" altLang="zh-CN" sz="500" dirty="0">
+                <a:solidFill>
+                  <a:srgbClr val="0000FF"/>
+                </a:solidFill>
+                <a:latin typeface="Arial"/>
+                <a:cs typeface="Arial"/>
+              </a:rPr>
+              <a:t>TCLKx</a:t>
+            </a:r>
+            <a:r>
+              <a:rPr lang="zh-CN" altLang="en-US" sz="500" dirty="0">
+                <a:solidFill>
+                  <a:srgbClr val="0000FF"/>
+                </a:solidFill>
+                <a:latin typeface="Arial"/>
+                <a:cs typeface="Arial"/>
+              </a:rPr>
+              <a:t>（</a:t>
+            </a:r>
+            <a:r>
+              <a:rPr lang="en-US" altLang="zh-CN" sz="500" dirty="0">
+                <a:solidFill>
+                  <a:srgbClr val="0000FF"/>
+                </a:solidFill>
+                <a:latin typeface="Arial"/>
+                <a:cs typeface="Arial"/>
+              </a:rPr>
+              <a:t>Timer Clock Input x</a:t>
+            </a:r>
+            <a:r>
+              <a:rPr lang="zh-CN" altLang="en-US" sz="500" dirty="0">
+                <a:solidFill>
+                  <a:srgbClr val="0000FF"/>
+                </a:solidFill>
+                <a:latin typeface="Arial"/>
+                <a:cs typeface="Arial"/>
+              </a:rPr>
+              <a:t>）</a:t>
+            </a:r>
+            <a:endParaRPr lang="en-US" altLang="zh-CN" sz="500" dirty="0">
+              <a:solidFill>
+                <a:srgbClr val="0000FF"/>
+              </a:solidFill>
+              <a:latin typeface="Arial"/>
+              <a:cs typeface="Arial"/>
+            </a:endParaRPr>
+          </a:p>
+          <a:p>
+            <a:pPr marR="5080" algn="l">
+              <a:spcBef>
+                <a:spcPts val="125"/>
+              </a:spcBef>
+            </a:pPr>
+            <a:r>
+              <a:rPr lang="zh-CN" altLang="en-US" sz="500" dirty="0">
+                <a:solidFill>
+                  <a:srgbClr val="0000FF"/>
+                </a:solidFill>
+                <a:latin typeface="Arial"/>
+                <a:cs typeface="Arial"/>
+              </a:rPr>
+              <a:t>外部时钟输入源；可以给 </a:t>
+            </a:r>
+            <a:r>
+              <a:rPr lang="en-US" altLang="zh-CN" sz="500" dirty="0">
+                <a:solidFill>
+                  <a:srgbClr val="0000FF"/>
+                </a:solidFill>
+                <a:latin typeface="Arial"/>
+                <a:cs typeface="Arial"/>
+              </a:rPr>
+              <a:t>Timer </a:t>
+            </a:r>
+            <a:r>
+              <a:rPr lang="zh-CN" altLang="en-US" sz="500" dirty="0">
+                <a:solidFill>
+                  <a:srgbClr val="0000FF"/>
+                </a:solidFill>
+                <a:latin typeface="Arial"/>
+                <a:cs typeface="Arial"/>
+              </a:rPr>
+              <a:t>提供一个独立的时钟脉冲；例如 </a:t>
+            </a:r>
+            <a:r>
+              <a:rPr lang="en-US" altLang="zh-CN" sz="500" dirty="0">
+                <a:solidFill>
+                  <a:srgbClr val="0000FF"/>
+                </a:solidFill>
+                <a:latin typeface="Arial"/>
+                <a:cs typeface="Arial"/>
+              </a:rPr>
+              <a:t>TCLK0 </a:t>
+            </a:r>
+            <a:r>
+              <a:rPr lang="zh-CN" altLang="en-US" sz="500" dirty="0">
+                <a:solidFill>
+                  <a:srgbClr val="0000FF"/>
+                </a:solidFill>
+                <a:latin typeface="Arial"/>
+                <a:cs typeface="Arial"/>
+              </a:rPr>
+              <a:t>是 </a:t>
+            </a:r>
+            <a:r>
+              <a:rPr lang="en-US" altLang="zh-CN" sz="500" dirty="0">
+                <a:solidFill>
+                  <a:srgbClr val="0000FF"/>
+                </a:solidFill>
+                <a:latin typeface="Arial"/>
+                <a:cs typeface="Arial"/>
+              </a:rPr>
+              <a:t>TC0 </a:t>
+            </a:r>
+            <a:r>
+              <a:rPr lang="zh-CN" altLang="en-US" sz="500" dirty="0">
+                <a:solidFill>
+                  <a:srgbClr val="0000FF"/>
+                </a:solidFill>
+                <a:latin typeface="Arial"/>
+                <a:cs typeface="Arial"/>
+              </a:rPr>
+              <a:t>的外部时钟输入。</a:t>
+            </a:r>
+          </a:p>
+        </p:txBody>
+      </p:sp>
+      <p:sp>
+        <p:nvSpPr>
+          <p:cNvPr id="48" name="文本框 47">
+            <a:extLst>
+              <a:ext uri="{FF2B5EF4-FFF2-40B4-BE49-F238E27FC236}">
+                <a16:creationId xmlns:a16="http://schemas.microsoft.com/office/drawing/2014/main" id="{55A24964-80A3-0EB8-2B75-03AF16EE5817}"/>
+              </a:ext>
+            </a:extLst>
+          </p:cNvPr>
+          <p:cNvSpPr txBox="1"/>
+          <p:nvPr/>
+        </p:nvSpPr>
+        <p:spPr>
+          <a:xfrm>
+            <a:off x="6847853" y="8097875"/>
+            <a:ext cx="1254269" cy="566822"/>
+          </a:xfrm>
+          <a:prstGeom prst="rect">
+            <a:avLst/>
+          </a:prstGeom>
+          <a:noFill/>
+        </p:spPr>
+        <p:txBody>
+          <a:bodyPr wrap="square">
+            <a:spAutoFit/>
+          </a:bodyPr>
+          <a:lstStyle/>
+          <a:p>
+            <a:pPr marR="5080" algn="l">
+              <a:spcBef>
+                <a:spcPts val="125"/>
+              </a:spcBef>
+            </a:pPr>
+            <a:r>
+              <a:rPr lang="en-US" altLang="zh-CN" sz="500" dirty="0">
+                <a:solidFill>
+                  <a:srgbClr val="0000FF"/>
+                </a:solidFill>
+                <a:latin typeface="Arial"/>
+                <a:cs typeface="Arial"/>
+              </a:rPr>
+              <a:t>TIOAx</a:t>
+            </a:r>
+            <a:r>
+              <a:rPr lang="zh-CN" altLang="en-US" sz="500" dirty="0">
+                <a:solidFill>
+                  <a:srgbClr val="0000FF"/>
+                </a:solidFill>
+                <a:latin typeface="Arial"/>
+                <a:cs typeface="Arial"/>
+              </a:rPr>
+              <a:t>（</a:t>
+            </a:r>
+            <a:r>
+              <a:rPr lang="en-US" altLang="zh-CN" sz="500" dirty="0">
+                <a:solidFill>
+                  <a:srgbClr val="0000FF"/>
+                </a:solidFill>
+                <a:latin typeface="Arial"/>
+                <a:cs typeface="Arial"/>
+              </a:rPr>
+              <a:t>Timer I/O A</a:t>
+            </a:r>
+            <a:r>
+              <a:rPr lang="zh-CN" altLang="en-US" sz="500" dirty="0">
+                <a:solidFill>
+                  <a:srgbClr val="0000FF"/>
+                </a:solidFill>
+                <a:latin typeface="Arial"/>
+                <a:cs typeface="Arial"/>
+              </a:rPr>
+              <a:t>）</a:t>
+            </a:r>
+            <a:endParaRPr lang="en-US" altLang="zh-CN" sz="500" dirty="0">
+              <a:solidFill>
+                <a:srgbClr val="0000FF"/>
+              </a:solidFill>
+              <a:latin typeface="Arial"/>
+              <a:cs typeface="Arial"/>
+            </a:endParaRPr>
+          </a:p>
+          <a:p>
+            <a:pPr marR="5080" algn="l">
+              <a:spcBef>
+                <a:spcPts val="125"/>
+              </a:spcBef>
+            </a:pPr>
+            <a:r>
+              <a:rPr lang="zh-CN" altLang="en-US" sz="500" dirty="0">
+                <a:solidFill>
+                  <a:srgbClr val="0000FF"/>
+                </a:solidFill>
+                <a:latin typeface="Arial"/>
+                <a:cs typeface="Arial"/>
+              </a:rPr>
+              <a:t>多功能引脚：可作为比较输出或捕获输入；在输出模式下，它可以在某些计数条件满足时输出一个电平（</a:t>
+            </a:r>
+            <a:r>
+              <a:rPr lang="en-US" altLang="zh-CN" sz="500" dirty="0">
+                <a:solidFill>
+                  <a:srgbClr val="0000FF"/>
+                </a:solidFill>
+                <a:latin typeface="Arial"/>
+                <a:cs typeface="Arial"/>
+              </a:rPr>
+              <a:t>PWM</a:t>
+            </a:r>
+            <a:r>
+              <a:rPr lang="zh-CN" altLang="en-US" sz="500" dirty="0">
+                <a:solidFill>
+                  <a:srgbClr val="0000FF"/>
+                </a:solidFill>
+                <a:latin typeface="Arial"/>
+                <a:cs typeface="Arial"/>
+              </a:rPr>
+              <a:t>、波形等）；在输入模式下，它可用于捕获外部事件的时间戳。</a:t>
+            </a:r>
+          </a:p>
+        </p:txBody>
+      </p:sp>
+      <p:sp>
+        <p:nvSpPr>
+          <p:cNvPr id="49" name="文本框 48">
+            <a:extLst>
+              <a:ext uri="{FF2B5EF4-FFF2-40B4-BE49-F238E27FC236}">
+                <a16:creationId xmlns:a16="http://schemas.microsoft.com/office/drawing/2014/main" id="{6FC5BDAA-14B4-91A9-C3BD-BF315BADB944}"/>
+              </a:ext>
+            </a:extLst>
+          </p:cNvPr>
+          <p:cNvSpPr txBox="1"/>
+          <p:nvPr/>
+        </p:nvSpPr>
+        <p:spPr>
+          <a:xfrm>
+            <a:off x="6847853" y="8701350"/>
+            <a:ext cx="1254269" cy="412934"/>
+          </a:xfrm>
+          <a:prstGeom prst="rect">
+            <a:avLst/>
+          </a:prstGeom>
+          <a:noFill/>
+        </p:spPr>
+        <p:txBody>
+          <a:bodyPr wrap="square">
+            <a:spAutoFit/>
+          </a:bodyPr>
+          <a:lstStyle/>
+          <a:p>
+            <a:pPr marR="5080" algn="l">
+              <a:spcBef>
+                <a:spcPts val="125"/>
+              </a:spcBef>
+            </a:pPr>
+            <a:r>
+              <a:rPr lang="en-US" altLang="zh-CN" sz="500" dirty="0" err="1">
+                <a:solidFill>
+                  <a:srgbClr val="0000FF"/>
+                </a:solidFill>
+                <a:latin typeface="Arial"/>
+                <a:cs typeface="Arial"/>
+              </a:rPr>
+              <a:t>TIOBx</a:t>
+            </a:r>
+            <a:r>
+              <a:rPr lang="zh-CN" altLang="en-US" sz="500" dirty="0">
+                <a:solidFill>
+                  <a:srgbClr val="0000FF"/>
+                </a:solidFill>
+                <a:latin typeface="Arial"/>
+                <a:cs typeface="Arial"/>
+              </a:rPr>
+              <a:t>（</a:t>
+            </a:r>
+            <a:r>
+              <a:rPr lang="en-US" altLang="zh-CN" sz="500" dirty="0">
+                <a:solidFill>
+                  <a:srgbClr val="0000FF"/>
+                </a:solidFill>
+                <a:latin typeface="Arial"/>
+                <a:cs typeface="Arial"/>
+              </a:rPr>
+              <a:t>Timer I/O B</a:t>
+            </a:r>
+            <a:r>
+              <a:rPr lang="zh-CN" altLang="en-US" sz="500" dirty="0">
+                <a:solidFill>
+                  <a:srgbClr val="0000FF"/>
+                </a:solidFill>
+                <a:latin typeface="Arial"/>
+                <a:cs typeface="Arial"/>
+              </a:rPr>
+              <a:t>）</a:t>
+            </a:r>
+            <a:endParaRPr lang="en-US" altLang="zh-CN" sz="500" dirty="0">
+              <a:solidFill>
+                <a:srgbClr val="0000FF"/>
+              </a:solidFill>
+              <a:latin typeface="Arial"/>
+              <a:cs typeface="Arial"/>
+            </a:endParaRPr>
+          </a:p>
+          <a:p>
+            <a:pPr marR="5080" algn="l">
+              <a:spcBef>
+                <a:spcPts val="125"/>
+              </a:spcBef>
+            </a:pPr>
+            <a:r>
+              <a:rPr lang="zh-CN" altLang="en-US" sz="500" dirty="0">
+                <a:solidFill>
+                  <a:srgbClr val="0000FF"/>
+                </a:solidFill>
+                <a:latin typeface="Arial"/>
+                <a:cs typeface="Arial"/>
+              </a:rPr>
+              <a:t>与 </a:t>
+            </a:r>
+            <a:r>
+              <a:rPr lang="en-US" altLang="zh-CN" sz="500" dirty="0">
+                <a:solidFill>
+                  <a:srgbClr val="0000FF"/>
+                </a:solidFill>
+                <a:latin typeface="Arial"/>
+                <a:cs typeface="Arial"/>
+              </a:rPr>
+              <a:t>TIOAx </a:t>
+            </a:r>
+            <a:r>
+              <a:rPr lang="zh-CN" altLang="en-US" sz="500" dirty="0">
+                <a:solidFill>
+                  <a:srgbClr val="0000FF"/>
+                </a:solidFill>
+                <a:latin typeface="Arial"/>
+                <a:cs typeface="Arial"/>
+              </a:rPr>
+              <a:t>类似，是另一个多功能输入</a:t>
+            </a:r>
+            <a:r>
+              <a:rPr lang="en-US" altLang="zh-CN" sz="500" dirty="0">
+                <a:solidFill>
+                  <a:srgbClr val="0000FF"/>
+                </a:solidFill>
+                <a:latin typeface="Arial"/>
+                <a:cs typeface="Arial"/>
+              </a:rPr>
+              <a:t>/</a:t>
+            </a:r>
+            <a:r>
+              <a:rPr lang="zh-CN" altLang="en-US" sz="500" dirty="0">
+                <a:solidFill>
+                  <a:srgbClr val="0000FF"/>
+                </a:solidFill>
+                <a:latin typeface="Arial"/>
+                <a:cs typeface="Arial"/>
+              </a:rPr>
+              <a:t>输出引脚；也可用于捕获外部事件或输出控制波形。</a:t>
+            </a:r>
+          </a:p>
+        </p:txBody>
+      </p:sp>
+      <p:sp>
+        <p:nvSpPr>
+          <p:cNvPr id="50" name="文本框 49">
+            <a:extLst>
+              <a:ext uri="{FF2B5EF4-FFF2-40B4-BE49-F238E27FC236}">
+                <a16:creationId xmlns:a16="http://schemas.microsoft.com/office/drawing/2014/main" id="{B3B48CAA-F1A7-F3AA-BB66-316950BE569D}"/>
+              </a:ext>
+            </a:extLst>
+          </p:cNvPr>
+          <p:cNvSpPr txBox="1"/>
+          <p:nvPr/>
+        </p:nvSpPr>
+        <p:spPr>
+          <a:xfrm>
+            <a:off x="6681124" y="5984822"/>
+            <a:ext cx="759055" cy="169277"/>
+          </a:xfrm>
+          <a:prstGeom prst="rect">
+            <a:avLst/>
+          </a:prstGeom>
+          <a:noFill/>
+        </p:spPr>
+        <p:txBody>
+          <a:bodyPr wrap="square">
+            <a:spAutoFit/>
+          </a:bodyPr>
+          <a:lstStyle/>
+          <a:p>
+            <a:pPr marR="5080" algn="ctr">
+              <a:spcBef>
+                <a:spcPts val="125"/>
+              </a:spcBef>
+            </a:pPr>
+            <a:r>
+              <a:rPr lang="zh-CN" altLang="en-US" sz="500" dirty="0">
+                <a:solidFill>
+                  <a:srgbClr val="0000FF"/>
+                </a:solidFill>
+                <a:latin typeface="Arial"/>
+                <a:cs typeface="Arial"/>
+              </a:rPr>
+              <a:t>发送缓冲区 </a:t>
+            </a:r>
+            <a:r>
+              <a:rPr lang="en-US" altLang="zh-CN" sz="500" dirty="0">
+                <a:solidFill>
+                  <a:srgbClr val="0000FF"/>
+                </a:solidFill>
+                <a:latin typeface="Arial"/>
+                <a:cs typeface="Arial"/>
+              </a:rPr>
+              <a:t>0</a:t>
             </a:r>
             <a:endParaRPr lang="zh-CN" altLang="en-US" sz="500" dirty="0">
               <a:solidFill>
@@ -6334,6 +6810,3380 @@
               <a:latin typeface="Arial"/>
               <a:cs typeface="Arial"/>
             </a:endParaRPr>
+          </a:p>
+        </p:txBody>
+      </p:sp>
+      <p:sp>
+        <p:nvSpPr>
+          <p:cNvPr id="51" name="文本框 50">
+            <a:extLst>
+              <a:ext uri="{FF2B5EF4-FFF2-40B4-BE49-F238E27FC236}">
+                <a16:creationId xmlns:a16="http://schemas.microsoft.com/office/drawing/2014/main" id="{D8D3C8DF-DD54-91F6-9662-0F3487C861D1}"/>
+              </a:ext>
+            </a:extLst>
+          </p:cNvPr>
+          <p:cNvSpPr txBox="1"/>
+          <p:nvPr/>
+        </p:nvSpPr>
+        <p:spPr>
+          <a:xfrm>
+            <a:off x="6679933" y="6068155"/>
+            <a:ext cx="759055" cy="169277"/>
+          </a:xfrm>
+          <a:prstGeom prst="rect">
+            <a:avLst/>
+          </a:prstGeom>
+          <a:noFill/>
+        </p:spPr>
+        <p:txBody>
+          <a:bodyPr wrap="square">
+            <a:spAutoFit/>
+          </a:bodyPr>
+          <a:lstStyle/>
+          <a:p>
+            <a:pPr marR="5080" algn="ctr">
+              <a:spcBef>
+                <a:spcPts val="125"/>
+              </a:spcBef>
+            </a:pPr>
+            <a:r>
+              <a:rPr lang="zh-CN" altLang="en-US" sz="500" dirty="0">
+                <a:solidFill>
+                  <a:srgbClr val="0000FF"/>
+                </a:solidFill>
+                <a:latin typeface="Arial"/>
+                <a:cs typeface="Arial"/>
+              </a:rPr>
+              <a:t>发送时钟通道</a:t>
+            </a:r>
+            <a:r>
+              <a:rPr lang="en-US" altLang="zh-CN" sz="500" dirty="0">
+                <a:solidFill>
+                  <a:srgbClr val="0000FF"/>
+                </a:solidFill>
+                <a:latin typeface="Arial"/>
+                <a:cs typeface="Arial"/>
+              </a:rPr>
+              <a:t>0</a:t>
+            </a:r>
+            <a:endParaRPr lang="zh-CN" altLang="en-US" sz="500" dirty="0">
+              <a:solidFill>
+                <a:srgbClr val="0000FF"/>
+              </a:solidFill>
+              <a:latin typeface="Arial"/>
+              <a:cs typeface="Arial"/>
+            </a:endParaRPr>
+          </a:p>
+        </p:txBody>
+      </p:sp>
+      <p:sp>
+        <p:nvSpPr>
+          <p:cNvPr id="52" name="文本框 51">
+            <a:extLst>
+              <a:ext uri="{FF2B5EF4-FFF2-40B4-BE49-F238E27FC236}">
+                <a16:creationId xmlns:a16="http://schemas.microsoft.com/office/drawing/2014/main" id="{787B6DCB-6EAE-70E4-FAAB-DDF813D4CAE7}"/>
+              </a:ext>
+            </a:extLst>
+          </p:cNvPr>
+          <p:cNvSpPr txBox="1"/>
+          <p:nvPr/>
+        </p:nvSpPr>
+        <p:spPr>
+          <a:xfrm>
+            <a:off x="6679933" y="6145018"/>
+            <a:ext cx="759055" cy="169277"/>
+          </a:xfrm>
+          <a:prstGeom prst="rect">
+            <a:avLst/>
+          </a:prstGeom>
+          <a:noFill/>
+        </p:spPr>
+        <p:txBody>
+          <a:bodyPr wrap="square">
+            <a:spAutoFit/>
+          </a:bodyPr>
+          <a:lstStyle/>
+          <a:p>
+            <a:pPr marR="5080" algn="ctr">
+              <a:spcBef>
+                <a:spcPts val="125"/>
+              </a:spcBef>
+            </a:pPr>
+            <a:r>
+              <a:rPr lang="zh-CN" altLang="en-US" sz="500" dirty="0">
+                <a:solidFill>
+                  <a:srgbClr val="0000FF"/>
+                </a:solidFill>
+                <a:latin typeface="Arial"/>
+                <a:cs typeface="Arial"/>
+              </a:rPr>
+              <a:t>数据输出引脚</a:t>
+            </a:r>
+          </a:p>
+        </p:txBody>
+      </p:sp>
+      <p:sp>
+        <p:nvSpPr>
+          <p:cNvPr id="53" name="文本框 52">
+            <a:extLst>
+              <a:ext uri="{FF2B5EF4-FFF2-40B4-BE49-F238E27FC236}">
+                <a16:creationId xmlns:a16="http://schemas.microsoft.com/office/drawing/2014/main" id="{589957A6-20A8-E5D6-F70C-F4E7AFA49279}"/>
+              </a:ext>
+            </a:extLst>
+          </p:cNvPr>
+          <p:cNvSpPr txBox="1"/>
+          <p:nvPr/>
+        </p:nvSpPr>
+        <p:spPr>
+          <a:xfrm>
+            <a:off x="6715704" y="6756271"/>
+            <a:ext cx="603573" cy="169277"/>
+          </a:xfrm>
+          <a:prstGeom prst="rect">
+            <a:avLst/>
+          </a:prstGeom>
+          <a:noFill/>
+        </p:spPr>
+        <p:txBody>
+          <a:bodyPr wrap="square">
+            <a:spAutoFit/>
+          </a:bodyPr>
+          <a:lstStyle/>
+          <a:p>
+            <a:pPr marR="5080" algn="ctr">
+              <a:spcBef>
+                <a:spcPts val="125"/>
+              </a:spcBef>
+            </a:pPr>
+            <a:r>
+              <a:rPr lang="zh-CN" altLang="en-US" sz="500" dirty="0">
+                <a:solidFill>
+                  <a:srgbClr val="0000FF"/>
+                </a:solidFill>
+                <a:latin typeface="Arial"/>
+                <a:cs typeface="Arial"/>
+              </a:rPr>
+              <a:t>数据输入引脚</a:t>
+            </a:r>
+          </a:p>
+        </p:txBody>
+      </p:sp>
+      <p:sp>
+        <p:nvSpPr>
+          <p:cNvPr id="54" name="文本框 53">
+            <a:extLst>
+              <a:ext uri="{FF2B5EF4-FFF2-40B4-BE49-F238E27FC236}">
+                <a16:creationId xmlns:a16="http://schemas.microsoft.com/office/drawing/2014/main" id="{F9035B64-4C1B-832B-4D66-0000AF3913EF}"/>
+              </a:ext>
+            </a:extLst>
+          </p:cNvPr>
+          <p:cNvSpPr txBox="1"/>
+          <p:nvPr/>
+        </p:nvSpPr>
+        <p:spPr>
+          <a:xfrm>
+            <a:off x="6640714" y="6840910"/>
+            <a:ext cx="1067394" cy="169277"/>
+          </a:xfrm>
+          <a:prstGeom prst="rect">
+            <a:avLst/>
+          </a:prstGeom>
+          <a:noFill/>
+        </p:spPr>
+        <p:txBody>
+          <a:bodyPr wrap="square">
+            <a:spAutoFit/>
+          </a:bodyPr>
+          <a:lstStyle/>
+          <a:p>
+            <a:pPr marR="5080" algn="ctr">
+              <a:spcBef>
+                <a:spcPts val="125"/>
+              </a:spcBef>
+            </a:pPr>
+            <a:r>
+              <a:rPr lang="zh-CN" altLang="en-US" sz="500" dirty="0">
+                <a:solidFill>
+                  <a:srgbClr val="0000FF"/>
+                </a:solidFill>
+                <a:latin typeface="Arial"/>
+                <a:cs typeface="Arial"/>
+              </a:rPr>
+              <a:t>同步时钟输入</a:t>
+            </a:r>
+            <a:r>
+              <a:rPr lang="en-US" altLang="zh-CN" sz="500" dirty="0">
+                <a:solidFill>
+                  <a:srgbClr val="0000FF"/>
+                </a:solidFill>
+                <a:latin typeface="Arial"/>
+                <a:cs typeface="Arial"/>
+              </a:rPr>
+              <a:t>/</a:t>
+            </a:r>
+            <a:r>
+              <a:rPr lang="zh-CN" altLang="en-US" sz="500" dirty="0">
+                <a:solidFill>
+                  <a:srgbClr val="0000FF"/>
+                </a:solidFill>
+                <a:latin typeface="Arial"/>
+                <a:cs typeface="Arial"/>
+              </a:rPr>
+              <a:t>输出引脚</a:t>
+            </a:r>
+          </a:p>
+        </p:txBody>
+      </p:sp>
+      <p:sp>
+        <p:nvSpPr>
+          <p:cNvPr id="55" name="文本框 54">
+            <a:extLst>
+              <a:ext uri="{FF2B5EF4-FFF2-40B4-BE49-F238E27FC236}">
+                <a16:creationId xmlns:a16="http://schemas.microsoft.com/office/drawing/2014/main" id="{F0BAFEFE-039E-21CA-1A3B-9BA721B5FBF3}"/>
+              </a:ext>
+            </a:extLst>
+          </p:cNvPr>
+          <p:cNvSpPr txBox="1"/>
+          <p:nvPr/>
+        </p:nvSpPr>
+        <p:spPr>
+          <a:xfrm>
+            <a:off x="6705184" y="6928038"/>
+            <a:ext cx="1467607" cy="169277"/>
+          </a:xfrm>
+          <a:prstGeom prst="rect">
+            <a:avLst/>
+          </a:prstGeom>
+          <a:noFill/>
+        </p:spPr>
+        <p:txBody>
+          <a:bodyPr wrap="square">
+            <a:spAutoFit/>
+          </a:bodyPr>
+          <a:lstStyle/>
+          <a:p>
+            <a:pPr marR="5080" algn="ctr">
+              <a:spcBef>
+                <a:spcPts val="125"/>
+              </a:spcBef>
+            </a:pPr>
+            <a:r>
+              <a:rPr lang="zh-CN" altLang="en-US" sz="500" dirty="0">
+                <a:solidFill>
+                  <a:srgbClr val="0000FF"/>
+                </a:solidFill>
+                <a:latin typeface="Arial"/>
+                <a:cs typeface="Arial"/>
+              </a:rPr>
+              <a:t>输入引脚，用于指示接收数据的帧起始位置</a:t>
+            </a:r>
+          </a:p>
+        </p:txBody>
+      </p:sp>
+      <p:sp>
+        <p:nvSpPr>
+          <p:cNvPr id="56" name="object 748">
+            <a:extLst>
+              <a:ext uri="{FF2B5EF4-FFF2-40B4-BE49-F238E27FC236}">
+                <a16:creationId xmlns:a16="http://schemas.microsoft.com/office/drawing/2014/main" id="{12DE43E4-2825-2817-1F25-4A7252FF89C3}"/>
+              </a:ext>
+            </a:extLst>
+          </p:cNvPr>
+          <p:cNvSpPr txBox="1"/>
+          <p:nvPr/>
+        </p:nvSpPr>
+        <p:spPr>
+          <a:xfrm>
+            <a:off x="4372653" y="1738062"/>
+            <a:ext cx="472009" cy="246862"/>
+          </a:xfrm>
+          <a:prstGeom prst="rect">
+            <a:avLst/>
+          </a:prstGeom>
+        </p:spPr>
+        <p:txBody>
+          <a:bodyPr vert="horz" wrap="square" lIns="0" tIns="15875" rIns="0" bIns="0" rtlCol="0">
+            <a:spAutoFit/>
+          </a:bodyPr>
+          <a:lstStyle/>
+          <a:p>
+            <a:pPr marR="5080" algn="ctr">
+              <a:lnSpc>
+                <a:spcPct val="100000"/>
+              </a:lnSpc>
+              <a:spcBef>
+                <a:spcPts val="125"/>
+              </a:spcBef>
+            </a:pPr>
+            <a:r>
+              <a:rPr lang="zh-CN" altLang="en-US" sz="500" dirty="0">
+                <a:solidFill>
+                  <a:srgbClr val="0000FF"/>
+                </a:solidFill>
+                <a:highlight>
+                  <a:srgbClr val="FFFF00"/>
+                </a:highlight>
+                <a:latin typeface="Arial"/>
+                <a:cs typeface="Arial"/>
+              </a:rPr>
+              <a:t>地址解码器，决定当前访问的内存区域</a:t>
+            </a:r>
+            <a:endParaRPr sz="500" dirty="0">
+              <a:solidFill>
+                <a:srgbClr val="0000FF"/>
+              </a:solidFill>
+              <a:highlight>
+                <a:srgbClr val="FFFF00"/>
+              </a:highlight>
+              <a:latin typeface="Arial"/>
+              <a:cs typeface="Arial"/>
+            </a:endParaRPr>
+          </a:p>
+        </p:txBody>
+      </p:sp>
+      <p:sp>
+        <p:nvSpPr>
+          <p:cNvPr id="57" name="object 748">
+            <a:extLst>
+              <a:ext uri="{FF2B5EF4-FFF2-40B4-BE49-F238E27FC236}">
+                <a16:creationId xmlns:a16="http://schemas.microsoft.com/office/drawing/2014/main" id="{E7F5737B-FE45-855F-2641-9EB429B3EEDD}"/>
+              </a:ext>
+            </a:extLst>
+          </p:cNvPr>
+          <p:cNvSpPr txBox="1"/>
+          <p:nvPr/>
+        </p:nvSpPr>
+        <p:spPr>
+          <a:xfrm>
+            <a:off x="4419600" y="2103843"/>
+            <a:ext cx="585495" cy="246862"/>
+          </a:xfrm>
+          <a:prstGeom prst="rect">
+            <a:avLst/>
+          </a:prstGeom>
+        </p:spPr>
+        <p:txBody>
+          <a:bodyPr vert="horz" wrap="square" lIns="0" tIns="15875" rIns="0" bIns="0" rtlCol="0">
+            <a:spAutoFit/>
+          </a:bodyPr>
+          <a:lstStyle/>
+          <a:p>
+            <a:pPr marR="5080" algn="ctr">
+              <a:lnSpc>
+                <a:spcPct val="100000"/>
+              </a:lnSpc>
+              <a:spcBef>
+                <a:spcPts val="125"/>
+              </a:spcBef>
+            </a:pPr>
+            <a:r>
+              <a:rPr lang="zh-CN" altLang="en-US" sz="500" dirty="0">
+                <a:solidFill>
+                  <a:srgbClr val="0000FF"/>
+                </a:solidFill>
+                <a:highlight>
+                  <a:srgbClr val="FFFF00"/>
+                </a:highlight>
+                <a:latin typeface="Arial"/>
+                <a:cs typeface="Arial"/>
+              </a:rPr>
+              <a:t>错误捕获模块，遇到非法地址或总线异常时产生中止信号</a:t>
+            </a:r>
+            <a:endParaRPr sz="500" dirty="0">
+              <a:solidFill>
+                <a:srgbClr val="0000FF"/>
+              </a:solidFill>
+              <a:highlight>
+                <a:srgbClr val="FFFF00"/>
+              </a:highlight>
+              <a:latin typeface="Arial"/>
+              <a:cs typeface="Arial"/>
+            </a:endParaRPr>
+          </a:p>
+        </p:txBody>
+      </p:sp>
+      <p:sp>
+        <p:nvSpPr>
+          <p:cNvPr id="58" name="object 748">
+            <a:extLst>
+              <a:ext uri="{FF2B5EF4-FFF2-40B4-BE49-F238E27FC236}">
+                <a16:creationId xmlns:a16="http://schemas.microsoft.com/office/drawing/2014/main" id="{A22B5AB8-6DAE-9778-8C34-BF2CBB213A00}"/>
+              </a:ext>
+            </a:extLst>
+          </p:cNvPr>
+          <p:cNvSpPr txBox="1"/>
+          <p:nvPr/>
+        </p:nvSpPr>
+        <p:spPr>
+          <a:xfrm>
+            <a:off x="4443705" y="2452198"/>
+            <a:ext cx="623595" cy="246862"/>
+          </a:xfrm>
+          <a:prstGeom prst="rect">
+            <a:avLst/>
+          </a:prstGeom>
+        </p:spPr>
+        <p:txBody>
+          <a:bodyPr vert="horz" wrap="square" lIns="0" tIns="15875" rIns="0" bIns="0" rtlCol="0">
+            <a:spAutoFit/>
+          </a:bodyPr>
+          <a:lstStyle/>
+          <a:p>
+            <a:pPr marR="5080" algn="ctr">
+              <a:lnSpc>
+                <a:spcPct val="100000"/>
+              </a:lnSpc>
+              <a:spcBef>
+                <a:spcPts val="125"/>
+              </a:spcBef>
+            </a:pPr>
+            <a:r>
+              <a:rPr lang="zh-CN" altLang="en-US" sz="500" dirty="0">
+                <a:solidFill>
+                  <a:srgbClr val="0000FF"/>
+                </a:solidFill>
+                <a:highlight>
+                  <a:srgbClr val="FFFF00"/>
+                </a:highlight>
+                <a:latin typeface="Arial"/>
+                <a:cs typeface="Arial"/>
+              </a:rPr>
+              <a:t>检测访问是否对齐（如访问</a:t>
+            </a:r>
+            <a:r>
+              <a:rPr lang="en-US" altLang="zh-CN" sz="500" dirty="0">
+                <a:solidFill>
+                  <a:srgbClr val="0000FF"/>
+                </a:solidFill>
+                <a:highlight>
+                  <a:srgbClr val="FFFF00"/>
+                </a:highlight>
+                <a:latin typeface="Arial"/>
+                <a:cs typeface="Arial"/>
+              </a:rPr>
+              <a:t>32</a:t>
+            </a:r>
+            <a:r>
+              <a:rPr lang="zh-CN" altLang="en-US" sz="500" dirty="0">
+                <a:solidFill>
+                  <a:srgbClr val="0000FF"/>
+                </a:solidFill>
+                <a:highlight>
+                  <a:srgbClr val="FFFF00"/>
+                </a:highlight>
+                <a:latin typeface="Arial"/>
+                <a:cs typeface="Arial"/>
+              </a:rPr>
+              <a:t>位数据时地址应为</a:t>
+            </a:r>
+            <a:r>
+              <a:rPr lang="en-US" altLang="zh-CN" sz="500" dirty="0">
+                <a:solidFill>
+                  <a:srgbClr val="0000FF"/>
+                </a:solidFill>
+                <a:highlight>
+                  <a:srgbClr val="FFFF00"/>
+                </a:highlight>
+                <a:latin typeface="Arial"/>
+                <a:cs typeface="Arial"/>
+              </a:rPr>
+              <a:t>4</a:t>
+            </a:r>
+            <a:r>
+              <a:rPr lang="zh-CN" altLang="en-US" sz="500" dirty="0">
+                <a:solidFill>
+                  <a:srgbClr val="0000FF"/>
+                </a:solidFill>
+                <a:highlight>
+                  <a:srgbClr val="FFFF00"/>
+                </a:highlight>
+                <a:latin typeface="Arial"/>
+                <a:cs typeface="Arial"/>
+              </a:rPr>
+              <a:t>字节对齐）</a:t>
+            </a:r>
+            <a:endParaRPr sz="500" dirty="0">
+              <a:solidFill>
+                <a:srgbClr val="0000FF"/>
+              </a:solidFill>
+              <a:highlight>
+                <a:srgbClr val="FFFF00"/>
+              </a:highlight>
+              <a:latin typeface="Arial"/>
+              <a:cs typeface="Arial"/>
+            </a:endParaRPr>
+          </a:p>
+        </p:txBody>
+      </p:sp>
+      <p:sp>
+        <p:nvSpPr>
+          <p:cNvPr id="59" name="object 748">
+            <a:extLst>
+              <a:ext uri="{FF2B5EF4-FFF2-40B4-BE49-F238E27FC236}">
+                <a16:creationId xmlns:a16="http://schemas.microsoft.com/office/drawing/2014/main" id="{5D250B72-CE55-E1FD-62DA-AA65C3AD9E88}"/>
+              </a:ext>
+            </a:extLst>
+          </p:cNvPr>
+          <p:cNvSpPr txBox="1"/>
+          <p:nvPr/>
+        </p:nvSpPr>
+        <p:spPr>
+          <a:xfrm>
+            <a:off x="4347275" y="2895600"/>
+            <a:ext cx="623595" cy="323807"/>
+          </a:xfrm>
+          <a:prstGeom prst="rect">
+            <a:avLst/>
+          </a:prstGeom>
+        </p:spPr>
+        <p:txBody>
+          <a:bodyPr vert="horz" wrap="square" lIns="0" tIns="15875" rIns="0" bIns="0" rtlCol="0">
+            <a:spAutoFit/>
+          </a:bodyPr>
+          <a:lstStyle/>
+          <a:p>
+            <a:pPr marR="5080" algn="ctr">
+              <a:lnSpc>
+                <a:spcPct val="100000"/>
+              </a:lnSpc>
+              <a:spcBef>
+                <a:spcPts val="125"/>
+              </a:spcBef>
+            </a:pPr>
+            <a:r>
+              <a:rPr lang="zh-CN" altLang="en-US" sz="500" dirty="0">
+                <a:solidFill>
+                  <a:srgbClr val="0000FF"/>
+                </a:solidFill>
+                <a:highlight>
+                  <a:srgbClr val="FFFF00"/>
+                </a:highlight>
+                <a:latin typeface="Arial"/>
+                <a:cs typeface="Arial"/>
+              </a:rPr>
+              <a:t>总线仲裁器，协调多个主设备（如</a:t>
+            </a:r>
+            <a:r>
+              <a:rPr lang="en-US" altLang="zh-CN" sz="500" dirty="0">
+                <a:solidFill>
+                  <a:srgbClr val="0000FF"/>
+                </a:solidFill>
+                <a:highlight>
+                  <a:srgbClr val="FFFF00"/>
+                </a:highlight>
+                <a:latin typeface="Arial"/>
+                <a:cs typeface="Arial"/>
+              </a:rPr>
+              <a:t>CPU</a:t>
+            </a:r>
+            <a:r>
+              <a:rPr lang="zh-CN" altLang="en-US" sz="500" dirty="0">
+                <a:solidFill>
+                  <a:srgbClr val="0000FF"/>
+                </a:solidFill>
+                <a:highlight>
+                  <a:srgbClr val="FFFF00"/>
+                </a:highlight>
+                <a:latin typeface="Arial"/>
+                <a:cs typeface="Arial"/>
+              </a:rPr>
+              <a:t>与</a:t>
+            </a:r>
+            <a:r>
+              <a:rPr lang="en-US" altLang="zh-CN" sz="500" dirty="0">
+                <a:solidFill>
+                  <a:srgbClr val="0000FF"/>
+                </a:solidFill>
+                <a:highlight>
+                  <a:srgbClr val="FFFF00"/>
+                </a:highlight>
+                <a:latin typeface="Arial"/>
+                <a:cs typeface="Arial"/>
+              </a:rPr>
+              <a:t>DMA</a:t>
+            </a:r>
+            <a:r>
+              <a:rPr lang="zh-CN" altLang="en-US" sz="500" dirty="0">
+                <a:solidFill>
+                  <a:srgbClr val="0000FF"/>
+                </a:solidFill>
+                <a:highlight>
+                  <a:srgbClr val="FFFF00"/>
+                </a:highlight>
+                <a:latin typeface="Arial"/>
+                <a:cs typeface="Arial"/>
+              </a:rPr>
+              <a:t>）访问内存总线的优先级和时序</a:t>
+            </a:r>
+            <a:endParaRPr sz="500" dirty="0">
+              <a:solidFill>
+                <a:srgbClr val="0000FF"/>
+              </a:solidFill>
+              <a:highlight>
+                <a:srgbClr val="FFFF00"/>
+              </a:highlight>
+              <a:latin typeface="Arial"/>
+              <a:cs typeface="Arial"/>
+            </a:endParaRPr>
+          </a:p>
+        </p:txBody>
+      </p:sp>
+      <p:sp>
+        <p:nvSpPr>
+          <p:cNvPr id="60" name="object 748">
+            <a:extLst>
+              <a:ext uri="{FF2B5EF4-FFF2-40B4-BE49-F238E27FC236}">
+                <a16:creationId xmlns:a16="http://schemas.microsoft.com/office/drawing/2014/main" id="{D8372DB8-4A3D-4CE8-429A-D7C6BD413529}"/>
+              </a:ext>
+            </a:extLst>
+          </p:cNvPr>
+          <p:cNvSpPr txBox="1"/>
+          <p:nvPr/>
+        </p:nvSpPr>
+        <p:spPr>
+          <a:xfrm>
+            <a:off x="5201830" y="2371204"/>
+            <a:ext cx="585495" cy="246862"/>
+          </a:xfrm>
+          <a:prstGeom prst="rect">
+            <a:avLst/>
+          </a:prstGeom>
+        </p:spPr>
+        <p:txBody>
+          <a:bodyPr vert="horz" wrap="square" lIns="0" tIns="15875" rIns="0" bIns="0" rtlCol="0">
+            <a:spAutoFit/>
+          </a:bodyPr>
+          <a:lstStyle/>
+          <a:p>
+            <a:pPr marR="5080" algn="ctr">
+              <a:lnSpc>
+                <a:spcPct val="100000"/>
+              </a:lnSpc>
+              <a:spcBef>
+                <a:spcPts val="125"/>
+              </a:spcBef>
+            </a:pPr>
+            <a:r>
+              <a:rPr lang="zh-CN" altLang="en-US" sz="500" dirty="0">
+                <a:solidFill>
+                  <a:srgbClr val="0000FF"/>
+                </a:solidFill>
+                <a:highlight>
+                  <a:srgbClr val="FFFF00"/>
+                </a:highlight>
+                <a:latin typeface="Arial"/>
+                <a:cs typeface="Arial"/>
+              </a:rPr>
+              <a:t>负责连接处理器与外部存储器、存储卡或其他大容量设备。</a:t>
+            </a:r>
+            <a:endParaRPr sz="500" dirty="0">
+              <a:solidFill>
+                <a:srgbClr val="0000FF"/>
+              </a:solidFill>
+              <a:highlight>
+                <a:srgbClr val="FFFF00"/>
+              </a:highlight>
+              <a:latin typeface="Arial"/>
+              <a:cs typeface="Arial"/>
+            </a:endParaRPr>
+          </a:p>
+        </p:txBody>
+      </p:sp>
+      <p:sp>
+        <p:nvSpPr>
+          <p:cNvPr id="61" name="object 748">
+            <a:extLst>
+              <a:ext uri="{FF2B5EF4-FFF2-40B4-BE49-F238E27FC236}">
+                <a16:creationId xmlns:a16="http://schemas.microsoft.com/office/drawing/2014/main" id="{1432F9BE-9568-3625-AB1B-75505BCA08F7}"/>
+              </a:ext>
+            </a:extLst>
+          </p:cNvPr>
+          <p:cNvSpPr txBox="1"/>
+          <p:nvPr/>
+        </p:nvSpPr>
+        <p:spPr>
+          <a:xfrm>
+            <a:off x="5562600" y="2800742"/>
+            <a:ext cx="715019" cy="246862"/>
+          </a:xfrm>
+          <a:prstGeom prst="rect">
+            <a:avLst/>
+          </a:prstGeom>
+        </p:spPr>
+        <p:txBody>
+          <a:bodyPr vert="horz" wrap="square" lIns="0" tIns="15875" rIns="0" bIns="0" rtlCol="0">
+            <a:spAutoFit/>
+          </a:bodyPr>
+          <a:lstStyle/>
+          <a:p>
+            <a:pPr marR="5080" algn="ctr">
+              <a:lnSpc>
+                <a:spcPct val="100000"/>
+              </a:lnSpc>
+              <a:spcBef>
+                <a:spcPts val="125"/>
+              </a:spcBef>
+            </a:pPr>
+            <a:r>
+              <a:rPr lang="zh-CN" altLang="en-US" sz="500" dirty="0">
+                <a:solidFill>
+                  <a:srgbClr val="0000FF"/>
+                </a:solidFill>
+                <a:highlight>
+                  <a:srgbClr val="FFFF00"/>
+                </a:highlight>
+                <a:latin typeface="Arial"/>
+                <a:cs typeface="Arial"/>
+              </a:rPr>
+              <a:t>控制外部 </a:t>
+            </a:r>
+            <a:r>
+              <a:rPr lang="en-US" altLang="zh-CN" sz="500" dirty="0">
+                <a:solidFill>
+                  <a:srgbClr val="0000FF"/>
+                </a:solidFill>
+                <a:highlight>
+                  <a:srgbClr val="FFFF00"/>
+                </a:highlight>
+                <a:latin typeface="Arial"/>
+                <a:cs typeface="Arial"/>
+              </a:rPr>
+              <a:t>SDRAM</a:t>
+            </a:r>
+            <a:r>
+              <a:rPr lang="zh-CN" altLang="en-US" sz="500" dirty="0">
+                <a:solidFill>
+                  <a:srgbClr val="0000FF"/>
+                </a:solidFill>
+                <a:highlight>
+                  <a:srgbClr val="FFFF00"/>
+                </a:highlight>
+                <a:latin typeface="Arial"/>
+                <a:cs typeface="Arial"/>
+              </a:rPr>
+              <a:t>（同步动态 </a:t>
+            </a:r>
+            <a:r>
+              <a:rPr lang="en-US" altLang="zh-CN" sz="500" dirty="0">
+                <a:solidFill>
+                  <a:srgbClr val="0000FF"/>
+                </a:solidFill>
+                <a:highlight>
+                  <a:srgbClr val="FFFF00"/>
+                </a:highlight>
+                <a:latin typeface="Arial"/>
+                <a:cs typeface="Arial"/>
+              </a:rPr>
+              <a:t>RAM</a:t>
+            </a:r>
+            <a:r>
+              <a:rPr lang="zh-CN" altLang="en-US" sz="500" dirty="0">
+                <a:solidFill>
+                  <a:srgbClr val="0000FF"/>
+                </a:solidFill>
+                <a:highlight>
+                  <a:srgbClr val="FFFF00"/>
+                </a:highlight>
+                <a:latin typeface="Arial"/>
+                <a:cs typeface="Arial"/>
+              </a:rPr>
+              <a:t>），用于大容量运行内存</a:t>
+            </a:r>
+            <a:endParaRPr sz="500" dirty="0">
+              <a:solidFill>
+                <a:srgbClr val="0000FF"/>
+              </a:solidFill>
+              <a:highlight>
+                <a:srgbClr val="FFFF00"/>
+              </a:highlight>
+              <a:latin typeface="Arial"/>
+              <a:cs typeface="Arial"/>
+            </a:endParaRPr>
+          </a:p>
+        </p:txBody>
+      </p:sp>
+      <p:sp>
+        <p:nvSpPr>
+          <p:cNvPr id="62" name="object 748">
+            <a:extLst>
+              <a:ext uri="{FF2B5EF4-FFF2-40B4-BE49-F238E27FC236}">
+                <a16:creationId xmlns:a16="http://schemas.microsoft.com/office/drawing/2014/main" id="{2AC894AC-E0EB-47B7-49E2-7A060B2F697F}"/>
+              </a:ext>
+            </a:extLst>
+          </p:cNvPr>
+          <p:cNvSpPr txBox="1"/>
+          <p:nvPr/>
+        </p:nvSpPr>
+        <p:spPr>
+          <a:xfrm>
+            <a:off x="5562600" y="3294078"/>
+            <a:ext cx="457200" cy="246862"/>
+          </a:xfrm>
+          <a:prstGeom prst="rect">
+            <a:avLst/>
+          </a:prstGeom>
+        </p:spPr>
+        <p:txBody>
+          <a:bodyPr vert="horz" wrap="square" lIns="0" tIns="15875" rIns="0" bIns="0" rtlCol="0">
+            <a:spAutoFit/>
+          </a:bodyPr>
+          <a:lstStyle/>
+          <a:p>
+            <a:pPr marR="5080" algn="ctr">
+              <a:lnSpc>
+                <a:spcPct val="100000"/>
+              </a:lnSpc>
+              <a:spcBef>
+                <a:spcPts val="125"/>
+              </a:spcBef>
+            </a:pPr>
+            <a:r>
+              <a:rPr lang="zh-CN" altLang="en-US" sz="500" dirty="0">
+                <a:solidFill>
+                  <a:srgbClr val="0000FF"/>
+                </a:solidFill>
+                <a:highlight>
+                  <a:srgbClr val="FFFF00"/>
+                </a:highlight>
+                <a:latin typeface="Arial"/>
+                <a:cs typeface="Arial"/>
+              </a:rPr>
+              <a:t>控制可突发读取的外部 </a:t>
+            </a:r>
+            <a:r>
+              <a:rPr lang="en-US" altLang="zh-CN" sz="500" dirty="0">
+                <a:solidFill>
+                  <a:srgbClr val="0000FF"/>
+                </a:solidFill>
+                <a:highlight>
+                  <a:srgbClr val="FFFF00"/>
+                </a:highlight>
+                <a:latin typeface="Arial"/>
+                <a:cs typeface="Arial"/>
+              </a:rPr>
+              <a:t>Flash </a:t>
+            </a:r>
+            <a:r>
+              <a:rPr lang="zh-CN" altLang="en-US" sz="500" dirty="0">
+                <a:solidFill>
+                  <a:srgbClr val="0000FF"/>
+                </a:solidFill>
+                <a:highlight>
+                  <a:srgbClr val="FFFF00"/>
+                </a:highlight>
+                <a:latin typeface="Arial"/>
+                <a:cs typeface="Arial"/>
+              </a:rPr>
+              <a:t>存储器</a:t>
+            </a:r>
+            <a:endParaRPr sz="500" dirty="0">
+              <a:solidFill>
+                <a:srgbClr val="0000FF"/>
+              </a:solidFill>
+              <a:highlight>
+                <a:srgbClr val="FFFF00"/>
+              </a:highlight>
+              <a:latin typeface="Arial"/>
+              <a:cs typeface="Arial"/>
+            </a:endParaRPr>
+          </a:p>
+        </p:txBody>
+      </p:sp>
+      <p:sp>
+        <p:nvSpPr>
+          <p:cNvPr id="63" name="object 748">
+            <a:extLst>
+              <a:ext uri="{FF2B5EF4-FFF2-40B4-BE49-F238E27FC236}">
+                <a16:creationId xmlns:a16="http://schemas.microsoft.com/office/drawing/2014/main" id="{A3E8D3D1-BD44-73E6-12FB-EDA0CDA04D30}"/>
+              </a:ext>
+            </a:extLst>
+          </p:cNvPr>
+          <p:cNvSpPr txBox="1"/>
+          <p:nvPr/>
+        </p:nvSpPr>
+        <p:spPr>
+          <a:xfrm>
+            <a:off x="5562600" y="3716916"/>
+            <a:ext cx="457200" cy="323807"/>
+          </a:xfrm>
+          <a:prstGeom prst="rect">
+            <a:avLst/>
+          </a:prstGeom>
+        </p:spPr>
+        <p:txBody>
+          <a:bodyPr vert="horz" wrap="square" lIns="0" tIns="15875" rIns="0" bIns="0" rtlCol="0">
+            <a:spAutoFit/>
+          </a:bodyPr>
+          <a:lstStyle/>
+          <a:p>
+            <a:pPr marR="5080" algn="ctr">
+              <a:lnSpc>
+                <a:spcPct val="100000"/>
+              </a:lnSpc>
+              <a:spcBef>
+                <a:spcPts val="125"/>
+              </a:spcBef>
+            </a:pPr>
+            <a:r>
+              <a:rPr lang="zh-CN" altLang="en-US" sz="500" dirty="0">
+                <a:solidFill>
+                  <a:srgbClr val="0000FF"/>
+                </a:solidFill>
+                <a:highlight>
+                  <a:srgbClr val="FFFF00"/>
+                </a:highlight>
+                <a:latin typeface="Arial"/>
+                <a:cs typeface="Arial"/>
+              </a:rPr>
+              <a:t>控制 </a:t>
+            </a:r>
+            <a:r>
+              <a:rPr lang="en-US" altLang="zh-CN" sz="500" dirty="0">
+                <a:solidFill>
+                  <a:srgbClr val="0000FF"/>
+                </a:solidFill>
+                <a:highlight>
+                  <a:srgbClr val="FFFF00"/>
+                </a:highlight>
+                <a:latin typeface="Arial"/>
+                <a:cs typeface="Arial"/>
+              </a:rPr>
+              <a:t>SRAM</a:t>
+            </a:r>
+            <a:r>
+              <a:rPr lang="zh-CN" altLang="en-US" sz="500" dirty="0">
+                <a:solidFill>
+                  <a:srgbClr val="0000FF"/>
+                </a:solidFill>
+                <a:highlight>
+                  <a:srgbClr val="FFFF00"/>
+                </a:highlight>
+                <a:latin typeface="Arial"/>
+                <a:cs typeface="Arial"/>
+              </a:rPr>
+              <a:t>、</a:t>
+            </a:r>
+            <a:r>
+              <a:rPr lang="en-US" altLang="zh-CN" sz="500" dirty="0">
+                <a:solidFill>
+                  <a:srgbClr val="0000FF"/>
+                </a:solidFill>
+                <a:highlight>
+                  <a:srgbClr val="FFFF00"/>
+                </a:highlight>
+                <a:latin typeface="Arial"/>
+                <a:cs typeface="Arial"/>
+              </a:rPr>
+              <a:t>ROM </a:t>
+            </a:r>
+            <a:r>
+              <a:rPr lang="zh-CN" altLang="en-US" sz="500" dirty="0">
+                <a:solidFill>
+                  <a:srgbClr val="0000FF"/>
+                </a:solidFill>
+                <a:highlight>
+                  <a:srgbClr val="FFFF00"/>
+                </a:highlight>
+                <a:latin typeface="Arial"/>
+                <a:cs typeface="Arial"/>
+              </a:rPr>
+              <a:t>或其他静态内存设备（非刷新型）</a:t>
+            </a:r>
+            <a:endParaRPr sz="500" dirty="0">
+              <a:solidFill>
+                <a:srgbClr val="0000FF"/>
+              </a:solidFill>
+              <a:highlight>
+                <a:srgbClr val="FFFF00"/>
+              </a:highlight>
+              <a:latin typeface="Arial"/>
+              <a:cs typeface="Arial"/>
+            </a:endParaRPr>
+          </a:p>
+        </p:txBody>
+      </p:sp>
+      <p:sp>
+        <p:nvSpPr>
+          <p:cNvPr id="896" name="object 748">
+            <a:extLst>
+              <a:ext uri="{FF2B5EF4-FFF2-40B4-BE49-F238E27FC236}">
+                <a16:creationId xmlns:a16="http://schemas.microsoft.com/office/drawing/2014/main" id="{92181440-4490-9963-F682-B7E111BD98DA}"/>
+              </a:ext>
+            </a:extLst>
+          </p:cNvPr>
+          <p:cNvSpPr txBox="1"/>
+          <p:nvPr/>
+        </p:nvSpPr>
+        <p:spPr>
+          <a:xfrm>
+            <a:off x="3136648" y="1696537"/>
+            <a:ext cx="585495" cy="92974"/>
+          </a:xfrm>
+          <a:prstGeom prst="rect">
+            <a:avLst/>
+          </a:prstGeom>
+        </p:spPr>
+        <p:txBody>
+          <a:bodyPr vert="horz" wrap="square" lIns="0" tIns="15875" rIns="0" bIns="0" rtlCol="0">
+            <a:spAutoFit/>
+          </a:bodyPr>
+          <a:lstStyle/>
+          <a:p>
+            <a:pPr marR="5080" algn="ctr">
+              <a:lnSpc>
+                <a:spcPct val="100000"/>
+              </a:lnSpc>
+              <a:spcBef>
+                <a:spcPts val="125"/>
+              </a:spcBef>
+            </a:pPr>
+            <a:r>
+              <a:rPr lang="zh-CN" altLang="en-US" sz="500" dirty="0">
+                <a:solidFill>
+                  <a:srgbClr val="0000FF"/>
+                </a:solidFill>
+                <a:highlight>
+                  <a:srgbClr val="FFFF00"/>
+                </a:highlight>
+                <a:latin typeface="Arial"/>
+                <a:cs typeface="Arial"/>
+              </a:rPr>
+              <a:t>高速静态随机存储器</a:t>
+            </a:r>
+            <a:endParaRPr sz="500" dirty="0">
+              <a:solidFill>
+                <a:srgbClr val="0000FF"/>
+              </a:solidFill>
+              <a:highlight>
+                <a:srgbClr val="FFFF00"/>
+              </a:highlight>
+              <a:latin typeface="Arial"/>
+              <a:cs typeface="Arial"/>
+            </a:endParaRPr>
+          </a:p>
+        </p:txBody>
+      </p:sp>
+      <p:sp>
+        <p:nvSpPr>
+          <p:cNvPr id="897" name="object 748">
+            <a:extLst>
+              <a:ext uri="{FF2B5EF4-FFF2-40B4-BE49-F238E27FC236}">
+                <a16:creationId xmlns:a16="http://schemas.microsoft.com/office/drawing/2014/main" id="{BC699C33-DDAF-2F79-94C2-1E85B5738D86}"/>
+              </a:ext>
+            </a:extLst>
+          </p:cNvPr>
+          <p:cNvSpPr txBox="1"/>
+          <p:nvPr/>
+        </p:nvSpPr>
+        <p:spPr>
+          <a:xfrm>
+            <a:off x="3121516" y="2214268"/>
+            <a:ext cx="585495" cy="92974"/>
+          </a:xfrm>
+          <a:prstGeom prst="rect">
+            <a:avLst/>
+          </a:prstGeom>
+        </p:spPr>
+        <p:txBody>
+          <a:bodyPr vert="horz" wrap="square" lIns="0" tIns="15875" rIns="0" bIns="0" rtlCol="0">
+            <a:spAutoFit/>
+          </a:bodyPr>
+          <a:lstStyle/>
+          <a:p>
+            <a:pPr marR="5080" algn="ctr">
+              <a:lnSpc>
+                <a:spcPct val="100000"/>
+              </a:lnSpc>
+              <a:spcBef>
+                <a:spcPts val="125"/>
+              </a:spcBef>
+            </a:pPr>
+            <a:r>
+              <a:rPr lang="zh-CN" altLang="en-US" sz="500" dirty="0">
+                <a:solidFill>
+                  <a:srgbClr val="0000FF"/>
+                </a:solidFill>
+                <a:highlight>
+                  <a:srgbClr val="FFFF00"/>
+                </a:highlight>
+                <a:latin typeface="Arial"/>
+                <a:cs typeface="Arial"/>
+              </a:rPr>
+              <a:t>高速只读存储器</a:t>
+            </a:r>
+            <a:endParaRPr sz="500" dirty="0">
+              <a:solidFill>
+                <a:srgbClr val="0000FF"/>
+              </a:solidFill>
+              <a:highlight>
+                <a:srgbClr val="FFFF00"/>
+              </a:highlight>
+              <a:latin typeface="Arial"/>
+              <a:cs typeface="Arial"/>
+            </a:endParaRPr>
+          </a:p>
+        </p:txBody>
+      </p:sp>
+      <p:sp>
+        <p:nvSpPr>
+          <p:cNvPr id="898" name="object 748">
+            <a:extLst>
+              <a:ext uri="{FF2B5EF4-FFF2-40B4-BE49-F238E27FC236}">
+                <a16:creationId xmlns:a16="http://schemas.microsoft.com/office/drawing/2014/main" id="{8AEFEEB4-2162-5C38-A7BC-C761E728477A}"/>
+              </a:ext>
+            </a:extLst>
+          </p:cNvPr>
+          <p:cNvSpPr txBox="1"/>
+          <p:nvPr/>
+        </p:nvSpPr>
+        <p:spPr>
+          <a:xfrm>
+            <a:off x="3124200" y="2677311"/>
+            <a:ext cx="585495" cy="92974"/>
+          </a:xfrm>
+          <a:prstGeom prst="rect">
+            <a:avLst/>
+          </a:prstGeom>
+        </p:spPr>
+        <p:txBody>
+          <a:bodyPr vert="horz" wrap="square" lIns="0" tIns="15875" rIns="0" bIns="0" rtlCol="0">
+            <a:spAutoFit/>
+          </a:bodyPr>
+          <a:lstStyle/>
+          <a:p>
+            <a:pPr marR="5080" algn="ctr">
+              <a:lnSpc>
+                <a:spcPct val="100000"/>
+              </a:lnSpc>
+              <a:spcBef>
+                <a:spcPts val="125"/>
+              </a:spcBef>
+            </a:pPr>
+            <a:r>
+              <a:rPr lang="zh-CN" altLang="en-US" sz="500" dirty="0">
+                <a:solidFill>
+                  <a:srgbClr val="0000FF"/>
+                </a:solidFill>
+                <a:highlight>
+                  <a:srgbClr val="FFFF00"/>
+                </a:highlight>
+                <a:latin typeface="Arial"/>
+                <a:cs typeface="Arial"/>
+              </a:rPr>
+              <a:t>外设桥接器</a:t>
+            </a:r>
+            <a:endParaRPr sz="500" dirty="0">
+              <a:solidFill>
+                <a:srgbClr val="0000FF"/>
+              </a:solidFill>
+              <a:highlight>
+                <a:srgbClr val="FFFF00"/>
+              </a:highlight>
+              <a:latin typeface="Arial"/>
+              <a:cs typeface="Arial"/>
+            </a:endParaRPr>
+          </a:p>
+        </p:txBody>
+      </p:sp>
+      <p:sp>
+        <p:nvSpPr>
+          <p:cNvPr id="899" name="object 748">
+            <a:extLst>
+              <a:ext uri="{FF2B5EF4-FFF2-40B4-BE49-F238E27FC236}">
+                <a16:creationId xmlns:a16="http://schemas.microsoft.com/office/drawing/2014/main" id="{116FB978-056B-2D78-92D7-B2E47470A25C}"/>
+              </a:ext>
+            </a:extLst>
+          </p:cNvPr>
+          <p:cNvSpPr txBox="1"/>
+          <p:nvPr/>
+        </p:nvSpPr>
+        <p:spPr>
+          <a:xfrm>
+            <a:off x="3156244" y="3420330"/>
+            <a:ext cx="585495" cy="169918"/>
+          </a:xfrm>
+          <a:prstGeom prst="rect">
+            <a:avLst/>
+          </a:prstGeom>
+        </p:spPr>
+        <p:txBody>
+          <a:bodyPr vert="horz" wrap="square" lIns="0" tIns="15875" rIns="0" bIns="0" rtlCol="0">
+            <a:spAutoFit/>
+          </a:bodyPr>
+          <a:lstStyle/>
+          <a:p>
+            <a:pPr marR="5080" algn="ctr">
+              <a:lnSpc>
+                <a:spcPct val="100000"/>
+              </a:lnSpc>
+              <a:spcBef>
+                <a:spcPts val="125"/>
+              </a:spcBef>
+            </a:pPr>
+            <a:r>
+              <a:rPr lang="zh-CN" altLang="en-US" sz="500" dirty="0">
+                <a:solidFill>
+                  <a:srgbClr val="0000FF"/>
+                </a:solidFill>
+                <a:highlight>
+                  <a:srgbClr val="FFFF00"/>
+                </a:highlight>
+                <a:latin typeface="Arial"/>
+                <a:cs typeface="Arial"/>
+              </a:rPr>
+              <a:t>外设直接访问内存的东西</a:t>
+            </a:r>
+            <a:endParaRPr sz="500" dirty="0">
+              <a:solidFill>
+                <a:srgbClr val="0000FF"/>
+              </a:solidFill>
+              <a:highlight>
+                <a:srgbClr val="FFFF00"/>
+              </a:highlight>
+              <a:latin typeface="Arial"/>
+              <a:cs typeface="Arial"/>
+            </a:endParaRPr>
+          </a:p>
+        </p:txBody>
+      </p:sp>
+      <p:sp>
+        <p:nvSpPr>
+          <p:cNvPr id="938" name="文本框 937">
+            <a:extLst>
+              <a:ext uri="{FF2B5EF4-FFF2-40B4-BE49-F238E27FC236}">
+                <a16:creationId xmlns:a16="http://schemas.microsoft.com/office/drawing/2014/main" id="{4095C273-49AA-E492-A2E8-14FDEB6E6805}"/>
+              </a:ext>
+            </a:extLst>
+          </p:cNvPr>
+          <p:cNvSpPr txBox="1"/>
+          <p:nvPr/>
+        </p:nvSpPr>
+        <p:spPr>
+          <a:xfrm>
+            <a:off x="6860256" y="1641151"/>
+            <a:ext cx="1136478" cy="153888"/>
+          </a:xfrm>
+          <a:prstGeom prst="rect">
+            <a:avLst/>
+          </a:prstGeom>
+          <a:noFill/>
+        </p:spPr>
+        <p:txBody>
+          <a:bodyPr wrap="square">
+            <a:spAutoFit/>
+          </a:bodyPr>
+          <a:lstStyle/>
+          <a:p>
+            <a:pPr marR="5080" algn="ctr">
+              <a:spcBef>
+                <a:spcPts val="125"/>
+              </a:spcBef>
+            </a:pPr>
+            <a:r>
+              <a:rPr lang="zh-CN" altLang="en-US" sz="400" dirty="0">
+                <a:solidFill>
+                  <a:srgbClr val="0000FF"/>
+                </a:solidFill>
+                <a:latin typeface="Arial"/>
+                <a:cs typeface="Arial"/>
+              </a:rPr>
+              <a:t>数据总线，支持 </a:t>
+            </a:r>
+            <a:r>
+              <a:rPr lang="en-US" altLang="zh-CN" sz="400" dirty="0">
+                <a:solidFill>
+                  <a:srgbClr val="0000FF"/>
+                </a:solidFill>
+                <a:latin typeface="Arial"/>
+                <a:cs typeface="Arial"/>
+              </a:rPr>
+              <a:t>16-bit </a:t>
+            </a:r>
+            <a:r>
+              <a:rPr lang="zh-CN" altLang="en-US" sz="400" dirty="0">
+                <a:solidFill>
+                  <a:srgbClr val="0000FF"/>
+                </a:solidFill>
+                <a:latin typeface="Arial"/>
+                <a:cs typeface="Arial"/>
+              </a:rPr>
+              <a:t>或 </a:t>
+            </a:r>
+            <a:r>
+              <a:rPr lang="en-US" altLang="zh-CN" sz="400" dirty="0">
+                <a:solidFill>
+                  <a:srgbClr val="0000FF"/>
+                </a:solidFill>
+                <a:latin typeface="Arial"/>
+                <a:cs typeface="Arial"/>
+              </a:rPr>
+              <a:t>32-bit </a:t>
+            </a:r>
+            <a:r>
+              <a:rPr lang="zh-CN" altLang="en-US" sz="400" dirty="0">
+                <a:solidFill>
+                  <a:srgbClr val="0000FF"/>
+                </a:solidFill>
+                <a:latin typeface="Arial"/>
+                <a:cs typeface="Arial"/>
+              </a:rPr>
+              <a:t>数据宽度</a:t>
+            </a:r>
+          </a:p>
+        </p:txBody>
+      </p:sp>
+      <p:sp>
+        <p:nvSpPr>
+          <p:cNvPr id="939" name="文本框 938">
+            <a:extLst>
+              <a:ext uri="{FF2B5EF4-FFF2-40B4-BE49-F238E27FC236}">
+                <a16:creationId xmlns:a16="http://schemas.microsoft.com/office/drawing/2014/main" id="{6255DA65-26E5-81F2-B1C8-A262F76C999D}"/>
+              </a:ext>
+            </a:extLst>
+          </p:cNvPr>
+          <p:cNvSpPr txBox="1"/>
+          <p:nvPr/>
+        </p:nvSpPr>
+        <p:spPr>
+          <a:xfrm>
+            <a:off x="7162800" y="1882165"/>
+            <a:ext cx="481218" cy="276999"/>
+          </a:xfrm>
+          <a:prstGeom prst="rect">
+            <a:avLst/>
+          </a:prstGeom>
+          <a:noFill/>
+        </p:spPr>
+        <p:txBody>
+          <a:bodyPr wrap="square">
+            <a:spAutoFit/>
+          </a:bodyPr>
+          <a:lstStyle/>
+          <a:p>
+            <a:pPr marR="5080" algn="ctr">
+              <a:spcBef>
+                <a:spcPts val="125"/>
+              </a:spcBef>
+            </a:pPr>
+            <a:r>
+              <a:rPr lang="en-US" altLang="zh-CN" sz="400" dirty="0">
+                <a:solidFill>
+                  <a:srgbClr val="0000FF"/>
+                </a:solidFill>
+                <a:latin typeface="Arial"/>
+                <a:cs typeface="Arial"/>
+              </a:rPr>
+              <a:t>A</a:t>
+            </a:r>
+            <a:r>
+              <a:rPr lang="zh-CN" altLang="en-US" sz="400" dirty="0">
+                <a:solidFill>
+                  <a:srgbClr val="0000FF"/>
+                </a:solidFill>
+                <a:latin typeface="Arial"/>
+                <a:cs typeface="Arial"/>
+              </a:rPr>
+              <a:t>：地址总线，用于寻址外部设备</a:t>
+            </a:r>
+          </a:p>
+        </p:txBody>
+      </p:sp>
+      <p:sp>
+        <p:nvSpPr>
+          <p:cNvPr id="940" name="文本框 939">
+            <a:extLst>
+              <a:ext uri="{FF2B5EF4-FFF2-40B4-BE49-F238E27FC236}">
+                <a16:creationId xmlns:a16="http://schemas.microsoft.com/office/drawing/2014/main" id="{636524D8-59B6-5898-1B9A-99329F257236}"/>
+              </a:ext>
+            </a:extLst>
+          </p:cNvPr>
+          <p:cNvSpPr txBox="1"/>
+          <p:nvPr/>
+        </p:nvSpPr>
+        <p:spPr>
+          <a:xfrm>
+            <a:off x="6981713" y="2746118"/>
+            <a:ext cx="514350" cy="400110"/>
+          </a:xfrm>
+          <a:prstGeom prst="rect">
+            <a:avLst/>
+          </a:prstGeom>
+          <a:noFill/>
+        </p:spPr>
+        <p:txBody>
+          <a:bodyPr wrap="square">
+            <a:spAutoFit/>
+          </a:bodyPr>
+          <a:lstStyle/>
+          <a:p>
+            <a:pPr marR="5080" algn="l">
+              <a:spcBef>
+                <a:spcPts val="125"/>
+              </a:spcBef>
+            </a:pPr>
+            <a:r>
+              <a:rPr lang="en-US" altLang="zh-CN" sz="400" dirty="0">
+                <a:solidFill>
+                  <a:srgbClr val="0000FF"/>
+                </a:solidFill>
+                <a:latin typeface="Arial"/>
+                <a:cs typeface="Arial"/>
+              </a:rPr>
+              <a:t>SDRAM </a:t>
+            </a:r>
+            <a:r>
+              <a:rPr lang="zh-CN" altLang="en-US" sz="400" dirty="0">
+                <a:solidFill>
+                  <a:srgbClr val="0000FF"/>
+                </a:solidFill>
+                <a:latin typeface="Arial"/>
+                <a:cs typeface="Arial"/>
+              </a:rPr>
+              <a:t>专用信号：时钟、时钟使能、行</a:t>
+            </a:r>
+            <a:r>
+              <a:rPr lang="en-US" altLang="zh-CN" sz="400" dirty="0">
+                <a:solidFill>
+                  <a:srgbClr val="0000FF"/>
+                </a:solidFill>
+                <a:latin typeface="Arial"/>
+                <a:cs typeface="Arial"/>
+              </a:rPr>
+              <a:t>/</a:t>
+            </a:r>
+            <a:r>
+              <a:rPr lang="zh-CN" altLang="en-US" sz="400" dirty="0">
+                <a:solidFill>
+                  <a:srgbClr val="0000FF"/>
+                </a:solidFill>
+                <a:latin typeface="Arial"/>
+                <a:cs typeface="Arial"/>
+              </a:rPr>
+              <a:t>列地址选通、写使能</a:t>
+            </a:r>
+          </a:p>
+        </p:txBody>
+      </p:sp>
+      <p:sp>
+        <p:nvSpPr>
+          <p:cNvPr id="941" name="文本框 940">
+            <a:extLst>
+              <a:ext uri="{FF2B5EF4-FFF2-40B4-BE49-F238E27FC236}">
+                <a16:creationId xmlns:a16="http://schemas.microsoft.com/office/drawing/2014/main" id="{5711A3CA-2D09-E280-DF07-35168A93FAA2}"/>
+              </a:ext>
+            </a:extLst>
+          </p:cNvPr>
+          <p:cNvSpPr txBox="1"/>
+          <p:nvPr/>
+        </p:nvSpPr>
+        <p:spPr>
+          <a:xfrm>
+            <a:off x="6868139" y="3048000"/>
+            <a:ext cx="1371600" cy="153888"/>
+          </a:xfrm>
+          <a:prstGeom prst="rect">
+            <a:avLst/>
+          </a:prstGeom>
+          <a:noFill/>
+        </p:spPr>
+        <p:txBody>
+          <a:bodyPr wrap="square">
+            <a:spAutoFit/>
+          </a:bodyPr>
+          <a:lstStyle/>
+          <a:p>
+            <a:pPr marR="5080" algn="l">
+              <a:spcBef>
+                <a:spcPts val="125"/>
+              </a:spcBef>
+            </a:pPr>
+            <a:r>
+              <a:rPr lang="pt-BR" altLang="zh-CN" sz="400" dirty="0">
+                <a:solidFill>
+                  <a:srgbClr val="0000FF"/>
+                </a:solidFill>
+                <a:latin typeface="Arial"/>
+                <a:cs typeface="Arial"/>
+              </a:rPr>
+              <a:t>SDRAM </a:t>
+            </a:r>
+            <a:r>
+              <a:rPr lang="zh-CN" altLang="pt-BR" sz="400" dirty="0">
+                <a:solidFill>
+                  <a:srgbClr val="0000FF"/>
+                </a:solidFill>
+                <a:latin typeface="Arial"/>
+                <a:cs typeface="Arial"/>
+              </a:rPr>
+              <a:t>的 </a:t>
+            </a:r>
+            <a:r>
+              <a:rPr lang="pt-BR" altLang="zh-CN" sz="400" dirty="0">
+                <a:solidFill>
+                  <a:srgbClr val="0000FF"/>
+                </a:solidFill>
+                <a:latin typeface="Arial"/>
+                <a:cs typeface="Arial"/>
+              </a:rPr>
+              <a:t>A10 </a:t>
+            </a:r>
+            <a:r>
+              <a:rPr lang="zh-CN" altLang="pt-BR" sz="400" dirty="0">
+                <a:solidFill>
+                  <a:srgbClr val="0000FF"/>
+                </a:solidFill>
+                <a:latin typeface="Arial"/>
+                <a:cs typeface="Arial"/>
+              </a:rPr>
+              <a:t>行地址，用于 </a:t>
+            </a:r>
+            <a:r>
+              <a:rPr lang="pt-BR" altLang="zh-CN" sz="400" dirty="0">
+                <a:solidFill>
+                  <a:srgbClr val="0000FF"/>
+                </a:solidFill>
+                <a:latin typeface="Arial"/>
+                <a:cs typeface="Arial"/>
+              </a:rPr>
+              <a:t>Auto Refresh</a:t>
+            </a:r>
+            <a:endParaRPr lang="zh-CN" altLang="en-US" sz="400" dirty="0">
+              <a:solidFill>
+                <a:srgbClr val="0000FF"/>
+              </a:solidFill>
+              <a:latin typeface="Arial"/>
+              <a:cs typeface="Arial"/>
+            </a:endParaRPr>
+          </a:p>
+        </p:txBody>
+      </p:sp>
+      <p:sp>
+        <p:nvSpPr>
+          <p:cNvPr id="942" name="文本框 941">
+            <a:extLst>
+              <a:ext uri="{FF2B5EF4-FFF2-40B4-BE49-F238E27FC236}">
+                <a16:creationId xmlns:a16="http://schemas.microsoft.com/office/drawing/2014/main" id="{A951EE6A-2338-9C0E-84A5-4621DA45EB9A}"/>
+              </a:ext>
+            </a:extLst>
+          </p:cNvPr>
+          <p:cNvSpPr txBox="1"/>
+          <p:nvPr/>
+        </p:nvSpPr>
+        <p:spPr>
+          <a:xfrm>
+            <a:off x="7086897" y="3124200"/>
+            <a:ext cx="1371600" cy="153888"/>
+          </a:xfrm>
+          <a:prstGeom prst="rect">
+            <a:avLst/>
+          </a:prstGeom>
+          <a:noFill/>
+        </p:spPr>
+        <p:txBody>
+          <a:bodyPr wrap="square">
+            <a:spAutoFit/>
+          </a:bodyPr>
+          <a:lstStyle/>
+          <a:p>
+            <a:pPr marR="5080" algn="l">
+              <a:spcBef>
+                <a:spcPts val="125"/>
+              </a:spcBef>
+            </a:pPr>
+            <a:r>
+              <a:rPr lang="zh-CN" altLang="en-US" sz="400" dirty="0">
+                <a:solidFill>
+                  <a:srgbClr val="0000FF"/>
+                </a:solidFill>
+                <a:latin typeface="Arial"/>
+                <a:cs typeface="Arial"/>
+              </a:rPr>
+              <a:t>外部总线</a:t>
+            </a:r>
+            <a:r>
+              <a:rPr lang="en-US" altLang="zh-CN" sz="400" dirty="0">
+                <a:solidFill>
+                  <a:srgbClr val="0000FF"/>
+                </a:solidFill>
+                <a:latin typeface="Arial"/>
+                <a:cs typeface="Arial"/>
+              </a:rPr>
+              <a:t>/</a:t>
+            </a:r>
+            <a:r>
+              <a:rPr lang="pt-BR" altLang="zh-CN" sz="400" dirty="0">
+                <a:solidFill>
+                  <a:srgbClr val="0000FF"/>
+                </a:solidFill>
+                <a:latin typeface="Arial"/>
+                <a:cs typeface="Arial"/>
+              </a:rPr>
+              <a:t>SmartMedia </a:t>
+            </a:r>
+            <a:r>
+              <a:rPr lang="zh-CN" altLang="en-US" sz="400" dirty="0">
+                <a:solidFill>
+                  <a:srgbClr val="0000FF"/>
+                </a:solidFill>
+                <a:latin typeface="Arial"/>
+                <a:cs typeface="Arial"/>
+              </a:rPr>
+              <a:t>特有信号</a:t>
+            </a:r>
+          </a:p>
+        </p:txBody>
+      </p:sp>
+      <p:sp>
+        <p:nvSpPr>
+          <p:cNvPr id="943" name="文本框 942">
+            <a:extLst>
+              <a:ext uri="{FF2B5EF4-FFF2-40B4-BE49-F238E27FC236}">
+                <a16:creationId xmlns:a16="http://schemas.microsoft.com/office/drawing/2014/main" id="{A809F332-DBC0-19C2-3FFF-E5C8761B936C}"/>
+              </a:ext>
+            </a:extLst>
+          </p:cNvPr>
+          <p:cNvSpPr txBox="1"/>
+          <p:nvPr/>
+        </p:nvSpPr>
+        <p:spPr>
+          <a:xfrm>
+            <a:off x="6839678" y="3227725"/>
+            <a:ext cx="1074414" cy="215444"/>
+          </a:xfrm>
+          <a:prstGeom prst="rect">
+            <a:avLst/>
+          </a:prstGeom>
+          <a:noFill/>
+        </p:spPr>
+        <p:txBody>
+          <a:bodyPr wrap="square">
+            <a:spAutoFit/>
+          </a:bodyPr>
+          <a:lstStyle/>
+          <a:p>
+            <a:pPr marR="5080" algn="l">
+              <a:spcBef>
+                <a:spcPts val="125"/>
+              </a:spcBef>
+            </a:pPr>
+            <a:r>
+              <a:rPr lang="zh-CN" altLang="en-US" sz="400" dirty="0">
+                <a:solidFill>
+                  <a:srgbClr val="0000FF"/>
+                </a:solidFill>
+                <a:latin typeface="Arial"/>
+                <a:cs typeface="Arial"/>
+              </a:rPr>
+              <a:t>用于连接外部并行设备，如 </a:t>
+            </a:r>
+            <a:r>
+              <a:rPr lang="en-US" altLang="zh-CN" sz="400" dirty="0">
+                <a:solidFill>
+                  <a:srgbClr val="0000FF"/>
+                </a:solidFill>
+                <a:latin typeface="Arial"/>
+                <a:cs typeface="Arial"/>
+              </a:rPr>
+              <a:t>LCD </a:t>
+            </a:r>
+            <a:r>
+              <a:rPr lang="zh-CN" altLang="en-US" sz="400" dirty="0">
+                <a:solidFill>
+                  <a:srgbClr val="0000FF"/>
+                </a:solidFill>
+                <a:latin typeface="Arial"/>
+                <a:cs typeface="Arial"/>
+              </a:rPr>
+              <a:t>控制器、</a:t>
+            </a:r>
+            <a:r>
+              <a:rPr lang="en-US" altLang="zh-CN" sz="400" dirty="0">
+                <a:solidFill>
+                  <a:srgbClr val="0000FF"/>
+                </a:solidFill>
+                <a:latin typeface="Arial"/>
+                <a:cs typeface="Arial"/>
+              </a:rPr>
+              <a:t>Flash </a:t>
+            </a:r>
+            <a:r>
+              <a:rPr lang="zh-CN" altLang="en-US" sz="400" dirty="0">
+                <a:solidFill>
+                  <a:srgbClr val="0000FF"/>
+                </a:solidFill>
+                <a:latin typeface="Arial"/>
+                <a:cs typeface="Arial"/>
+              </a:rPr>
+              <a:t>控制器</a:t>
+            </a:r>
+          </a:p>
+        </p:txBody>
+      </p:sp>
+      <p:sp>
+        <p:nvSpPr>
+          <p:cNvPr id="946" name="文本框 945">
+            <a:extLst>
+              <a:ext uri="{FF2B5EF4-FFF2-40B4-BE49-F238E27FC236}">
+                <a16:creationId xmlns:a16="http://schemas.microsoft.com/office/drawing/2014/main" id="{76336F9B-9E97-9E30-6FCE-3B74A87C1F9C}"/>
+              </a:ext>
+            </a:extLst>
+          </p:cNvPr>
+          <p:cNvSpPr txBox="1"/>
+          <p:nvPr/>
+        </p:nvSpPr>
+        <p:spPr>
+          <a:xfrm>
+            <a:off x="7105290" y="3378188"/>
+            <a:ext cx="1371600" cy="153888"/>
+          </a:xfrm>
+          <a:prstGeom prst="rect">
+            <a:avLst/>
+          </a:prstGeom>
+          <a:noFill/>
+        </p:spPr>
+        <p:txBody>
+          <a:bodyPr wrap="square">
+            <a:spAutoFit/>
+          </a:bodyPr>
+          <a:lstStyle/>
+          <a:p>
+            <a:pPr marR="5080" algn="l">
+              <a:spcBef>
+                <a:spcPts val="125"/>
+              </a:spcBef>
+            </a:pPr>
+            <a:r>
+              <a:rPr lang="zh-CN" altLang="en-US" sz="400" dirty="0">
+                <a:solidFill>
+                  <a:srgbClr val="0000FF"/>
+                </a:solidFill>
+                <a:latin typeface="Arial"/>
+                <a:cs typeface="Arial"/>
+              </a:rPr>
+              <a:t>访问特定外设（如某些并行 </a:t>
+            </a:r>
+            <a:r>
+              <a:rPr lang="en-US" altLang="zh-CN" sz="400" dirty="0">
+                <a:solidFill>
+                  <a:srgbClr val="0000FF"/>
+                </a:solidFill>
+                <a:latin typeface="Arial"/>
+                <a:cs typeface="Arial"/>
+              </a:rPr>
+              <a:t>NOR Flash</a:t>
+            </a:r>
+            <a:r>
+              <a:rPr lang="zh-CN" altLang="en-US" sz="400" dirty="0">
+                <a:solidFill>
+                  <a:srgbClr val="0000FF"/>
+                </a:solidFill>
+                <a:latin typeface="Arial"/>
+                <a:cs typeface="Arial"/>
+              </a:rPr>
+              <a:t>）时才使用</a:t>
+            </a:r>
+          </a:p>
+        </p:txBody>
+      </p:sp>
+      <p:sp>
+        <p:nvSpPr>
+          <p:cNvPr id="947" name="文本框 946">
+            <a:extLst>
+              <a:ext uri="{FF2B5EF4-FFF2-40B4-BE49-F238E27FC236}">
+                <a16:creationId xmlns:a16="http://schemas.microsoft.com/office/drawing/2014/main" id="{08F57EF9-5C87-3998-16F8-0CBA98F87FCA}"/>
+              </a:ext>
+            </a:extLst>
+          </p:cNvPr>
+          <p:cNvSpPr txBox="1"/>
+          <p:nvPr/>
+        </p:nvSpPr>
+        <p:spPr>
+          <a:xfrm>
+            <a:off x="6826739" y="3480334"/>
+            <a:ext cx="1129916" cy="215444"/>
+          </a:xfrm>
+          <a:prstGeom prst="rect">
+            <a:avLst/>
+          </a:prstGeom>
+          <a:noFill/>
+        </p:spPr>
+        <p:txBody>
+          <a:bodyPr wrap="square">
+            <a:spAutoFit/>
+          </a:bodyPr>
+          <a:lstStyle/>
+          <a:p>
+            <a:pPr marR="5080" algn="l">
+              <a:spcBef>
+                <a:spcPts val="125"/>
+              </a:spcBef>
+            </a:pPr>
+            <a:r>
+              <a:rPr lang="zh-CN" altLang="en-US" sz="400">
+                <a:solidFill>
+                  <a:srgbClr val="0000FF"/>
+                </a:solidFill>
+                <a:latin typeface="Arial"/>
+                <a:cs typeface="Arial"/>
+              </a:rPr>
+              <a:t>用于连接外部并行设备，如 </a:t>
+            </a:r>
+            <a:r>
+              <a:rPr lang="en-US" altLang="zh-CN" sz="400">
+                <a:solidFill>
+                  <a:srgbClr val="0000FF"/>
+                </a:solidFill>
+                <a:latin typeface="Arial"/>
+                <a:cs typeface="Arial"/>
+              </a:rPr>
+              <a:t>LCD </a:t>
+            </a:r>
+            <a:r>
+              <a:rPr lang="zh-CN" altLang="en-US" sz="400">
+                <a:solidFill>
+                  <a:srgbClr val="0000FF"/>
+                </a:solidFill>
+                <a:latin typeface="Arial"/>
+                <a:cs typeface="Arial"/>
+              </a:rPr>
+              <a:t>控制器、</a:t>
+            </a:r>
+            <a:r>
+              <a:rPr lang="en-US" altLang="zh-CN" sz="400">
+                <a:solidFill>
+                  <a:srgbClr val="0000FF"/>
+                </a:solidFill>
+                <a:latin typeface="Arial"/>
+                <a:cs typeface="Arial"/>
+              </a:rPr>
+              <a:t>Flash </a:t>
+            </a:r>
+            <a:r>
+              <a:rPr lang="zh-CN" altLang="en-US" sz="400">
+                <a:solidFill>
+                  <a:srgbClr val="0000FF"/>
+                </a:solidFill>
+                <a:latin typeface="Arial"/>
+                <a:cs typeface="Arial"/>
+              </a:rPr>
+              <a:t>控制器</a:t>
+            </a:r>
+            <a:endParaRPr lang="zh-CN" altLang="en-US" sz="400" dirty="0">
+              <a:solidFill>
+                <a:srgbClr val="0000FF"/>
+              </a:solidFill>
+              <a:latin typeface="Arial"/>
+              <a:cs typeface="Arial"/>
+            </a:endParaRPr>
+          </a:p>
+        </p:txBody>
+      </p:sp>
+      <p:sp>
+        <p:nvSpPr>
+          <p:cNvPr id="948" name="文本框 947">
+            <a:extLst>
+              <a:ext uri="{FF2B5EF4-FFF2-40B4-BE49-F238E27FC236}">
+                <a16:creationId xmlns:a16="http://schemas.microsoft.com/office/drawing/2014/main" id="{C393C84F-4300-FF83-B55C-8C4E5497C3AE}"/>
+              </a:ext>
+            </a:extLst>
+          </p:cNvPr>
+          <p:cNvSpPr txBox="1"/>
+          <p:nvPr/>
+        </p:nvSpPr>
+        <p:spPr>
+          <a:xfrm>
+            <a:off x="7017491" y="3634874"/>
+            <a:ext cx="914993" cy="215444"/>
+          </a:xfrm>
+          <a:prstGeom prst="rect">
+            <a:avLst/>
+          </a:prstGeom>
+          <a:noFill/>
+        </p:spPr>
+        <p:txBody>
+          <a:bodyPr wrap="square">
+            <a:spAutoFit/>
+          </a:bodyPr>
+          <a:lstStyle/>
+          <a:p>
+            <a:pPr marR="5080" algn="l">
+              <a:spcBef>
+                <a:spcPts val="125"/>
+              </a:spcBef>
+            </a:pPr>
+            <a:r>
+              <a:rPr lang="zh-CN" altLang="en-US" sz="400" dirty="0">
+                <a:solidFill>
+                  <a:srgbClr val="0000FF"/>
+                </a:solidFill>
+                <a:latin typeface="Arial"/>
+                <a:cs typeface="Arial"/>
+              </a:rPr>
+              <a:t>地址总线，用于寻址外部设备（</a:t>
+            </a:r>
+            <a:r>
+              <a:rPr lang="en-US" altLang="zh-CN" sz="400" dirty="0">
+                <a:solidFill>
+                  <a:srgbClr val="0000FF"/>
+                </a:solidFill>
+                <a:latin typeface="Arial"/>
+                <a:cs typeface="Arial"/>
+              </a:rPr>
+              <a:t>SDRAM</a:t>
+            </a:r>
+            <a:r>
+              <a:rPr lang="zh-CN" altLang="en-US" sz="400" dirty="0">
+                <a:solidFill>
+                  <a:srgbClr val="0000FF"/>
+                </a:solidFill>
+                <a:latin typeface="Arial"/>
+                <a:cs typeface="Arial"/>
+              </a:rPr>
+              <a:t>、</a:t>
+            </a:r>
+            <a:r>
+              <a:rPr lang="en-US" altLang="zh-CN" sz="400" dirty="0">
+                <a:solidFill>
+                  <a:srgbClr val="0000FF"/>
+                </a:solidFill>
+                <a:latin typeface="Arial"/>
+                <a:cs typeface="Arial"/>
+              </a:rPr>
+              <a:t>NOR Flash</a:t>
+            </a:r>
+            <a:r>
+              <a:rPr lang="zh-CN" altLang="en-US" sz="400" dirty="0">
+                <a:solidFill>
+                  <a:srgbClr val="0000FF"/>
+                </a:solidFill>
+                <a:latin typeface="Arial"/>
+                <a:cs typeface="Arial"/>
+              </a:rPr>
+              <a:t>等）</a:t>
+            </a:r>
+          </a:p>
+        </p:txBody>
+      </p:sp>
+      <p:sp>
+        <p:nvSpPr>
+          <p:cNvPr id="949" name="文本框 948">
+            <a:extLst>
+              <a:ext uri="{FF2B5EF4-FFF2-40B4-BE49-F238E27FC236}">
+                <a16:creationId xmlns:a16="http://schemas.microsoft.com/office/drawing/2014/main" id="{AF6856A9-F4F5-0424-B2EF-77FAD44ACD48}"/>
+              </a:ext>
+            </a:extLst>
+          </p:cNvPr>
+          <p:cNvSpPr txBox="1"/>
+          <p:nvPr/>
+        </p:nvSpPr>
+        <p:spPr>
+          <a:xfrm>
+            <a:off x="6934200" y="4199263"/>
+            <a:ext cx="1555261" cy="153888"/>
+          </a:xfrm>
+          <a:prstGeom prst="rect">
+            <a:avLst/>
+          </a:prstGeom>
+          <a:noFill/>
+        </p:spPr>
+        <p:txBody>
+          <a:bodyPr wrap="square">
+            <a:spAutoFit/>
+          </a:bodyPr>
+          <a:lstStyle/>
+          <a:p>
+            <a:pPr marR="5080" algn="l">
+              <a:spcBef>
+                <a:spcPts val="125"/>
+              </a:spcBef>
+            </a:pPr>
+            <a:r>
+              <a:rPr lang="zh-CN" altLang="en-US" sz="400" dirty="0">
+                <a:solidFill>
+                  <a:srgbClr val="0000FF"/>
+                </a:solidFill>
+                <a:latin typeface="Arial"/>
+                <a:cs typeface="Arial"/>
+              </a:rPr>
+              <a:t>数据总线，支持 </a:t>
+            </a:r>
+            <a:r>
+              <a:rPr lang="en-US" altLang="zh-CN" sz="400" dirty="0">
+                <a:solidFill>
+                  <a:srgbClr val="0000FF"/>
+                </a:solidFill>
+                <a:latin typeface="Arial"/>
+                <a:cs typeface="Arial"/>
+              </a:rPr>
+              <a:t>16-bit </a:t>
+            </a:r>
+            <a:r>
+              <a:rPr lang="zh-CN" altLang="en-US" sz="400" dirty="0">
+                <a:solidFill>
+                  <a:srgbClr val="0000FF"/>
+                </a:solidFill>
+                <a:latin typeface="Arial"/>
+                <a:cs typeface="Arial"/>
+              </a:rPr>
+              <a:t>或 </a:t>
+            </a:r>
+            <a:r>
+              <a:rPr lang="en-US" altLang="zh-CN" sz="400" dirty="0">
+                <a:solidFill>
+                  <a:srgbClr val="0000FF"/>
+                </a:solidFill>
+                <a:latin typeface="Arial"/>
+                <a:cs typeface="Arial"/>
+              </a:rPr>
+              <a:t>32-bit </a:t>
+            </a:r>
+            <a:r>
+              <a:rPr lang="zh-CN" altLang="en-US" sz="400" dirty="0">
+                <a:solidFill>
+                  <a:srgbClr val="0000FF"/>
+                </a:solidFill>
+                <a:latin typeface="Arial"/>
+                <a:cs typeface="Arial"/>
+              </a:rPr>
+              <a:t>数据宽度</a:t>
+            </a:r>
+          </a:p>
+        </p:txBody>
+      </p:sp>
+      <p:sp>
+        <p:nvSpPr>
+          <p:cNvPr id="950" name="文本框 949">
+            <a:extLst>
+              <a:ext uri="{FF2B5EF4-FFF2-40B4-BE49-F238E27FC236}">
+                <a16:creationId xmlns:a16="http://schemas.microsoft.com/office/drawing/2014/main" id="{C16D73C2-08B9-6E96-AC06-C74EECCCCDF3}"/>
+              </a:ext>
+            </a:extLst>
+          </p:cNvPr>
+          <p:cNvSpPr txBox="1"/>
+          <p:nvPr/>
+        </p:nvSpPr>
+        <p:spPr>
+          <a:xfrm>
+            <a:off x="7772400" y="3634874"/>
+            <a:ext cx="609303" cy="215444"/>
+          </a:xfrm>
+          <a:prstGeom prst="rect">
+            <a:avLst/>
+          </a:prstGeom>
+          <a:noFill/>
+        </p:spPr>
+        <p:txBody>
+          <a:bodyPr wrap="square">
+            <a:spAutoFit/>
+          </a:bodyPr>
+          <a:lstStyle/>
+          <a:p>
+            <a:pPr marR="5080" algn="l">
+              <a:spcBef>
+                <a:spcPts val="125"/>
+              </a:spcBef>
+            </a:pPr>
+            <a:r>
+              <a:rPr lang="en-US" altLang="zh-CN" sz="400" dirty="0">
+                <a:solidFill>
+                  <a:srgbClr val="0000FF"/>
+                </a:solidFill>
+                <a:latin typeface="Arial"/>
+                <a:cs typeface="Arial"/>
+              </a:rPr>
+              <a:t>CompactFlash </a:t>
+            </a:r>
+            <a:r>
+              <a:rPr lang="zh-CN" altLang="en-US" sz="400" dirty="0">
+                <a:solidFill>
+                  <a:srgbClr val="0000FF"/>
+                </a:solidFill>
+                <a:latin typeface="Arial"/>
+                <a:cs typeface="Arial"/>
+              </a:rPr>
+              <a:t>读</a:t>
+            </a:r>
+            <a:r>
+              <a:rPr lang="en-US" altLang="zh-CN" sz="400" dirty="0">
+                <a:solidFill>
+                  <a:srgbClr val="0000FF"/>
+                </a:solidFill>
+                <a:latin typeface="Arial"/>
+                <a:cs typeface="Arial"/>
+              </a:rPr>
+              <a:t>/</a:t>
+            </a:r>
+            <a:r>
+              <a:rPr lang="zh-CN" altLang="en-US" sz="400" dirty="0">
+                <a:solidFill>
+                  <a:srgbClr val="0000FF"/>
+                </a:solidFill>
+                <a:latin typeface="Arial"/>
+                <a:cs typeface="Arial"/>
+              </a:rPr>
+              <a:t>写控制</a:t>
+            </a:r>
+          </a:p>
+        </p:txBody>
+      </p:sp>
+      <p:sp>
+        <p:nvSpPr>
+          <p:cNvPr id="951" name="文本框 950">
+            <a:extLst>
+              <a:ext uri="{FF2B5EF4-FFF2-40B4-BE49-F238E27FC236}">
+                <a16:creationId xmlns:a16="http://schemas.microsoft.com/office/drawing/2014/main" id="{C3B4403E-77D6-FCBC-2EE6-BA41F2A9615F}"/>
+              </a:ext>
+            </a:extLst>
+          </p:cNvPr>
+          <p:cNvSpPr txBox="1"/>
+          <p:nvPr/>
+        </p:nvSpPr>
+        <p:spPr>
+          <a:xfrm>
+            <a:off x="6819155" y="3789760"/>
+            <a:ext cx="1227345" cy="153888"/>
+          </a:xfrm>
+          <a:prstGeom prst="rect">
+            <a:avLst/>
+          </a:prstGeom>
+          <a:noFill/>
+        </p:spPr>
+        <p:txBody>
+          <a:bodyPr wrap="square">
+            <a:spAutoFit/>
+          </a:bodyPr>
+          <a:lstStyle/>
+          <a:p>
+            <a:pPr marR="5080" algn="l">
+              <a:spcBef>
+                <a:spcPts val="125"/>
+              </a:spcBef>
+            </a:pPr>
+            <a:r>
+              <a:rPr lang="zh-CN" altLang="en-US" sz="400" dirty="0">
+                <a:solidFill>
+                  <a:srgbClr val="0000FF"/>
+                </a:solidFill>
+                <a:latin typeface="Arial"/>
+                <a:cs typeface="Arial"/>
+              </a:rPr>
+              <a:t>等待信号（</a:t>
+            </a:r>
+            <a:r>
+              <a:rPr lang="en-US" altLang="zh-CN" sz="400" dirty="0">
+                <a:solidFill>
+                  <a:srgbClr val="0000FF"/>
+                </a:solidFill>
+                <a:latin typeface="Arial"/>
+                <a:cs typeface="Arial"/>
+              </a:rPr>
+              <a:t>Wait</a:t>
+            </a:r>
+            <a:r>
+              <a:rPr lang="zh-CN" altLang="en-US" sz="400" dirty="0">
+                <a:solidFill>
+                  <a:srgbClr val="0000FF"/>
+                </a:solidFill>
+                <a:latin typeface="Arial"/>
+                <a:cs typeface="Arial"/>
+              </a:rPr>
+              <a:t>），用于指示外设未准备好</a:t>
+            </a:r>
+          </a:p>
+        </p:txBody>
+      </p:sp>
+      <p:sp>
+        <p:nvSpPr>
+          <p:cNvPr id="952" name="文本框 951">
+            <a:extLst>
+              <a:ext uri="{FF2B5EF4-FFF2-40B4-BE49-F238E27FC236}">
+                <a16:creationId xmlns:a16="http://schemas.microsoft.com/office/drawing/2014/main" id="{E9B19026-D78E-0EB6-8A09-6A71450D8943}"/>
+              </a:ext>
+            </a:extLst>
+          </p:cNvPr>
+          <p:cNvSpPr txBox="1"/>
+          <p:nvPr/>
+        </p:nvSpPr>
+        <p:spPr>
+          <a:xfrm>
+            <a:off x="7098512" y="2131963"/>
+            <a:ext cx="673888" cy="338554"/>
+          </a:xfrm>
+          <a:prstGeom prst="rect">
+            <a:avLst/>
+          </a:prstGeom>
+          <a:noFill/>
+        </p:spPr>
+        <p:txBody>
+          <a:bodyPr wrap="square">
+            <a:spAutoFit/>
+          </a:bodyPr>
+          <a:lstStyle/>
+          <a:p>
+            <a:pPr marR="5080" algn="l">
+              <a:spcBef>
+                <a:spcPts val="125"/>
+              </a:spcBef>
+            </a:pPr>
+            <a:r>
+              <a:rPr lang="en-US" altLang="zh-CN" sz="400" dirty="0">
+                <a:solidFill>
+                  <a:srgbClr val="0000FF"/>
+                </a:solidFill>
+                <a:latin typeface="Arial"/>
+                <a:cs typeface="Arial"/>
+              </a:rPr>
+              <a:t>NC</a:t>
+            </a:r>
+            <a:r>
+              <a:rPr lang="zh-CN" altLang="en-US" sz="400" dirty="0">
+                <a:solidFill>
+                  <a:srgbClr val="0000FF"/>
+                </a:solidFill>
+                <a:latin typeface="Arial"/>
+                <a:cs typeface="Arial"/>
+              </a:rPr>
+              <a:t>系列：芯片选择信号，选择不同的外设（</a:t>
+            </a:r>
+            <a:r>
+              <a:rPr lang="en-US" altLang="zh-CN" sz="400" dirty="0">
+                <a:solidFill>
+                  <a:srgbClr val="0000FF"/>
+                </a:solidFill>
+                <a:latin typeface="Arial"/>
+                <a:cs typeface="Arial"/>
+              </a:rPr>
+              <a:t>NCS0</a:t>
+            </a:r>
+            <a:r>
+              <a:rPr lang="zh-CN" altLang="en-US" sz="400" dirty="0">
+                <a:solidFill>
+                  <a:srgbClr val="0000FF"/>
+                </a:solidFill>
+                <a:latin typeface="Arial"/>
+                <a:cs typeface="Arial"/>
+              </a:rPr>
+              <a:t>通常用于外部 </a:t>
+            </a:r>
+            <a:r>
+              <a:rPr lang="en-US" altLang="zh-CN" sz="400" dirty="0">
+                <a:solidFill>
+                  <a:srgbClr val="0000FF"/>
+                </a:solidFill>
+                <a:latin typeface="Arial"/>
+                <a:cs typeface="Arial"/>
+              </a:rPr>
+              <a:t>Flash</a:t>
+            </a:r>
+            <a:r>
+              <a:rPr lang="zh-CN" altLang="en-US" sz="400" dirty="0">
+                <a:solidFill>
+                  <a:srgbClr val="0000FF"/>
+                </a:solidFill>
+                <a:latin typeface="Arial"/>
+                <a:cs typeface="Arial"/>
+              </a:rPr>
+              <a:t>）</a:t>
+            </a:r>
+          </a:p>
+        </p:txBody>
+      </p:sp>
+      <p:sp>
+        <p:nvSpPr>
+          <p:cNvPr id="953" name="文本框 952">
+            <a:extLst>
+              <a:ext uri="{FF2B5EF4-FFF2-40B4-BE49-F238E27FC236}">
+                <a16:creationId xmlns:a16="http://schemas.microsoft.com/office/drawing/2014/main" id="{F60799AC-0703-5606-FEA4-C36F1DAB57C5}"/>
+              </a:ext>
+            </a:extLst>
+          </p:cNvPr>
+          <p:cNvSpPr txBox="1"/>
+          <p:nvPr/>
+        </p:nvSpPr>
+        <p:spPr>
+          <a:xfrm>
+            <a:off x="7162800" y="1751734"/>
+            <a:ext cx="1298490" cy="153888"/>
+          </a:xfrm>
+          <a:prstGeom prst="rect">
+            <a:avLst/>
+          </a:prstGeom>
+          <a:noFill/>
+        </p:spPr>
+        <p:txBody>
+          <a:bodyPr wrap="square">
+            <a:spAutoFit/>
+          </a:bodyPr>
+          <a:lstStyle/>
+          <a:p>
+            <a:pPr marR="5080" algn="ctr">
+              <a:spcBef>
+                <a:spcPts val="125"/>
+              </a:spcBef>
+            </a:pPr>
+            <a:r>
+              <a:rPr lang="en-US" altLang="zh-CN" sz="400" dirty="0">
+                <a:solidFill>
+                  <a:srgbClr val="0000FF"/>
+                </a:solidFill>
+                <a:latin typeface="Arial"/>
+                <a:cs typeface="Arial"/>
+              </a:rPr>
+              <a:t>NBS</a:t>
+            </a:r>
+            <a:r>
+              <a:rPr lang="zh-CN" altLang="en-US" sz="400" dirty="0">
+                <a:solidFill>
+                  <a:srgbClr val="0000FF"/>
+                </a:solidFill>
+                <a:latin typeface="Arial"/>
+                <a:cs typeface="Arial"/>
+              </a:rPr>
+              <a:t>：</a:t>
+            </a:r>
+            <a:r>
+              <a:rPr lang="en-US" altLang="zh-CN" sz="400" dirty="0">
+                <a:solidFill>
+                  <a:srgbClr val="0000FF"/>
+                </a:solidFill>
+                <a:latin typeface="Arial"/>
+                <a:cs typeface="Arial"/>
+              </a:rPr>
+              <a:t>Bank Select</a:t>
+            </a:r>
+            <a:r>
+              <a:rPr lang="zh-CN" altLang="en-US" sz="400" dirty="0">
+                <a:solidFill>
+                  <a:srgbClr val="0000FF"/>
+                </a:solidFill>
+                <a:latin typeface="Arial"/>
+                <a:cs typeface="Arial"/>
+              </a:rPr>
+              <a:t>，用于 </a:t>
+            </a:r>
+            <a:r>
+              <a:rPr lang="en-US" altLang="zh-CN" sz="400" dirty="0">
+                <a:solidFill>
+                  <a:srgbClr val="0000FF"/>
+                </a:solidFill>
+                <a:latin typeface="Arial"/>
+                <a:cs typeface="Arial"/>
+              </a:rPr>
+              <a:t>SDRAM </a:t>
+            </a:r>
+            <a:r>
+              <a:rPr lang="zh-CN" altLang="en-US" sz="400" dirty="0">
+                <a:solidFill>
+                  <a:srgbClr val="0000FF"/>
+                </a:solidFill>
+                <a:latin typeface="Arial"/>
+                <a:cs typeface="Arial"/>
+              </a:rPr>
+              <a:t>的 </a:t>
+            </a:r>
+            <a:r>
+              <a:rPr lang="en-US" altLang="zh-CN" sz="400" dirty="0">
+                <a:solidFill>
+                  <a:srgbClr val="0000FF"/>
+                </a:solidFill>
+                <a:latin typeface="Arial"/>
+                <a:cs typeface="Arial"/>
+              </a:rPr>
+              <a:t>bank </a:t>
+            </a:r>
+            <a:r>
+              <a:rPr lang="zh-CN" altLang="en-US" sz="400" dirty="0">
+                <a:solidFill>
+                  <a:srgbClr val="0000FF"/>
+                </a:solidFill>
+                <a:latin typeface="Arial"/>
+                <a:cs typeface="Arial"/>
+              </a:rPr>
+              <a:t>选择</a:t>
+            </a:r>
+          </a:p>
+        </p:txBody>
+      </p:sp>
+      <p:sp>
+        <p:nvSpPr>
+          <p:cNvPr id="954" name="文本框 953">
+            <a:extLst>
+              <a:ext uri="{FF2B5EF4-FFF2-40B4-BE49-F238E27FC236}">
+                <a16:creationId xmlns:a16="http://schemas.microsoft.com/office/drawing/2014/main" id="{9ABA964B-FF21-B388-1941-0BE51868D28A}"/>
+              </a:ext>
+            </a:extLst>
+          </p:cNvPr>
+          <p:cNvSpPr txBox="1"/>
+          <p:nvPr/>
+        </p:nvSpPr>
+        <p:spPr>
+          <a:xfrm>
+            <a:off x="7214092" y="2413405"/>
+            <a:ext cx="914993" cy="153888"/>
+          </a:xfrm>
+          <a:prstGeom prst="rect">
+            <a:avLst/>
+          </a:prstGeom>
+          <a:noFill/>
+        </p:spPr>
+        <p:txBody>
+          <a:bodyPr wrap="square">
+            <a:spAutoFit/>
+          </a:bodyPr>
+          <a:lstStyle/>
+          <a:p>
+            <a:pPr marR="5080" algn="l">
+              <a:spcBef>
+                <a:spcPts val="125"/>
+              </a:spcBef>
+            </a:pPr>
+            <a:r>
+              <a:rPr lang="zh-CN" altLang="en-US" sz="400" dirty="0">
+                <a:solidFill>
+                  <a:srgbClr val="0000FF"/>
+                </a:solidFill>
+                <a:latin typeface="Arial"/>
+                <a:cs typeface="Arial"/>
+              </a:rPr>
+              <a:t>读使能信号</a:t>
+            </a:r>
+            <a:r>
+              <a:rPr lang="en-US" altLang="zh-CN" sz="400" dirty="0">
+                <a:solidFill>
+                  <a:srgbClr val="0000FF"/>
+                </a:solidFill>
+                <a:latin typeface="Arial"/>
+                <a:cs typeface="Arial"/>
+              </a:rPr>
+              <a:t>/</a:t>
+            </a:r>
+            <a:r>
+              <a:rPr lang="zh-CN" altLang="en-US" sz="400" dirty="0">
+                <a:solidFill>
+                  <a:srgbClr val="0000FF"/>
+                </a:solidFill>
+                <a:latin typeface="Arial"/>
+                <a:cs typeface="Arial"/>
+              </a:rPr>
+              <a:t>输出使能</a:t>
+            </a:r>
+            <a:r>
+              <a:rPr lang="en-US" altLang="zh-CN" sz="400" dirty="0">
+                <a:solidFill>
+                  <a:srgbClr val="0000FF"/>
+                </a:solidFill>
+                <a:latin typeface="Arial"/>
+                <a:cs typeface="Arial"/>
+              </a:rPr>
+              <a:t>/</a:t>
+            </a:r>
+            <a:r>
+              <a:rPr lang="zh-CN" altLang="en-US" sz="400" dirty="0">
+                <a:solidFill>
+                  <a:srgbClr val="0000FF"/>
+                </a:solidFill>
+                <a:latin typeface="Arial"/>
+                <a:cs typeface="Arial"/>
+              </a:rPr>
+              <a:t>输出使能</a:t>
+            </a:r>
+          </a:p>
+        </p:txBody>
+      </p:sp>
+      <p:sp>
+        <p:nvSpPr>
+          <p:cNvPr id="955" name="文本框 954">
+            <a:extLst>
+              <a:ext uri="{FF2B5EF4-FFF2-40B4-BE49-F238E27FC236}">
+                <a16:creationId xmlns:a16="http://schemas.microsoft.com/office/drawing/2014/main" id="{7FEB24A4-A91D-DDD5-F332-A063AC834191}"/>
+              </a:ext>
+            </a:extLst>
+          </p:cNvPr>
+          <p:cNvSpPr txBox="1"/>
+          <p:nvPr/>
+        </p:nvSpPr>
+        <p:spPr>
+          <a:xfrm>
+            <a:off x="7421048" y="2569910"/>
+            <a:ext cx="900282" cy="153888"/>
+          </a:xfrm>
+          <a:prstGeom prst="rect">
+            <a:avLst/>
+          </a:prstGeom>
+          <a:noFill/>
+        </p:spPr>
+        <p:txBody>
+          <a:bodyPr wrap="square">
+            <a:spAutoFit/>
+          </a:bodyPr>
+          <a:lstStyle/>
+          <a:p>
+            <a:pPr marR="5080" algn="l">
+              <a:spcBef>
+                <a:spcPts val="125"/>
+              </a:spcBef>
+            </a:pPr>
+            <a:r>
+              <a:rPr lang="zh-CN" altLang="en-US" sz="400" dirty="0">
+                <a:solidFill>
+                  <a:srgbClr val="0000FF"/>
+                </a:solidFill>
+                <a:latin typeface="Arial"/>
+                <a:cs typeface="Arial"/>
+              </a:rPr>
+              <a:t>写使能信号</a:t>
+            </a:r>
+            <a:r>
+              <a:rPr lang="en-US" altLang="zh-CN" sz="400" dirty="0">
+                <a:solidFill>
+                  <a:srgbClr val="0000FF"/>
+                </a:solidFill>
+                <a:latin typeface="Arial"/>
+                <a:cs typeface="Arial"/>
+              </a:rPr>
+              <a:t>/</a:t>
+            </a:r>
+            <a:r>
+              <a:rPr lang="zh-CN" altLang="en-US" sz="400" dirty="0">
+                <a:solidFill>
+                  <a:srgbClr val="0000FF"/>
+                </a:solidFill>
+                <a:latin typeface="Arial"/>
+                <a:cs typeface="Arial"/>
+              </a:rPr>
+              <a:t>控制字节的读写</a:t>
+            </a:r>
+          </a:p>
+        </p:txBody>
+      </p:sp>
+      <p:sp>
+        <p:nvSpPr>
+          <p:cNvPr id="956" name="文本框 955">
+            <a:extLst>
+              <a:ext uri="{FF2B5EF4-FFF2-40B4-BE49-F238E27FC236}">
+                <a16:creationId xmlns:a16="http://schemas.microsoft.com/office/drawing/2014/main" id="{6C2180E4-FA75-666A-FA82-F2F2B4F4D638}"/>
+              </a:ext>
+            </a:extLst>
+          </p:cNvPr>
+          <p:cNvSpPr txBox="1"/>
+          <p:nvPr/>
+        </p:nvSpPr>
+        <p:spPr>
+          <a:xfrm>
+            <a:off x="7138044" y="3896805"/>
+            <a:ext cx="673888" cy="338554"/>
+          </a:xfrm>
+          <a:prstGeom prst="rect">
+            <a:avLst/>
+          </a:prstGeom>
+          <a:noFill/>
+        </p:spPr>
+        <p:txBody>
+          <a:bodyPr wrap="square">
+            <a:spAutoFit/>
+          </a:bodyPr>
+          <a:lstStyle/>
+          <a:p>
+            <a:pPr marR="5080" algn="l">
+              <a:spcBef>
+                <a:spcPts val="125"/>
+              </a:spcBef>
+            </a:pPr>
+            <a:r>
+              <a:rPr lang="en-US" altLang="zh-CN" sz="400" dirty="0">
+                <a:solidFill>
+                  <a:srgbClr val="0000FF"/>
+                </a:solidFill>
+                <a:latin typeface="Arial"/>
+                <a:cs typeface="Arial"/>
+              </a:rPr>
+              <a:t>NC</a:t>
+            </a:r>
+            <a:r>
+              <a:rPr lang="zh-CN" altLang="en-US" sz="400" dirty="0">
+                <a:solidFill>
+                  <a:srgbClr val="0000FF"/>
+                </a:solidFill>
+                <a:latin typeface="Arial"/>
+                <a:cs typeface="Arial"/>
+              </a:rPr>
+              <a:t>系列：芯片选择信号，选择不同的外设（</a:t>
+            </a:r>
+            <a:r>
+              <a:rPr lang="en-US" altLang="zh-CN" sz="400" dirty="0">
+                <a:solidFill>
+                  <a:srgbClr val="0000FF"/>
+                </a:solidFill>
+                <a:latin typeface="Arial"/>
+                <a:cs typeface="Arial"/>
+              </a:rPr>
+              <a:t>NCS0</a:t>
+            </a:r>
+            <a:r>
+              <a:rPr lang="zh-CN" altLang="en-US" sz="400" dirty="0">
+                <a:solidFill>
+                  <a:srgbClr val="0000FF"/>
+                </a:solidFill>
+                <a:latin typeface="Arial"/>
+                <a:cs typeface="Arial"/>
+              </a:rPr>
+              <a:t>通常用于外部 </a:t>
+            </a:r>
+            <a:r>
+              <a:rPr lang="en-US" altLang="zh-CN" sz="400" dirty="0">
+                <a:solidFill>
+                  <a:srgbClr val="0000FF"/>
+                </a:solidFill>
+                <a:latin typeface="Arial"/>
+                <a:cs typeface="Arial"/>
+              </a:rPr>
+              <a:t>Flash</a:t>
+            </a:r>
+            <a:r>
+              <a:rPr lang="zh-CN" altLang="en-US" sz="400" dirty="0">
+                <a:solidFill>
+                  <a:srgbClr val="0000FF"/>
+                </a:solidFill>
+                <a:latin typeface="Arial"/>
+                <a:cs typeface="Arial"/>
+              </a:rPr>
+              <a:t>）</a:t>
+            </a:r>
+          </a:p>
+        </p:txBody>
+      </p:sp>
+      <p:sp>
+        <p:nvSpPr>
+          <p:cNvPr id="957" name="文本框 956">
+            <a:extLst>
+              <a:ext uri="{FF2B5EF4-FFF2-40B4-BE49-F238E27FC236}">
+                <a16:creationId xmlns:a16="http://schemas.microsoft.com/office/drawing/2014/main" id="{300F90FC-8C84-CBA8-88D0-59E450D1D83C}"/>
+              </a:ext>
+            </a:extLst>
+          </p:cNvPr>
+          <p:cNvSpPr txBox="1"/>
+          <p:nvPr/>
+        </p:nvSpPr>
+        <p:spPr>
+          <a:xfrm>
+            <a:off x="6870695" y="780560"/>
+            <a:ext cx="1366487" cy="215444"/>
+          </a:xfrm>
+          <a:prstGeom prst="rect">
+            <a:avLst/>
+          </a:prstGeom>
+          <a:noFill/>
+        </p:spPr>
+        <p:txBody>
+          <a:bodyPr wrap="square">
+            <a:spAutoFit/>
+          </a:bodyPr>
+          <a:lstStyle/>
+          <a:p>
+            <a:pPr marR="5080" algn="ctr">
+              <a:spcBef>
+                <a:spcPts val="125"/>
+              </a:spcBef>
+            </a:pPr>
+            <a:r>
+              <a:rPr lang="zh-CN" altLang="en-US" sz="400" dirty="0">
+                <a:solidFill>
+                  <a:srgbClr val="0000FF"/>
+                </a:solidFill>
+                <a:latin typeface="Arial"/>
+                <a:cs typeface="Arial"/>
+              </a:rPr>
+              <a:t>追踪同步信号。用于数据流中的同步标记，确保调试器与目标系统之间的数据对齐。</a:t>
+            </a:r>
+          </a:p>
+        </p:txBody>
+      </p:sp>
+      <p:sp>
+        <p:nvSpPr>
+          <p:cNvPr id="958" name="文本框 957">
+            <a:extLst>
+              <a:ext uri="{FF2B5EF4-FFF2-40B4-BE49-F238E27FC236}">
+                <a16:creationId xmlns:a16="http://schemas.microsoft.com/office/drawing/2014/main" id="{480D4D10-A322-32F4-DE5B-DFEC21B60425}"/>
+              </a:ext>
+            </a:extLst>
+          </p:cNvPr>
+          <p:cNvSpPr txBox="1"/>
+          <p:nvPr/>
+        </p:nvSpPr>
+        <p:spPr>
+          <a:xfrm>
+            <a:off x="6870695" y="924718"/>
+            <a:ext cx="1366487" cy="215444"/>
+          </a:xfrm>
+          <a:prstGeom prst="rect">
+            <a:avLst/>
+          </a:prstGeom>
+          <a:noFill/>
+        </p:spPr>
+        <p:txBody>
+          <a:bodyPr wrap="square">
+            <a:spAutoFit/>
+          </a:bodyPr>
+          <a:lstStyle/>
+          <a:p>
+            <a:pPr marR="5080" algn="ctr">
+              <a:spcBef>
+                <a:spcPts val="125"/>
+              </a:spcBef>
+            </a:pPr>
+            <a:r>
+              <a:rPr lang="en-US" altLang="zh-CN" sz="400" dirty="0">
+                <a:solidFill>
+                  <a:srgbClr val="0000FF"/>
+                </a:solidFill>
+                <a:latin typeface="Arial"/>
+                <a:cs typeface="Arial"/>
+              </a:rPr>
+              <a:t>ETM </a:t>
+            </a:r>
+            <a:r>
+              <a:rPr lang="zh-CN" altLang="en-US" sz="400" dirty="0">
+                <a:solidFill>
+                  <a:srgbClr val="0000FF"/>
+                </a:solidFill>
+                <a:latin typeface="Arial"/>
+                <a:cs typeface="Arial"/>
+              </a:rPr>
+              <a:t>模块的时钟信号。它控制 </a:t>
+            </a:r>
+            <a:r>
+              <a:rPr lang="en-US" altLang="zh-CN" sz="400" dirty="0">
+                <a:solidFill>
+                  <a:srgbClr val="0000FF"/>
+                </a:solidFill>
+                <a:latin typeface="Arial"/>
+                <a:cs typeface="Arial"/>
+              </a:rPr>
+              <a:t>trace </a:t>
+            </a:r>
+            <a:r>
+              <a:rPr lang="zh-CN" altLang="en-US" sz="400" dirty="0">
+                <a:solidFill>
+                  <a:srgbClr val="0000FF"/>
+                </a:solidFill>
+                <a:latin typeface="Arial"/>
+                <a:cs typeface="Arial"/>
+              </a:rPr>
+              <a:t>数据的输出节奏。可以是系统时钟或分频信号。</a:t>
+            </a:r>
+          </a:p>
+        </p:txBody>
+      </p:sp>
+      <p:sp>
+        <p:nvSpPr>
+          <p:cNvPr id="959" name="object 748">
+            <a:extLst>
+              <a:ext uri="{FF2B5EF4-FFF2-40B4-BE49-F238E27FC236}">
+                <a16:creationId xmlns:a16="http://schemas.microsoft.com/office/drawing/2014/main" id="{1AF00160-4D4F-2D5E-8DBB-11795A4ACD0A}"/>
+              </a:ext>
+            </a:extLst>
+          </p:cNvPr>
+          <p:cNvSpPr txBox="1"/>
+          <p:nvPr/>
+        </p:nvSpPr>
+        <p:spPr>
+          <a:xfrm>
+            <a:off x="2627928" y="718434"/>
+            <a:ext cx="472009" cy="323807"/>
+          </a:xfrm>
+          <a:prstGeom prst="rect">
+            <a:avLst/>
+          </a:prstGeom>
+        </p:spPr>
+        <p:txBody>
+          <a:bodyPr vert="horz" wrap="square" lIns="0" tIns="15875" rIns="0" bIns="0" rtlCol="0">
+            <a:spAutoFit/>
+          </a:bodyPr>
+          <a:lstStyle/>
+          <a:p>
+            <a:pPr marR="5080" algn="ctr">
+              <a:lnSpc>
+                <a:spcPct val="100000"/>
+              </a:lnSpc>
+              <a:spcBef>
+                <a:spcPts val="125"/>
+              </a:spcBef>
+            </a:pPr>
+            <a:r>
+              <a:rPr lang="zh-CN" altLang="en-US" sz="500" dirty="0">
+                <a:solidFill>
+                  <a:srgbClr val="0000FF"/>
+                </a:solidFill>
+                <a:highlight>
+                  <a:srgbClr val="FFFF00"/>
+                </a:highlight>
+                <a:latin typeface="Arial"/>
+                <a:cs typeface="Arial"/>
+              </a:rPr>
+              <a:t>电路在线仿真器接口，用于调试、仿真控制，支持断点</a:t>
+            </a:r>
+            <a:endParaRPr sz="500" dirty="0">
+              <a:solidFill>
+                <a:srgbClr val="0000FF"/>
+              </a:solidFill>
+              <a:highlight>
+                <a:srgbClr val="FFFF00"/>
+              </a:highlight>
+              <a:latin typeface="Arial"/>
+              <a:cs typeface="Arial"/>
+            </a:endParaRPr>
+          </a:p>
+        </p:txBody>
+      </p:sp>
+      <p:sp>
+        <p:nvSpPr>
+          <p:cNvPr id="960" name="object 748">
+            <a:extLst>
+              <a:ext uri="{FF2B5EF4-FFF2-40B4-BE49-F238E27FC236}">
+                <a16:creationId xmlns:a16="http://schemas.microsoft.com/office/drawing/2014/main" id="{384C4821-EDAB-A3B1-7C49-E2531C712F4D}"/>
+              </a:ext>
+            </a:extLst>
+          </p:cNvPr>
+          <p:cNvSpPr txBox="1"/>
+          <p:nvPr/>
+        </p:nvSpPr>
+        <p:spPr>
+          <a:xfrm>
+            <a:off x="3810000" y="982130"/>
+            <a:ext cx="762000" cy="323807"/>
+          </a:xfrm>
+          <a:prstGeom prst="rect">
+            <a:avLst/>
+          </a:prstGeom>
+        </p:spPr>
+        <p:txBody>
+          <a:bodyPr vert="horz" wrap="square" lIns="0" tIns="15875" rIns="0" bIns="0" rtlCol="0">
+            <a:spAutoFit/>
+          </a:bodyPr>
+          <a:lstStyle/>
+          <a:p>
+            <a:pPr marR="5080" algn="ctr">
+              <a:lnSpc>
+                <a:spcPct val="100000"/>
+              </a:lnSpc>
+              <a:spcBef>
+                <a:spcPts val="125"/>
+              </a:spcBef>
+            </a:pPr>
+            <a:r>
+              <a:rPr lang="zh-CN" altLang="en-US" sz="500" dirty="0">
+                <a:solidFill>
+                  <a:srgbClr val="0000FF"/>
+                </a:solidFill>
+                <a:highlight>
+                  <a:srgbClr val="FFFF00"/>
+                </a:highlight>
+                <a:latin typeface="Arial"/>
+                <a:cs typeface="Arial"/>
+              </a:rPr>
+              <a:t>内存管理单元，用于实现虚拟地址与物理地址的转换，支持操作系统的内存隔离与保护机制</a:t>
+            </a:r>
+            <a:endParaRPr sz="500" dirty="0">
+              <a:solidFill>
+                <a:srgbClr val="0000FF"/>
+              </a:solidFill>
+              <a:highlight>
+                <a:srgbClr val="FFFF00"/>
+              </a:highlight>
+              <a:latin typeface="Arial"/>
+              <a:cs typeface="Arial"/>
+            </a:endParaRPr>
+          </a:p>
+        </p:txBody>
+      </p:sp>
+      <p:sp>
+        <p:nvSpPr>
+          <p:cNvPr id="961" name="object 748">
+            <a:extLst>
+              <a:ext uri="{FF2B5EF4-FFF2-40B4-BE49-F238E27FC236}">
+                <a16:creationId xmlns:a16="http://schemas.microsoft.com/office/drawing/2014/main" id="{3E1E6618-968D-41FC-B07D-3A8EEF0CF564}"/>
+              </a:ext>
+            </a:extLst>
+          </p:cNvPr>
+          <p:cNvSpPr txBox="1"/>
+          <p:nvPr/>
+        </p:nvSpPr>
+        <p:spPr>
+          <a:xfrm>
+            <a:off x="3124200" y="938850"/>
+            <a:ext cx="707937" cy="323807"/>
+          </a:xfrm>
+          <a:prstGeom prst="rect">
+            <a:avLst/>
+          </a:prstGeom>
+        </p:spPr>
+        <p:txBody>
+          <a:bodyPr vert="horz" wrap="square" lIns="0" tIns="15875" rIns="0" bIns="0" rtlCol="0">
+            <a:spAutoFit/>
+          </a:bodyPr>
+          <a:lstStyle/>
+          <a:p>
+            <a:pPr marR="5080" algn="ctr">
+              <a:lnSpc>
+                <a:spcPct val="100000"/>
+              </a:lnSpc>
+              <a:spcBef>
+                <a:spcPts val="125"/>
+              </a:spcBef>
+            </a:pPr>
+            <a:r>
+              <a:rPr lang="zh-CN" altLang="en-US" sz="500" dirty="0">
+                <a:solidFill>
+                  <a:srgbClr val="0000FF"/>
+                </a:solidFill>
+                <a:highlight>
+                  <a:srgbClr val="FFFF00"/>
+                </a:highlight>
+                <a:latin typeface="Arial"/>
+                <a:cs typeface="Arial"/>
+              </a:rPr>
+              <a:t>指令缓存（</a:t>
+            </a:r>
+            <a:r>
+              <a:rPr lang="en-US" altLang="zh-CN" sz="500" dirty="0">
+                <a:solidFill>
+                  <a:srgbClr val="0000FF"/>
+                </a:solidFill>
+                <a:highlight>
+                  <a:srgbClr val="FFFF00"/>
+                </a:highlight>
+                <a:latin typeface="Arial"/>
+                <a:cs typeface="Arial"/>
+              </a:rPr>
+              <a:t>I-Cache</a:t>
+            </a:r>
+            <a:r>
+              <a:rPr lang="zh-CN" altLang="en-US" sz="500" dirty="0">
+                <a:solidFill>
+                  <a:srgbClr val="0000FF"/>
+                </a:solidFill>
+                <a:highlight>
+                  <a:srgbClr val="FFFF00"/>
+                </a:highlight>
+                <a:latin typeface="Arial"/>
+                <a:cs typeface="Arial"/>
+              </a:rPr>
+              <a:t>），用于缓存 </a:t>
+            </a:r>
+            <a:r>
+              <a:rPr lang="en-US" altLang="zh-CN" sz="500" dirty="0">
+                <a:solidFill>
+                  <a:srgbClr val="0000FF"/>
+                </a:solidFill>
+                <a:highlight>
+                  <a:srgbClr val="FFFF00"/>
+                </a:highlight>
+                <a:latin typeface="Arial"/>
+                <a:cs typeface="Arial"/>
+              </a:rPr>
+              <a:t>CPU </a:t>
+            </a:r>
+            <a:r>
+              <a:rPr lang="zh-CN" altLang="en-US" sz="500" dirty="0">
+                <a:solidFill>
+                  <a:srgbClr val="0000FF"/>
+                </a:solidFill>
+                <a:highlight>
+                  <a:srgbClr val="FFFF00"/>
+                </a:highlight>
+                <a:latin typeface="Arial"/>
+                <a:cs typeface="Arial"/>
+              </a:rPr>
+              <a:t>正在执行的指令，容量为 </a:t>
+            </a:r>
+            <a:r>
+              <a:rPr lang="en-US" altLang="zh-CN" sz="500" dirty="0">
+                <a:solidFill>
+                  <a:srgbClr val="0000FF"/>
+                </a:solidFill>
+                <a:highlight>
+                  <a:srgbClr val="FFFF00"/>
+                </a:highlight>
+                <a:latin typeface="Arial"/>
+                <a:cs typeface="Arial"/>
+              </a:rPr>
+              <a:t>16KB</a:t>
+            </a:r>
+            <a:r>
+              <a:rPr lang="zh-CN" altLang="en-US" sz="500" dirty="0">
+                <a:solidFill>
+                  <a:srgbClr val="0000FF"/>
+                </a:solidFill>
+                <a:highlight>
+                  <a:srgbClr val="FFFF00"/>
+                </a:highlight>
+                <a:latin typeface="Arial"/>
+                <a:cs typeface="Arial"/>
+              </a:rPr>
+              <a:t>，加快程序执行速度。</a:t>
+            </a:r>
+            <a:endParaRPr sz="500" dirty="0">
+              <a:solidFill>
+                <a:srgbClr val="0000FF"/>
+              </a:solidFill>
+              <a:highlight>
+                <a:srgbClr val="FFFF00"/>
+              </a:highlight>
+              <a:latin typeface="Arial"/>
+              <a:cs typeface="Arial"/>
+            </a:endParaRPr>
+          </a:p>
+        </p:txBody>
+      </p:sp>
+      <p:sp>
+        <p:nvSpPr>
+          <p:cNvPr id="962" name="object 748">
+            <a:extLst>
+              <a:ext uri="{FF2B5EF4-FFF2-40B4-BE49-F238E27FC236}">
+                <a16:creationId xmlns:a16="http://schemas.microsoft.com/office/drawing/2014/main" id="{333B6475-5E1C-4D0E-7614-ADFE8E48E919}"/>
+              </a:ext>
+            </a:extLst>
+          </p:cNvPr>
+          <p:cNvSpPr txBox="1"/>
+          <p:nvPr/>
+        </p:nvSpPr>
+        <p:spPr>
+          <a:xfrm>
+            <a:off x="4599031" y="890718"/>
+            <a:ext cx="707937" cy="400751"/>
+          </a:xfrm>
+          <a:prstGeom prst="rect">
+            <a:avLst/>
+          </a:prstGeom>
+        </p:spPr>
+        <p:txBody>
+          <a:bodyPr vert="horz" wrap="square" lIns="0" tIns="15875" rIns="0" bIns="0" rtlCol="0">
+            <a:spAutoFit/>
+          </a:bodyPr>
+          <a:lstStyle/>
+          <a:p>
+            <a:pPr marR="5080" algn="ctr">
+              <a:lnSpc>
+                <a:spcPct val="100000"/>
+              </a:lnSpc>
+              <a:spcBef>
+                <a:spcPts val="125"/>
+              </a:spcBef>
+            </a:pPr>
+            <a:r>
+              <a:rPr lang="zh-CN" altLang="en-US" sz="500" dirty="0">
+                <a:solidFill>
+                  <a:srgbClr val="0000FF"/>
+                </a:solidFill>
+                <a:highlight>
+                  <a:srgbClr val="FFFF00"/>
+                </a:highlight>
+                <a:latin typeface="Arial"/>
+                <a:cs typeface="Arial"/>
+              </a:rPr>
+              <a:t>数据缓存（</a:t>
+            </a:r>
+            <a:r>
+              <a:rPr lang="en-US" altLang="zh-CN" sz="500" dirty="0">
+                <a:solidFill>
+                  <a:srgbClr val="0000FF"/>
+                </a:solidFill>
+                <a:highlight>
+                  <a:srgbClr val="FFFF00"/>
+                </a:highlight>
+                <a:latin typeface="Arial"/>
+                <a:cs typeface="Arial"/>
+              </a:rPr>
+              <a:t>D-Cache</a:t>
+            </a:r>
+            <a:r>
+              <a:rPr lang="zh-CN" altLang="en-US" sz="500" dirty="0">
+                <a:solidFill>
+                  <a:srgbClr val="0000FF"/>
+                </a:solidFill>
+                <a:highlight>
+                  <a:srgbClr val="FFFF00"/>
+                </a:highlight>
+                <a:latin typeface="Arial"/>
+                <a:cs typeface="Arial"/>
+              </a:rPr>
+              <a:t>），用于缓存 </a:t>
+            </a:r>
+            <a:r>
+              <a:rPr lang="en-US" altLang="zh-CN" sz="500" dirty="0">
+                <a:solidFill>
+                  <a:srgbClr val="0000FF"/>
+                </a:solidFill>
+                <a:highlight>
+                  <a:srgbClr val="FFFF00"/>
+                </a:highlight>
+                <a:latin typeface="Arial"/>
+                <a:cs typeface="Arial"/>
+              </a:rPr>
+              <a:t>CPU </a:t>
+            </a:r>
+            <a:r>
+              <a:rPr lang="zh-CN" altLang="en-US" sz="500" dirty="0">
+                <a:solidFill>
+                  <a:srgbClr val="0000FF"/>
+                </a:solidFill>
+                <a:highlight>
+                  <a:srgbClr val="FFFF00"/>
+                </a:highlight>
+                <a:latin typeface="Arial"/>
+                <a:cs typeface="Arial"/>
+              </a:rPr>
+              <a:t>访问的数据（变量、数组等），容量同样为 </a:t>
+            </a:r>
+            <a:r>
+              <a:rPr lang="en-US" altLang="zh-CN" sz="500" dirty="0">
+                <a:solidFill>
+                  <a:srgbClr val="0000FF"/>
+                </a:solidFill>
+                <a:highlight>
+                  <a:srgbClr val="FFFF00"/>
+                </a:highlight>
+                <a:latin typeface="Arial"/>
+                <a:cs typeface="Arial"/>
+              </a:rPr>
+              <a:t>16KB</a:t>
+            </a:r>
+            <a:r>
+              <a:rPr lang="zh-CN" altLang="en-US" sz="500" dirty="0">
+                <a:solidFill>
+                  <a:srgbClr val="0000FF"/>
+                </a:solidFill>
+                <a:highlight>
+                  <a:srgbClr val="FFFF00"/>
+                </a:highlight>
+                <a:latin typeface="Arial"/>
+                <a:cs typeface="Arial"/>
+              </a:rPr>
+              <a:t>，提高数据访问速度。</a:t>
+            </a:r>
+            <a:endParaRPr sz="500" dirty="0">
+              <a:solidFill>
+                <a:srgbClr val="0000FF"/>
+              </a:solidFill>
+              <a:highlight>
+                <a:srgbClr val="FFFF00"/>
+              </a:highlight>
+              <a:latin typeface="Arial"/>
+              <a:cs typeface="Arial"/>
+            </a:endParaRPr>
+          </a:p>
+        </p:txBody>
+      </p:sp>
+      <p:sp>
+        <p:nvSpPr>
+          <p:cNvPr id="963" name="object 748">
+            <a:extLst>
+              <a:ext uri="{FF2B5EF4-FFF2-40B4-BE49-F238E27FC236}">
+                <a16:creationId xmlns:a16="http://schemas.microsoft.com/office/drawing/2014/main" id="{52913803-E71F-E537-44EE-38E77AB23748}"/>
+              </a:ext>
+            </a:extLst>
+          </p:cNvPr>
+          <p:cNvSpPr txBox="1"/>
+          <p:nvPr/>
+        </p:nvSpPr>
+        <p:spPr>
+          <a:xfrm>
+            <a:off x="5259658" y="497861"/>
+            <a:ext cx="786161" cy="400751"/>
+          </a:xfrm>
+          <a:prstGeom prst="rect">
+            <a:avLst/>
+          </a:prstGeom>
+        </p:spPr>
+        <p:txBody>
+          <a:bodyPr vert="horz" wrap="square" lIns="0" tIns="15875" rIns="0" bIns="0" rtlCol="0">
+            <a:spAutoFit/>
+          </a:bodyPr>
+          <a:lstStyle/>
+          <a:p>
+            <a:pPr marR="5080" algn="ctr">
+              <a:lnSpc>
+                <a:spcPct val="100000"/>
+              </a:lnSpc>
+              <a:spcBef>
+                <a:spcPts val="125"/>
+              </a:spcBef>
+            </a:pPr>
+            <a:r>
+              <a:rPr lang="zh-CN" altLang="en-US" sz="500" dirty="0">
+                <a:solidFill>
+                  <a:srgbClr val="0000FF"/>
+                </a:solidFill>
+                <a:highlight>
+                  <a:srgbClr val="FFFF00"/>
+                </a:highlight>
+                <a:latin typeface="Arial"/>
+                <a:cs typeface="Arial"/>
+              </a:rPr>
+              <a:t>嵌入式追踪宏单元，是一个 硬件级调试追踪模块，能实时追踪指令执行过程，输出至调试工具。用于高级调试、性能分析等。</a:t>
+            </a:r>
+            <a:endParaRPr sz="500" dirty="0">
+              <a:solidFill>
+                <a:srgbClr val="0000FF"/>
+              </a:solidFill>
+              <a:highlight>
+                <a:srgbClr val="FFFF00"/>
+              </a:highlight>
+              <a:latin typeface="Arial"/>
+              <a:cs typeface="Arial"/>
+            </a:endParaRPr>
+          </a:p>
+        </p:txBody>
+      </p:sp>
+      <p:sp>
+        <p:nvSpPr>
+          <p:cNvPr id="964" name="文本框 963">
+            <a:extLst>
+              <a:ext uri="{FF2B5EF4-FFF2-40B4-BE49-F238E27FC236}">
+                <a16:creationId xmlns:a16="http://schemas.microsoft.com/office/drawing/2014/main" id="{68CC1910-10B5-75A8-873F-1AA29C7355B9}"/>
+              </a:ext>
+            </a:extLst>
+          </p:cNvPr>
+          <p:cNvSpPr txBox="1"/>
+          <p:nvPr/>
+        </p:nvSpPr>
+        <p:spPr>
+          <a:xfrm>
+            <a:off x="7035264" y="1095143"/>
+            <a:ext cx="749305" cy="153888"/>
+          </a:xfrm>
+          <a:prstGeom prst="rect">
+            <a:avLst/>
+          </a:prstGeom>
+          <a:noFill/>
+        </p:spPr>
+        <p:txBody>
+          <a:bodyPr wrap="square">
+            <a:spAutoFit/>
+          </a:bodyPr>
+          <a:lstStyle/>
+          <a:p>
+            <a:pPr marR="5080" algn="ctr">
+              <a:spcBef>
+                <a:spcPts val="125"/>
+              </a:spcBef>
+            </a:pPr>
+            <a:r>
+              <a:rPr lang="en-US" altLang="zh-CN" sz="400" dirty="0">
+                <a:solidFill>
+                  <a:srgbClr val="0000FF"/>
+                </a:solidFill>
+                <a:latin typeface="Arial"/>
+                <a:cs typeface="Arial"/>
+              </a:rPr>
+              <a:t>Trace </a:t>
+            </a:r>
+            <a:r>
+              <a:rPr lang="zh-CN" altLang="en-US" sz="400" dirty="0">
+                <a:solidFill>
+                  <a:srgbClr val="0000FF"/>
+                </a:solidFill>
+                <a:latin typeface="Arial"/>
+                <a:cs typeface="Arial"/>
+              </a:rPr>
+              <a:t>状态控制信号</a:t>
+            </a:r>
+          </a:p>
+        </p:txBody>
+      </p:sp>
+      <p:sp>
+        <p:nvSpPr>
+          <p:cNvPr id="965" name="文本框 964">
+            <a:extLst>
+              <a:ext uri="{FF2B5EF4-FFF2-40B4-BE49-F238E27FC236}">
+                <a16:creationId xmlns:a16="http://schemas.microsoft.com/office/drawing/2014/main" id="{444067EC-B408-6F9C-195A-BB3A0B094B5F}"/>
+              </a:ext>
+            </a:extLst>
+          </p:cNvPr>
+          <p:cNvSpPr txBox="1"/>
+          <p:nvPr/>
+        </p:nvSpPr>
+        <p:spPr>
+          <a:xfrm>
+            <a:off x="7083006" y="1253318"/>
+            <a:ext cx="1146594" cy="153888"/>
+          </a:xfrm>
+          <a:prstGeom prst="rect">
+            <a:avLst/>
+          </a:prstGeom>
+          <a:noFill/>
+        </p:spPr>
+        <p:txBody>
+          <a:bodyPr wrap="square">
+            <a:spAutoFit/>
+          </a:bodyPr>
+          <a:lstStyle/>
+          <a:p>
+            <a:pPr marR="5080" algn="ctr">
+              <a:spcBef>
+                <a:spcPts val="125"/>
+              </a:spcBef>
+            </a:pPr>
+            <a:r>
+              <a:rPr lang="en-US" altLang="zh-CN" sz="400" dirty="0">
+                <a:solidFill>
+                  <a:srgbClr val="0000FF"/>
+                </a:solidFill>
+                <a:latin typeface="Arial"/>
+                <a:cs typeface="Arial"/>
+              </a:rPr>
+              <a:t>Trace </a:t>
+            </a:r>
+            <a:r>
+              <a:rPr lang="zh-CN" altLang="en-US" sz="400" dirty="0">
+                <a:solidFill>
+                  <a:srgbClr val="0000FF"/>
+                </a:solidFill>
+                <a:latin typeface="Arial"/>
+                <a:cs typeface="Arial"/>
+              </a:rPr>
+              <a:t>数据输出（</a:t>
+            </a:r>
+            <a:r>
+              <a:rPr lang="en-US" altLang="zh-CN" sz="400" dirty="0">
+                <a:solidFill>
+                  <a:srgbClr val="0000FF"/>
+                </a:solidFill>
+                <a:latin typeface="Arial"/>
+                <a:cs typeface="Arial"/>
+              </a:rPr>
+              <a:t>16-bit </a:t>
+            </a:r>
+            <a:r>
+              <a:rPr lang="zh-CN" altLang="en-US" sz="400" dirty="0">
+                <a:solidFill>
+                  <a:srgbClr val="0000FF"/>
+                </a:solidFill>
+                <a:latin typeface="Arial"/>
+                <a:cs typeface="Arial"/>
+              </a:rPr>
+              <a:t>并行 </a:t>
+            </a:r>
+            <a:r>
+              <a:rPr lang="en-US" altLang="zh-CN" sz="400" dirty="0">
+                <a:solidFill>
+                  <a:srgbClr val="0000FF"/>
+                </a:solidFill>
+                <a:latin typeface="Arial"/>
+                <a:cs typeface="Arial"/>
+              </a:rPr>
+              <a:t>trace </a:t>
+            </a:r>
+            <a:r>
+              <a:rPr lang="zh-CN" altLang="en-US" sz="400" dirty="0">
+                <a:solidFill>
+                  <a:srgbClr val="0000FF"/>
+                </a:solidFill>
+                <a:latin typeface="Arial"/>
+                <a:cs typeface="Arial"/>
+              </a:rPr>
+              <a:t>数据）</a:t>
+            </a:r>
           </a:p>
         </p:txBody>
       </p:sp>

--- a/AT91RM9200器件方框图标注版.pptx
+++ b/AT91RM9200器件方框图标注版.pptx
@@ -134,7 +134,7 @@
           <a:p>
             <a:fld id="{AA74A8C3-CCDE-49D5-913A-47AB0C5E4AD0}" type="datetimeFigureOut">
               <a:rPr lang="zh-CN" altLang="en-US" smtClean="0"/>
-              <a:t>2025/6/13</a:t>
+              <a:t>2025/6/14</a:t>
             </a:fld>
             <a:endParaRPr lang="zh-CN" altLang="en-US"/>
           </a:p>
@@ -368,7 +368,7 @@
           <a:p>
             <a:fld id="{1D8BD707-D9CF-40AE-B4C6-C98DA3205C09}" type="datetimeFigureOut">
               <a:rPr lang="en-US"/>
-              <a:t>6/13/2025</a:t>
+              <a:t>6/14/2025</a:t>
             </a:fld>
             <a:endParaRPr lang="en-US"/>
           </a:p>
@@ -533,7 +533,7 @@
           <a:p>
             <a:fld id="{1D8BD707-D9CF-40AE-B4C6-C98DA3205C09}" type="datetimeFigureOut">
               <a:rPr lang="en-US"/>
-              <a:t>6/13/2025</a:t>
+              <a:t>6/14/2025</a:t>
             </a:fld>
             <a:endParaRPr lang="en-US"/>
           </a:p>
@@ -741,7 +741,7 @@
           <a:p>
             <a:fld id="{1D8BD707-D9CF-40AE-B4C6-C98DA3205C09}" type="datetimeFigureOut">
               <a:rPr lang="en-US"/>
-              <a:t>6/13/2025</a:t>
+              <a:t>6/14/2025</a:t>
             </a:fld>
             <a:endParaRPr lang="en-US"/>
           </a:p>
@@ -883,7 +883,7 @@
           <a:p>
             <a:fld id="{1D8BD707-D9CF-40AE-B4C6-C98DA3205C09}" type="datetimeFigureOut">
               <a:rPr lang="en-US"/>
-              <a:t>6/13/2025</a:t>
+              <a:t>6/14/2025</a:t>
             </a:fld>
             <a:endParaRPr lang="en-US"/>
           </a:p>
@@ -974,7 +974,7 @@
         </p:blipFill>
         <p:spPr>
           <a:xfrm>
-            <a:off x="-533400" y="-887006"/>
+            <a:off x="-838200" y="-887006"/>
             <a:ext cx="9143227" cy="11832411"/>
           </a:xfrm>
           <a:prstGeom prst="rect">
@@ -1157,7 +1157,7 @@
           <a:p>
             <a:fld id="{1D8BD707-D9CF-40AE-B4C6-C98DA3205C09}" type="datetimeFigureOut">
               <a:rPr lang="en-US"/>
-              <a:t>6/13/2025</a:t>
+              <a:t>6/14/2025</a:t>
             </a:fld>
             <a:endParaRPr lang="en-US"/>
           </a:p>
@@ -1390,7 +1390,7 @@
         </p:nvSpPr>
         <p:spPr>
           <a:xfrm>
-            <a:off x="1981200" y="752902"/>
+            <a:off x="1657980" y="790166"/>
             <a:ext cx="374015" cy="92974"/>
           </a:xfrm>
           <a:prstGeom prst="rect">
@@ -1445,7 +1445,7 @@
         </p:nvSpPr>
         <p:spPr>
           <a:xfrm>
-            <a:off x="279405" y="698237"/>
+            <a:off x="-43815" y="735501"/>
             <a:ext cx="374015" cy="92974"/>
           </a:xfrm>
           <a:prstGeom prst="rect">
@@ -1500,7 +1500,7 @@
         </p:nvSpPr>
         <p:spPr>
           <a:xfrm>
-            <a:off x="473581" y="845876"/>
+            <a:off x="150361" y="883140"/>
             <a:ext cx="374015" cy="92974"/>
           </a:xfrm>
           <a:prstGeom prst="rect">
@@ -1552,7 +1552,7 @@
         </p:nvSpPr>
         <p:spPr>
           <a:xfrm>
-            <a:off x="279405" y="1081936"/>
+            <a:off x="-43815" y="1119200"/>
             <a:ext cx="472009" cy="92974"/>
           </a:xfrm>
           <a:prstGeom prst="rect">
@@ -1617,7 +1617,7 @@
         </p:nvSpPr>
         <p:spPr>
           <a:xfrm>
-            <a:off x="1547247" y="1396697"/>
+            <a:off x="1224027" y="1433961"/>
             <a:ext cx="472009" cy="169918"/>
           </a:xfrm>
           <a:prstGeom prst="rect">
@@ -1672,7 +1672,7 @@
         </p:nvSpPr>
         <p:spPr>
           <a:xfrm>
-            <a:off x="504107" y="1172991"/>
+            <a:off x="180887" y="1210255"/>
             <a:ext cx="472009" cy="77585"/>
           </a:xfrm>
           <a:prstGeom prst="rect">
@@ -1727,7 +1727,7 @@
         </p:nvSpPr>
         <p:spPr>
           <a:xfrm>
-            <a:off x="464039" y="1252677"/>
+            <a:off x="140819" y="1289941"/>
             <a:ext cx="472009" cy="77585"/>
           </a:xfrm>
           <a:prstGeom prst="rect">
@@ -1782,7 +1782,7 @@
         </p:nvSpPr>
         <p:spPr>
           <a:xfrm>
-            <a:off x="444815" y="1341631"/>
+            <a:off x="121595" y="1378895"/>
             <a:ext cx="472009" cy="77585"/>
           </a:xfrm>
           <a:prstGeom prst="rect">
@@ -1837,7 +1837,7 @@
         </p:nvSpPr>
         <p:spPr>
           <a:xfrm>
-            <a:off x="314741" y="1412134"/>
+            <a:off x="-8479" y="1449398"/>
             <a:ext cx="585495" cy="77585"/>
           </a:xfrm>
           <a:prstGeom prst="rect">
@@ -1912,7 +1912,7 @@
         </p:nvSpPr>
         <p:spPr>
           <a:xfrm>
-            <a:off x="1371600" y="1645033"/>
+            <a:off x="1048380" y="1682297"/>
             <a:ext cx="472009" cy="169918"/>
           </a:xfrm>
           <a:prstGeom prst="rect">
@@ -1973,7 +1973,7 @@
         </p:nvSpPr>
         <p:spPr>
           <a:xfrm>
-            <a:off x="380547" y="1743024"/>
+            <a:off x="57327" y="1780288"/>
             <a:ext cx="585495" cy="139141"/>
           </a:xfrm>
           <a:prstGeom prst="rect">
@@ -2048,7 +2048,7 @@
         </p:nvSpPr>
         <p:spPr>
           <a:xfrm>
-            <a:off x="109785" y="1911134"/>
+            <a:off x="-213435" y="1948398"/>
             <a:ext cx="585495" cy="77585"/>
           </a:xfrm>
           <a:prstGeom prst="rect">
@@ -2103,7 +2103,7 @@
         </p:nvSpPr>
         <p:spPr>
           <a:xfrm>
-            <a:off x="65379" y="2070591"/>
+            <a:off x="-257841" y="2107855"/>
             <a:ext cx="585495" cy="77585"/>
           </a:xfrm>
           <a:prstGeom prst="rect">
@@ -2158,7 +2158,7 @@
         </p:nvSpPr>
         <p:spPr>
           <a:xfrm>
-            <a:off x="380547" y="2374613"/>
+            <a:off x="57327" y="2411877"/>
             <a:ext cx="350702" cy="77585"/>
           </a:xfrm>
           <a:prstGeom prst="rect">
@@ -2223,7 +2223,7 @@
         </p:nvSpPr>
         <p:spPr>
           <a:xfrm>
-            <a:off x="358127" y="2223655"/>
+            <a:off x="34907" y="2260919"/>
             <a:ext cx="350702" cy="77585"/>
           </a:xfrm>
           <a:prstGeom prst="rect">
@@ -2288,7 +2288,7 @@
         </p:nvSpPr>
         <p:spPr>
           <a:xfrm>
-            <a:off x="607489" y="2505283"/>
+            <a:off x="284269" y="2542547"/>
             <a:ext cx="364273" cy="153888"/>
           </a:xfrm>
           <a:prstGeom prst="rect">
@@ -2334,7 +2334,7 @@
         </p:nvSpPr>
         <p:spPr>
           <a:xfrm>
-            <a:off x="444815" y="2646854"/>
+            <a:off x="121595" y="2684118"/>
             <a:ext cx="514350" cy="153888"/>
           </a:xfrm>
           <a:prstGeom prst="rect">
@@ -2380,7 +2380,7 @@
         </p:nvSpPr>
         <p:spPr>
           <a:xfrm>
-            <a:off x="222661" y="1500590"/>
+            <a:off x="-100559" y="1537854"/>
             <a:ext cx="585495" cy="77585"/>
           </a:xfrm>
           <a:prstGeom prst="rect">
@@ -2435,7 +2435,7 @@
         </p:nvSpPr>
         <p:spPr>
           <a:xfrm>
-            <a:off x="515408" y="3326446"/>
+            <a:off x="192188" y="3363710"/>
             <a:ext cx="686227" cy="153888"/>
           </a:xfrm>
           <a:prstGeom prst="rect">
@@ -2491,7 +2491,7 @@
         </p:nvSpPr>
         <p:spPr>
           <a:xfrm>
-            <a:off x="160993" y="3591633"/>
+            <a:off x="-162227" y="3628897"/>
             <a:ext cx="686227" cy="153888"/>
           </a:xfrm>
           <a:prstGeom prst="rect">
@@ -2537,7 +2537,7 @@
         </p:nvSpPr>
         <p:spPr>
           <a:xfrm>
-            <a:off x="190364" y="3940177"/>
+            <a:off x="-132856" y="3977441"/>
             <a:ext cx="686227" cy="153888"/>
           </a:xfrm>
           <a:prstGeom prst="rect">
@@ -2583,7 +2583,7 @@
         </p:nvSpPr>
         <p:spPr>
           <a:xfrm>
-            <a:off x="1334889" y="3924147"/>
+            <a:off x="1011669" y="3961411"/>
             <a:ext cx="545429" cy="169918"/>
           </a:xfrm>
           <a:prstGeom prst="rect">
@@ -2644,7 +2644,7 @@
         </p:nvSpPr>
         <p:spPr>
           <a:xfrm>
-            <a:off x="249821" y="4897502"/>
+            <a:off x="-73399" y="4934766"/>
             <a:ext cx="686227" cy="153888"/>
           </a:xfrm>
           <a:prstGeom prst="rect">
@@ -2700,7 +2700,7 @@
         </p:nvSpPr>
         <p:spPr>
           <a:xfrm>
-            <a:off x="483089" y="5221372"/>
+            <a:off x="159869" y="5258636"/>
             <a:ext cx="686227" cy="153888"/>
           </a:xfrm>
           <a:prstGeom prst="rect">
@@ -2756,7 +2756,7 @@
         </p:nvSpPr>
         <p:spPr>
           <a:xfrm>
-            <a:off x="172293" y="5400876"/>
+            <a:off x="-154218" y="5410801"/>
             <a:ext cx="686227" cy="153888"/>
           </a:xfrm>
           <a:prstGeom prst="rect">
@@ -2812,7 +2812,7 @@
         </p:nvSpPr>
         <p:spPr>
           <a:xfrm>
-            <a:off x="-104181" y="5487383"/>
+            <a:off x="-427401" y="5524647"/>
             <a:ext cx="686227" cy="153888"/>
           </a:xfrm>
           <a:prstGeom prst="rect">
@@ -2858,7 +2858,7 @@
         </p:nvSpPr>
         <p:spPr>
           <a:xfrm>
-            <a:off x="190364" y="5566610"/>
+            <a:off x="-122879" y="5571427"/>
             <a:ext cx="686227" cy="153888"/>
           </a:xfrm>
           <a:prstGeom prst="rect">
@@ -2904,7 +2904,7 @@
         </p:nvSpPr>
         <p:spPr>
           <a:xfrm>
-            <a:off x="515407" y="5730635"/>
+            <a:off x="192187" y="5767899"/>
             <a:ext cx="686227" cy="153888"/>
           </a:xfrm>
           <a:prstGeom prst="rect">
@@ -2950,7 +2950,7 @@
         </p:nvSpPr>
         <p:spPr>
           <a:xfrm>
-            <a:off x="30601" y="5856887"/>
+            <a:off x="-292619" y="5894151"/>
             <a:ext cx="945515" cy="153888"/>
           </a:xfrm>
           <a:prstGeom prst="rect">
@@ -2996,7 +2996,7 @@
         </p:nvSpPr>
         <p:spPr>
           <a:xfrm>
-            <a:off x="40542" y="5940090"/>
+            <a:off x="-282678" y="5977354"/>
             <a:ext cx="945515" cy="153888"/>
           </a:xfrm>
           <a:prstGeom prst="rect">
@@ -3042,7 +3042,7 @@
         </p:nvSpPr>
         <p:spPr>
           <a:xfrm>
-            <a:off x="-333129" y="6017034"/>
+            <a:off x="-656349" y="6054298"/>
             <a:ext cx="1319186" cy="153888"/>
           </a:xfrm>
           <a:prstGeom prst="rect">
@@ -3069,7 +3069,7 @@
                 <a:latin typeface="Arial"/>
                 <a:cs typeface="Arial"/>
               </a:rPr>
-              <a:t>串口时钟线（用于同步，尤其在同步串口模式）</a:t>
+              <a:t>串口时钟线（用于同步）</a:t>
             </a:r>
           </a:p>
         </p:txBody>
@@ -3088,7 +3088,7 @@
         </p:nvSpPr>
         <p:spPr>
           <a:xfrm>
-            <a:off x="328997" y="6107789"/>
+            <a:off x="5777" y="6145053"/>
             <a:ext cx="609110" cy="153888"/>
           </a:xfrm>
           <a:prstGeom prst="rect">
@@ -3134,7 +3134,7 @@
         </p:nvSpPr>
         <p:spPr>
           <a:xfrm>
-            <a:off x="2116076" y="6161596"/>
+            <a:off x="1792856" y="6198860"/>
             <a:ext cx="90139" cy="1170192"/>
           </a:xfrm>
           <a:prstGeom prst="rect">
@@ -3234,7 +3234,7 @@
         </p:nvSpPr>
         <p:spPr>
           <a:xfrm>
-            <a:off x="1302191" y="6575934"/>
+            <a:off x="978971" y="6613198"/>
             <a:ext cx="545429" cy="169918"/>
           </a:xfrm>
           <a:prstGeom prst="rect">
@@ -3295,7 +3295,7 @@
         </p:nvSpPr>
         <p:spPr>
           <a:xfrm>
-            <a:off x="333412" y="6187713"/>
+            <a:off x="10192" y="6224977"/>
             <a:ext cx="609110" cy="153888"/>
           </a:xfrm>
           <a:prstGeom prst="rect">
@@ -3341,7 +3341,7 @@
         </p:nvSpPr>
         <p:spPr>
           <a:xfrm>
-            <a:off x="1500352" y="2699631"/>
+            <a:off x="1177132" y="2736895"/>
             <a:ext cx="472009" cy="92974"/>
           </a:xfrm>
           <a:prstGeom prst="rect">
@@ -3428,7 +3428,7 @@
         </p:nvSpPr>
         <p:spPr>
           <a:xfrm>
-            <a:off x="1500351" y="3480334"/>
+            <a:off x="1177131" y="3517598"/>
             <a:ext cx="472009" cy="92974"/>
           </a:xfrm>
           <a:prstGeom prst="rect">
@@ -3515,7 +3515,7 @@
         </p:nvSpPr>
         <p:spPr>
           <a:xfrm>
-            <a:off x="2119210" y="3343386"/>
+            <a:off x="1795990" y="3380650"/>
             <a:ext cx="472009" cy="246862"/>
           </a:xfrm>
           <a:prstGeom prst="rect">
@@ -3576,7 +3576,7 @@
         </p:nvSpPr>
         <p:spPr>
           <a:xfrm>
-            <a:off x="1969530" y="3803831"/>
+            <a:off x="1646310" y="3841095"/>
             <a:ext cx="472009" cy="92974"/>
           </a:xfrm>
           <a:prstGeom prst="rect">
@@ -3650,7 +3650,7 @@
         </p:nvSpPr>
         <p:spPr>
           <a:xfrm>
-            <a:off x="2591219" y="4094065"/>
+            <a:off x="2267999" y="4131329"/>
             <a:ext cx="545429" cy="92974"/>
           </a:xfrm>
           <a:prstGeom prst="rect">
@@ -3737,7 +3737,7 @@
         </p:nvSpPr>
         <p:spPr>
           <a:xfrm>
-            <a:off x="333412" y="6335481"/>
+            <a:off x="10192" y="6372745"/>
             <a:ext cx="609110" cy="153888"/>
           </a:xfrm>
           <a:prstGeom prst="rect">
@@ -3783,7 +3783,7 @@
         </p:nvSpPr>
         <p:spPr>
           <a:xfrm>
-            <a:off x="333412" y="6422046"/>
+            <a:off x="10192" y="6459310"/>
             <a:ext cx="609110" cy="153888"/>
           </a:xfrm>
           <a:prstGeom prst="rect">
@@ -3829,7 +3829,7 @@
         </p:nvSpPr>
         <p:spPr>
           <a:xfrm>
-            <a:off x="2728398" y="4419600"/>
+            <a:off x="2405178" y="4456864"/>
             <a:ext cx="545429" cy="92974"/>
           </a:xfrm>
           <a:prstGeom prst="rect">
@@ -3916,7 +3916,7 @@
         </p:nvSpPr>
         <p:spPr>
           <a:xfrm>
-            <a:off x="1371600" y="4619891"/>
+            <a:off x="1048380" y="4657155"/>
             <a:ext cx="545429" cy="169918"/>
           </a:xfrm>
           <a:prstGeom prst="rect">
@@ -3990,7 +3990,7 @@
         </p:nvSpPr>
         <p:spPr>
           <a:xfrm>
-            <a:off x="2863933" y="4634137"/>
+            <a:off x="2540713" y="4671401"/>
             <a:ext cx="641267" cy="169918"/>
           </a:xfrm>
           <a:prstGeom prst="rect">
@@ -4077,7 +4077,7 @@
         </p:nvSpPr>
         <p:spPr>
           <a:xfrm>
-            <a:off x="2119210" y="5290301"/>
+            <a:off x="1795990" y="5327565"/>
             <a:ext cx="838200" cy="169918"/>
           </a:xfrm>
           <a:prstGeom prst="rect">
@@ -4151,7 +4151,7 @@
         </p:nvSpPr>
         <p:spPr>
           <a:xfrm>
-            <a:off x="3146466" y="6398000"/>
+            <a:off x="2823246" y="6435264"/>
             <a:ext cx="1462192" cy="695703"/>
           </a:xfrm>
           <a:prstGeom prst="rect">
@@ -4484,7 +4484,7 @@
         </p:nvSpPr>
         <p:spPr>
           <a:xfrm>
-            <a:off x="333412" y="6500644"/>
+            <a:off x="10192" y="6537908"/>
             <a:ext cx="609110" cy="153888"/>
           </a:xfrm>
           <a:prstGeom prst="rect">
@@ -4530,7 +4530,7 @@
         </p:nvSpPr>
         <p:spPr>
           <a:xfrm>
-            <a:off x="279405" y="6577588"/>
+            <a:off x="-43815" y="6614852"/>
             <a:ext cx="663117" cy="153888"/>
           </a:xfrm>
           <a:prstGeom prst="rect">
@@ -4576,7 +4576,7 @@
         </p:nvSpPr>
         <p:spPr>
           <a:xfrm>
-            <a:off x="249821" y="6656528"/>
+            <a:off x="-73399" y="6693792"/>
             <a:ext cx="692701" cy="153888"/>
           </a:xfrm>
           <a:prstGeom prst="rect">
@@ -4622,7 +4622,7 @@
         </p:nvSpPr>
         <p:spPr>
           <a:xfrm>
-            <a:off x="274990" y="6733472"/>
+            <a:off x="-48230" y="6770736"/>
             <a:ext cx="663117" cy="153888"/>
           </a:xfrm>
           <a:prstGeom prst="rect">
@@ -4668,7 +4668,7 @@
         </p:nvSpPr>
         <p:spPr>
           <a:xfrm>
-            <a:off x="187386" y="6752247"/>
+            <a:off x="-135834" y="6789511"/>
             <a:ext cx="755136" cy="215444"/>
           </a:xfrm>
           <a:prstGeom prst="rect">
@@ -4714,7 +4714,7 @@
         </p:nvSpPr>
         <p:spPr>
           <a:xfrm>
-            <a:off x="333412" y="6897434"/>
+            <a:off x="10192" y="6934698"/>
             <a:ext cx="609110" cy="153888"/>
           </a:xfrm>
           <a:prstGeom prst="rect">
@@ -4760,7 +4760,7 @@
         </p:nvSpPr>
         <p:spPr>
           <a:xfrm>
-            <a:off x="384989" y="6919318"/>
+            <a:off x="61769" y="6956582"/>
             <a:ext cx="663117" cy="215444"/>
           </a:xfrm>
           <a:prstGeom prst="rect">
@@ -4806,7 +4806,7 @@
         </p:nvSpPr>
         <p:spPr>
           <a:xfrm>
-            <a:off x="407134" y="8072894"/>
+            <a:off x="83914" y="8110158"/>
             <a:ext cx="506908" cy="461665"/>
           </a:xfrm>
           <a:prstGeom prst="rect">
@@ -4872,7 +4872,7 @@
         </p:nvSpPr>
         <p:spPr>
           <a:xfrm>
-            <a:off x="317537" y="8461002"/>
+            <a:off x="-5683" y="8498266"/>
             <a:ext cx="663117" cy="153888"/>
           </a:xfrm>
           <a:prstGeom prst="rect">
@@ -4918,7 +4918,7 @@
         </p:nvSpPr>
         <p:spPr>
           <a:xfrm>
-            <a:off x="321903" y="8537946"/>
+            <a:off x="-1317" y="8575210"/>
             <a:ext cx="663117" cy="153888"/>
           </a:xfrm>
           <a:prstGeom prst="rect">
@@ -4964,7 +4964,7 @@
         </p:nvSpPr>
         <p:spPr>
           <a:xfrm>
-            <a:off x="297276" y="8624406"/>
+            <a:off x="-25944" y="8661670"/>
             <a:ext cx="663117" cy="153888"/>
           </a:xfrm>
           <a:prstGeom prst="rect">
@@ -5010,7 +5010,7 @@
         </p:nvSpPr>
         <p:spPr>
           <a:xfrm>
-            <a:off x="1708842" y="2286245"/>
+            <a:off x="1385622" y="2323509"/>
             <a:ext cx="472009" cy="169918"/>
           </a:xfrm>
           <a:prstGeom prst="rect">
@@ -5071,7 +5071,7 @@
         </p:nvSpPr>
         <p:spPr>
           <a:xfrm>
-            <a:off x="2302305" y="1658065"/>
+            <a:off x="1979085" y="1695329"/>
             <a:ext cx="472009" cy="92974"/>
           </a:xfrm>
           <a:prstGeom prst="rect">
@@ -5132,7 +5132,7 @@
         </p:nvSpPr>
         <p:spPr>
           <a:xfrm>
-            <a:off x="2302304" y="2265056"/>
+            <a:off x="1979084" y="2302320"/>
             <a:ext cx="472009" cy="92974"/>
           </a:xfrm>
           <a:prstGeom prst="rect">
@@ -5193,7 +5193,7 @@
         </p:nvSpPr>
         <p:spPr>
           <a:xfrm>
-            <a:off x="2119210" y="8218767"/>
+            <a:off x="1795990" y="8256031"/>
             <a:ext cx="838200" cy="92974"/>
           </a:xfrm>
           <a:prstGeom prst="rect">
@@ -5254,7 +5254,7 @@
         </p:nvSpPr>
         <p:spPr>
           <a:xfrm>
-            <a:off x="2104476" y="8839200"/>
+            <a:off x="1781256" y="8876464"/>
             <a:ext cx="838200" cy="92974"/>
           </a:xfrm>
           <a:prstGeom prst="rect">
@@ -5315,7 +5315,7 @@
         </p:nvSpPr>
         <p:spPr>
           <a:xfrm>
-            <a:off x="268129" y="9017351"/>
+            <a:off x="-55091" y="9054615"/>
             <a:ext cx="663117" cy="153888"/>
           </a:xfrm>
           <a:prstGeom prst="rect">
@@ -5361,7 +5361,7 @@
         </p:nvSpPr>
         <p:spPr>
           <a:xfrm>
-            <a:off x="261375" y="8863463"/>
+            <a:off x="-61845" y="8900727"/>
             <a:ext cx="663117" cy="153888"/>
           </a:xfrm>
           <a:prstGeom prst="rect">
@@ -5407,7 +5407,7 @@
         </p:nvSpPr>
         <p:spPr>
           <a:xfrm>
-            <a:off x="6774780" y="4575787"/>
+            <a:off x="6451560" y="4613051"/>
             <a:ext cx="457200" cy="228268"/>
           </a:xfrm>
           <a:prstGeom prst="rect">
@@ -5487,7 +5487,7 @@
         </p:nvSpPr>
         <p:spPr>
           <a:xfrm>
-            <a:off x="5562600" y="6563591"/>
+            <a:off x="5239380" y="6600855"/>
             <a:ext cx="90139" cy="554639"/>
           </a:xfrm>
           <a:prstGeom prst="rect">
@@ -5548,7 +5548,7 @@
         </p:nvSpPr>
         <p:spPr>
           <a:xfrm>
-            <a:off x="5233639" y="7772400"/>
+            <a:off x="4910419" y="7809664"/>
             <a:ext cx="838200" cy="92974"/>
           </a:xfrm>
           <a:prstGeom prst="rect">
@@ -5609,7 +5609,7 @@
         </p:nvSpPr>
         <p:spPr>
           <a:xfrm>
-            <a:off x="4953000" y="8879733"/>
+            <a:off x="4629780" y="8916997"/>
             <a:ext cx="228600" cy="272510"/>
           </a:xfrm>
           <a:prstGeom prst="rect">
@@ -5736,7 +5736,7 @@
         </p:nvSpPr>
         <p:spPr>
           <a:xfrm>
-            <a:off x="4819020" y="5677736"/>
+            <a:off x="4495800" y="5715000"/>
             <a:ext cx="838200" cy="259686"/>
           </a:xfrm>
           <a:prstGeom prst="rect">
@@ -5830,7 +5830,7 @@
         </p:nvSpPr>
         <p:spPr>
           <a:xfrm>
-            <a:off x="6553200" y="5119906"/>
+            <a:off x="6229980" y="5121427"/>
             <a:ext cx="1067394" cy="169277"/>
           </a:xfrm>
           <a:prstGeom prst="rect">
@@ -5916,7 +5916,7 @@
         </p:nvSpPr>
         <p:spPr>
           <a:xfrm>
-            <a:off x="7086897" y="5282189"/>
+            <a:off x="6782581" y="5290703"/>
             <a:ext cx="914994" cy="169277"/>
           </a:xfrm>
           <a:prstGeom prst="rect">
@@ -5982,7 +5982,7 @@
         </p:nvSpPr>
         <p:spPr>
           <a:xfrm>
-            <a:off x="6934200" y="5363093"/>
+            <a:off x="6629400" y="5361841"/>
             <a:ext cx="914994" cy="169277"/>
           </a:xfrm>
           <a:prstGeom prst="rect">
@@ -6048,7 +6048,7 @@
         </p:nvSpPr>
         <p:spPr>
           <a:xfrm>
-            <a:off x="7017491" y="5448772"/>
+            <a:off x="6728942" y="5445438"/>
             <a:ext cx="914994" cy="169277"/>
           </a:xfrm>
           <a:prstGeom prst="rect">
@@ -6114,7 +6114,7 @@
         </p:nvSpPr>
         <p:spPr>
           <a:xfrm>
-            <a:off x="7003380" y="5528635"/>
+            <a:off x="6697603" y="5525818"/>
             <a:ext cx="550559" cy="169277"/>
           </a:xfrm>
           <a:prstGeom prst="rect">
@@ -6160,7 +6160,7 @@
         </p:nvSpPr>
         <p:spPr>
           <a:xfrm>
-            <a:off x="6981713" y="5610579"/>
+            <a:off x="6680160" y="5610456"/>
             <a:ext cx="550559" cy="169277"/>
           </a:xfrm>
           <a:prstGeom prst="rect">
@@ -6206,7 +6206,7 @@
         </p:nvSpPr>
         <p:spPr>
           <a:xfrm>
-            <a:off x="6794884" y="5687610"/>
+            <a:off x="6451423" y="5694269"/>
             <a:ext cx="759055" cy="169277"/>
           </a:xfrm>
           <a:prstGeom prst="rect">
@@ -6252,7 +6252,7 @@
         </p:nvSpPr>
         <p:spPr>
           <a:xfrm>
-            <a:off x="6804243" y="5772248"/>
+            <a:off x="6403053" y="5767899"/>
             <a:ext cx="759055" cy="169277"/>
           </a:xfrm>
           <a:prstGeom prst="rect">
@@ -6298,7 +6298,7 @@
         </p:nvSpPr>
         <p:spPr>
           <a:xfrm>
-            <a:off x="6637963" y="5856887"/>
+            <a:off x="6327842" y="5850044"/>
             <a:ext cx="759055" cy="169277"/>
           </a:xfrm>
           <a:prstGeom prst="rect">
@@ -6344,7 +6344,7 @@
         </p:nvSpPr>
         <p:spPr>
           <a:xfrm>
-            <a:off x="6847853" y="7669606"/>
+            <a:off x="6518131" y="7649684"/>
             <a:ext cx="1254269" cy="412934"/>
           </a:xfrm>
           <a:prstGeom prst="rect">
@@ -6504,7 +6504,7 @@
         </p:nvSpPr>
         <p:spPr>
           <a:xfrm>
-            <a:off x="6847853" y="8097875"/>
+            <a:off x="6500142" y="8137067"/>
             <a:ext cx="1254269" cy="566822"/>
           </a:xfrm>
           <a:prstGeom prst="rect">
@@ -6624,7 +6624,7 @@
         </p:nvSpPr>
         <p:spPr>
           <a:xfrm>
-            <a:off x="6847853" y="8701350"/>
+            <a:off x="6485414" y="8738614"/>
             <a:ext cx="1254269" cy="412934"/>
           </a:xfrm>
           <a:prstGeom prst="rect">
@@ -6764,7 +6764,7 @@
         </p:nvSpPr>
         <p:spPr>
           <a:xfrm>
-            <a:off x="6681124" y="5984822"/>
+            <a:off x="6357904" y="6022086"/>
             <a:ext cx="759055" cy="169277"/>
           </a:xfrm>
           <a:prstGeom prst="rect">
@@ -6827,7 +6827,7 @@
         </p:nvSpPr>
         <p:spPr>
           <a:xfrm>
-            <a:off x="6679933" y="6068155"/>
+            <a:off x="6356713" y="6105419"/>
             <a:ext cx="759055" cy="169277"/>
           </a:xfrm>
           <a:prstGeom prst="rect">
@@ -6890,7 +6890,7 @@
         </p:nvSpPr>
         <p:spPr>
           <a:xfrm>
-            <a:off x="6679933" y="6145018"/>
+            <a:off x="6356713" y="6182282"/>
             <a:ext cx="759055" cy="169277"/>
           </a:xfrm>
           <a:prstGeom prst="rect">
@@ -6936,7 +6936,7 @@
         </p:nvSpPr>
         <p:spPr>
           <a:xfrm>
-            <a:off x="6715704" y="6756271"/>
+            <a:off x="6392484" y="6793535"/>
             <a:ext cx="603573" cy="169277"/>
           </a:xfrm>
           <a:prstGeom prst="rect">
@@ -6982,7 +6982,7 @@
         </p:nvSpPr>
         <p:spPr>
           <a:xfrm>
-            <a:off x="6640714" y="6840910"/>
+            <a:off x="6317494" y="6878174"/>
             <a:ext cx="1067394" cy="169277"/>
           </a:xfrm>
           <a:prstGeom prst="rect">
@@ -7048,7 +7048,7 @@
         </p:nvSpPr>
         <p:spPr>
           <a:xfrm>
-            <a:off x="6705184" y="6928038"/>
+            <a:off x="6229980" y="7011642"/>
             <a:ext cx="1467607" cy="169277"/>
           </a:xfrm>
           <a:prstGeom prst="rect">
@@ -7094,7 +7094,7 @@
         </p:nvSpPr>
         <p:spPr>
           <a:xfrm>
-            <a:off x="4372653" y="1738062"/>
+            <a:off x="4049433" y="1775326"/>
             <a:ext cx="472009" cy="246862"/>
           </a:xfrm>
           <a:prstGeom prst="rect">
@@ -7155,7 +7155,7 @@
         </p:nvSpPr>
         <p:spPr>
           <a:xfrm>
-            <a:off x="4419600" y="2103843"/>
+            <a:off x="4096380" y="2141107"/>
             <a:ext cx="585495" cy="246862"/>
           </a:xfrm>
           <a:prstGeom prst="rect">
@@ -7216,7 +7216,7 @@
         </p:nvSpPr>
         <p:spPr>
           <a:xfrm>
-            <a:off x="4443705" y="2452198"/>
+            <a:off x="4120485" y="2489462"/>
             <a:ext cx="623595" cy="246862"/>
           </a:xfrm>
           <a:prstGeom prst="rect">
@@ -7329,7 +7329,7 @@
         </p:nvSpPr>
         <p:spPr>
           <a:xfrm>
-            <a:off x="4347275" y="2895600"/>
+            <a:off x="4024055" y="2932864"/>
             <a:ext cx="623595" cy="323807"/>
           </a:xfrm>
           <a:prstGeom prst="rect">
@@ -7442,7 +7442,7 @@
         </p:nvSpPr>
         <p:spPr>
           <a:xfrm>
-            <a:off x="5201830" y="2371204"/>
+            <a:off x="4878610" y="2408468"/>
             <a:ext cx="585495" cy="246862"/>
           </a:xfrm>
           <a:prstGeom prst="rect">
@@ -7503,7 +7503,7 @@
         </p:nvSpPr>
         <p:spPr>
           <a:xfrm>
-            <a:off x="5562600" y="2800742"/>
+            <a:off x="5239380" y="2838006"/>
             <a:ext cx="715019" cy="246862"/>
           </a:xfrm>
           <a:prstGeom prst="rect">
@@ -7616,7 +7616,7 @@
         </p:nvSpPr>
         <p:spPr>
           <a:xfrm>
-            <a:off x="5562600" y="3294078"/>
+            <a:off x="5239380" y="3331342"/>
             <a:ext cx="457200" cy="246862"/>
           </a:xfrm>
           <a:prstGeom prst="rect">
@@ -7703,7 +7703,7 @@
         </p:nvSpPr>
         <p:spPr>
           <a:xfrm>
-            <a:off x="5562600" y="3716916"/>
+            <a:off x="5239380" y="3754180"/>
             <a:ext cx="457200" cy="323807"/>
           </a:xfrm>
           <a:prstGeom prst="rect">
@@ -7816,7 +7816,7 @@
         </p:nvSpPr>
         <p:spPr>
           <a:xfrm>
-            <a:off x="3136648" y="1696537"/>
+            <a:off x="2813428" y="1733801"/>
             <a:ext cx="585495" cy="92974"/>
           </a:xfrm>
           <a:prstGeom prst="rect">
@@ -7877,7 +7877,7 @@
         </p:nvSpPr>
         <p:spPr>
           <a:xfrm>
-            <a:off x="3121516" y="2214268"/>
+            <a:off x="2798296" y="2251532"/>
             <a:ext cx="585495" cy="92974"/>
           </a:xfrm>
           <a:prstGeom prst="rect">
@@ -7938,7 +7938,7 @@
         </p:nvSpPr>
         <p:spPr>
           <a:xfrm>
-            <a:off x="3124200" y="2677311"/>
+            <a:off x="2800980" y="2714575"/>
             <a:ext cx="585495" cy="92974"/>
           </a:xfrm>
           <a:prstGeom prst="rect">
@@ -7999,7 +7999,7 @@
         </p:nvSpPr>
         <p:spPr>
           <a:xfrm>
-            <a:off x="3156244" y="3420330"/>
+            <a:off x="2833024" y="3457594"/>
             <a:ext cx="585495" cy="169918"/>
           </a:xfrm>
           <a:prstGeom prst="rect">
@@ -8060,7 +8060,7 @@
         </p:nvSpPr>
         <p:spPr>
           <a:xfrm>
-            <a:off x="6860256" y="1641151"/>
+            <a:off x="6502602" y="1634415"/>
             <a:ext cx="1136478" cy="153888"/>
           </a:xfrm>
           <a:prstGeom prst="rect">
@@ -8146,7 +8146,7 @@
         </p:nvSpPr>
         <p:spPr>
           <a:xfrm>
-            <a:off x="7162800" y="1882165"/>
+            <a:off x="6839580" y="1919429"/>
             <a:ext cx="481218" cy="276999"/>
           </a:xfrm>
           <a:prstGeom prst="rect">
@@ -8202,7 +8202,7 @@
         </p:nvSpPr>
         <p:spPr>
           <a:xfrm>
-            <a:off x="6981713" y="2746118"/>
+            <a:off x="6658493" y="2783382"/>
             <a:ext cx="514350" cy="400110"/>
           </a:xfrm>
           <a:prstGeom prst="rect">
@@ -8278,7 +8278,7 @@
         </p:nvSpPr>
         <p:spPr>
           <a:xfrm>
-            <a:off x="6868139" y="3048000"/>
+            <a:off x="6471664" y="3085264"/>
             <a:ext cx="1371600" cy="153888"/>
           </a:xfrm>
           <a:prstGeom prst="rect">
@@ -8371,7 +8371,7 @@
         </p:nvSpPr>
         <p:spPr>
           <a:xfrm>
-            <a:off x="7086897" y="3124200"/>
+            <a:off x="6763677" y="3161464"/>
             <a:ext cx="1371600" cy="153888"/>
           </a:xfrm>
           <a:prstGeom prst="rect">
@@ -8447,7 +8447,7 @@
         </p:nvSpPr>
         <p:spPr>
           <a:xfrm>
-            <a:off x="6839678" y="3227725"/>
+            <a:off x="6516458" y="3264989"/>
             <a:ext cx="1074414" cy="215444"/>
           </a:xfrm>
           <a:prstGeom prst="rect">
@@ -8533,7 +8533,7 @@
         </p:nvSpPr>
         <p:spPr>
           <a:xfrm>
-            <a:off x="7105290" y="3378188"/>
+            <a:off x="6782070" y="3415452"/>
             <a:ext cx="1371600" cy="153888"/>
           </a:xfrm>
           <a:prstGeom prst="rect">
@@ -8560,7 +8560,53 @@
                 <a:latin typeface="Arial"/>
                 <a:cs typeface="Arial"/>
               </a:rPr>
-              <a:t>访问特定外设（如某些并行 </a:t>
+              <a:t>访问特定外设时才使用</a:t>
+            </a:r>
+          </a:p>
+        </p:txBody>
+      </p:sp>
+      <p:sp>
+        <p:nvSpPr>
+          <p:cNvPr id="947" name="文本框 946">
+            <a:extLst>
+              <a:ext uri="{FF2B5EF4-FFF2-40B4-BE49-F238E27FC236}">
+                <a16:creationId xmlns:a16="http://schemas.microsoft.com/office/drawing/2014/main" id="{08F57EF9-5C87-3998-16F8-0CBA98F87FCA}"/>
+              </a:ext>
+            </a:extLst>
+          </p:cNvPr>
+          <p:cNvSpPr txBox="1"/>
+          <p:nvPr/>
+        </p:nvSpPr>
+        <p:spPr>
+          <a:xfrm>
+            <a:off x="6503519" y="3517598"/>
+            <a:ext cx="1129916" cy="215444"/>
+          </a:xfrm>
+          <a:prstGeom prst="rect">
+            <a:avLst/>
+          </a:prstGeom>
+          <a:noFill/>
+        </p:spPr>
+        <p:txBody>
+          <a:bodyPr wrap="square">
+            <a:spAutoFit/>
+          </a:bodyPr>
+          <a:lstStyle/>
+          <a:p>
+            <a:pPr marR="5080" algn="l">
+              <a:spcBef>
+                <a:spcPts val="125"/>
+              </a:spcBef>
+            </a:pPr>
+            <a:r>
+              <a:rPr lang="zh-CN" altLang="en-US" sz="400" dirty="0">
+                <a:solidFill>
+                  <a:srgbClr val="0000FF"/>
+                </a:solidFill>
+                <a:latin typeface="Arial"/>
+                <a:cs typeface="Arial"/>
+              </a:rPr>
+              <a:t>用于连接外部并行设备，如 </a:t>
             </a:r>
             <a:r>
               <a:rPr lang="en-US" altLang="zh-CN" sz="400" dirty="0">
@@ -8570,7 +8616,7 @@
                 <a:latin typeface="Arial"/>
                 <a:cs typeface="Arial"/>
               </a:rPr>
-              <a:t>NOR Flash</a:t>
+              <a:t>LCD </a:t>
             </a:r>
             <a:r>
               <a:rPr lang="zh-CN" altLang="en-US" sz="400" dirty="0">
@@ -8580,27 +8626,47 @@
                 <a:latin typeface="Arial"/>
                 <a:cs typeface="Arial"/>
               </a:rPr>
-              <a:t>）时才使用</a:t>
-            </a:r>
-          </a:p>
-        </p:txBody>
-      </p:sp>
-      <p:sp>
-        <p:nvSpPr>
-          <p:cNvPr id="947" name="文本框 946">
-            <a:extLst>
-              <a:ext uri="{FF2B5EF4-FFF2-40B4-BE49-F238E27FC236}">
-                <a16:creationId xmlns:a16="http://schemas.microsoft.com/office/drawing/2014/main" id="{08F57EF9-5C87-3998-16F8-0CBA98F87FCA}"/>
-              </a:ext>
-            </a:extLst>
-          </p:cNvPr>
-          <p:cNvSpPr txBox="1"/>
-          <p:nvPr/>
-        </p:nvSpPr>
-        <p:spPr>
-          <a:xfrm>
-            <a:off x="6826739" y="3480334"/>
-            <a:ext cx="1129916" cy="215444"/>
+              <a:t>控制器、</a:t>
+            </a:r>
+            <a:r>
+              <a:rPr lang="en-US" altLang="zh-CN" sz="400" dirty="0">
+                <a:solidFill>
+                  <a:srgbClr val="0000FF"/>
+                </a:solidFill>
+                <a:latin typeface="Arial"/>
+                <a:cs typeface="Arial"/>
+              </a:rPr>
+              <a:t>Flash </a:t>
+            </a:r>
+            <a:r>
+              <a:rPr lang="zh-CN" altLang="en-US" sz="400" dirty="0">
+                <a:solidFill>
+                  <a:srgbClr val="0000FF"/>
+                </a:solidFill>
+                <a:latin typeface="Arial"/>
+                <a:cs typeface="Arial"/>
+              </a:rPr>
+              <a:t>控制器</a:t>
+            </a:r>
+          </a:p>
+        </p:txBody>
+      </p:sp>
+      <p:sp>
+        <p:nvSpPr>
+          <p:cNvPr id="948" name="文本框 947">
+            <a:extLst>
+              <a:ext uri="{FF2B5EF4-FFF2-40B4-BE49-F238E27FC236}">
+                <a16:creationId xmlns:a16="http://schemas.microsoft.com/office/drawing/2014/main" id="{C393C84F-4300-FF83-B55C-8C4E5497C3AE}"/>
+              </a:ext>
+            </a:extLst>
+          </p:cNvPr>
+          <p:cNvSpPr txBox="1"/>
+          <p:nvPr/>
+        </p:nvSpPr>
+        <p:spPr>
+          <a:xfrm>
+            <a:off x="6622126" y="3628897"/>
+            <a:ext cx="1173852" cy="153888"/>
           </a:xfrm>
           <a:prstGeom prst="rect">
             <a:avLst/>
@@ -8619,56 +8685,416 @@
               </a:spcBef>
             </a:pPr>
             <a:r>
-              <a:rPr lang="zh-CN" altLang="en-US" sz="400">
-                <a:solidFill>
-                  <a:srgbClr val="0000FF"/>
-                </a:solidFill>
-                <a:latin typeface="Arial"/>
-                <a:cs typeface="Arial"/>
-              </a:rPr>
-              <a:t>用于连接外部并行设备，如 </a:t>
-            </a:r>
-            <a:r>
-              <a:rPr lang="en-US" altLang="zh-CN" sz="400">
-                <a:solidFill>
-                  <a:srgbClr val="0000FF"/>
-                </a:solidFill>
-                <a:latin typeface="Arial"/>
-                <a:cs typeface="Arial"/>
-              </a:rPr>
-              <a:t>LCD </a:t>
-            </a:r>
-            <a:r>
-              <a:rPr lang="zh-CN" altLang="en-US" sz="400">
-                <a:solidFill>
-                  <a:srgbClr val="0000FF"/>
-                </a:solidFill>
-                <a:latin typeface="Arial"/>
-                <a:cs typeface="Arial"/>
-              </a:rPr>
-              <a:t>控制器、</a:t>
-            </a:r>
-            <a:r>
-              <a:rPr lang="en-US" altLang="zh-CN" sz="400">
-                <a:solidFill>
-                  <a:srgbClr val="0000FF"/>
-                </a:solidFill>
-                <a:latin typeface="Arial"/>
-                <a:cs typeface="Arial"/>
-              </a:rPr>
-              <a:t>Flash </a:t>
-            </a:r>
-            <a:r>
-              <a:rPr lang="zh-CN" altLang="en-US" sz="400">
-                <a:solidFill>
-                  <a:srgbClr val="0000FF"/>
-                </a:solidFill>
-                <a:latin typeface="Arial"/>
-                <a:cs typeface="Arial"/>
-              </a:rPr>
-              <a:t>控制器</a:t>
-            </a:r>
-            <a:endParaRPr lang="zh-CN" altLang="en-US" sz="400" dirty="0">
+              <a:rPr lang="zh-CN" altLang="en-US" sz="400" dirty="0">
+                <a:solidFill>
+                  <a:srgbClr val="0000FF"/>
+                </a:solidFill>
+                <a:latin typeface="Arial"/>
+                <a:cs typeface="Arial"/>
+              </a:rPr>
+              <a:t>地址总线，用于寻址外部设备</a:t>
+            </a:r>
+          </a:p>
+        </p:txBody>
+      </p:sp>
+      <p:sp>
+        <p:nvSpPr>
+          <p:cNvPr id="949" name="文本框 948">
+            <a:extLst>
+              <a:ext uri="{FF2B5EF4-FFF2-40B4-BE49-F238E27FC236}">
+                <a16:creationId xmlns:a16="http://schemas.microsoft.com/office/drawing/2014/main" id="{AF6856A9-F4F5-0424-B2EF-77FAD44ACD48}"/>
+              </a:ext>
+            </a:extLst>
+          </p:cNvPr>
+          <p:cNvSpPr txBox="1"/>
+          <p:nvPr/>
+        </p:nvSpPr>
+        <p:spPr>
+          <a:xfrm>
+            <a:off x="6265502" y="4325679"/>
+            <a:ext cx="1555261" cy="153888"/>
+          </a:xfrm>
+          <a:prstGeom prst="rect">
+            <a:avLst/>
+          </a:prstGeom>
+          <a:noFill/>
+        </p:spPr>
+        <p:txBody>
+          <a:bodyPr wrap="square">
+            <a:spAutoFit/>
+          </a:bodyPr>
+          <a:lstStyle/>
+          <a:p>
+            <a:pPr marR="5080" algn="l">
+              <a:spcBef>
+                <a:spcPts val="125"/>
+              </a:spcBef>
+            </a:pPr>
+            <a:r>
+              <a:rPr lang="zh-CN" altLang="en-US" sz="400" dirty="0">
+                <a:solidFill>
+                  <a:srgbClr val="0000FF"/>
+                </a:solidFill>
+                <a:latin typeface="Arial"/>
+                <a:cs typeface="Arial"/>
+              </a:rPr>
+              <a:t>数据总线，支持 </a:t>
+            </a:r>
+            <a:r>
+              <a:rPr lang="en-US" altLang="zh-CN" sz="400" dirty="0">
+                <a:solidFill>
+                  <a:srgbClr val="0000FF"/>
+                </a:solidFill>
+                <a:latin typeface="Arial"/>
+                <a:cs typeface="Arial"/>
+              </a:rPr>
+              <a:t>16-bit </a:t>
+            </a:r>
+            <a:r>
+              <a:rPr lang="zh-CN" altLang="en-US" sz="400" dirty="0">
+                <a:solidFill>
+                  <a:srgbClr val="0000FF"/>
+                </a:solidFill>
+                <a:latin typeface="Arial"/>
+                <a:cs typeface="Arial"/>
+              </a:rPr>
+              <a:t>或 </a:t>
+            </a:r>
+            <a:r>
+              <a:rPr lang="en-US" altLang="zh-CN" sz="400" dirty="0">
+                <a:solidFill>
+                  <a:srgbClr val="0000FF"/>
+                </a:solidFill>
+                <a:latin typeface="Arial"/>
+                <a:cs typeface="Arial"/>
+              </a:rPr>
+              <a:t>32-bit </a:t>
+            </a:r>
+            <a:r>
+              <a:rPr lang="zh-CN" altLang="en-US" sz="400" dirty="0">
+                <a:solidFill>
+                  <a:srgbClr val="0000FF"/>
+                </a:solidFill>
+                <a:latin typeface="Arial"/>
+                <a:cs typeface="Arial"/>
+              </a:rPr>
+              <a:t>数据宽度</a:t>
+            </a:r>
+          </a:p>
+        </p:txBody>
+      </p:sp>
+      <p:sp>
+        <p:nvSpPr>
+          <p:cNvPr id="950" name="文本框 949">
+            <a:extLst>
+              <a:ext uri="{FF2B5EF4-FFF2-40B4-BE49-F238E27FC236}">
+                <a16:creationId xmlns:a16="http://schemas.microsoft.com/office/drawing/2014/main" id="{C16D73C2-08B9-6E96-AC06-C74EECCCCDF3}"/>
+              </a:ext>
+            </a:extLst>
+          </p:cNvPr>
+          <p:cNvSpPr txBox="1"/>
+          <p:nvPr/>
+        </p:nvSpPr>
+        <p:spPr>
+          <a:xfrm>
+            <a:off x="6711499" y="3718087"/>
+            <a:ext cx="914994" cy="153888"/>
+          </a:xfrm>
+          <a:prstGeom prst="rect">
+            <a:avLst/>
+          </a:prstGeom>
+          <a:noFill/>
+        </p:spPr>
+        <p:txBody>
+          <a:bodyPr wrap="square">
+            <a:spAutoFit/>
+          </a:bodyPr>
+          <a:lstStyle/>
+          <a:p>
+            <a:pPr marR="5080" algn="l">
+              <a:spcBef>
+                <a:spcPts val="125"/>
+              </a:spcBef>
+            </a:pPr>
+            <a:r>
+              <a:rPr lang="en-US" altLang="zh-CN" sz="400" dirty="0">
+                <a:solidFill>
+                  <a:srgbClr val="0000FF"/>
+                </a:solidFill>
+                <a:latin typeface="Arial"/>
+                <a:cs typeface="Arial"/>
+              </a:rPr>
+              <a:t>CompactFlash </a:t>
+            </a:r>
+            <a:r>
+              <a:rPr lang="zh-CN" altLang="en-US" sz="400" dirty="0">
+                <a:solidFill>
+                  <a:srgbClr val="0000FF"/>
+                </a:solidFill>
+                <a:latin typeface="Arial"/>
+                <a:cs typeface="Arial"/>
+              </a:rPr>
+              <a:t>读</a:t>
+            </a:r>
+            <a:r>
+              <a:rPr lang="en-US" altLang="zh-CN" sz="400" dirty="0">
+                <a:solidFill>
+                  <a:srgbClr val="0000FF"/>
+                </a:solidFill>
+                <a:latin typeface="Arial"/>
+                <a:cs typeface="Arial"/>
+              </a:rPr>
+              <a:t>/</a:t>
+            </a:r>
+            <a:r>
+              <a:rPr lang="zh-CN" altLang="en-US" sz="400" dirty="0">
+                <a:solidFill>
+                  <a:srgbClr val="0000FF"/>
+                </a:solidFill>
+                <a:latin typeface="Arial"/>
+                <a:cs typeface="Arial"/>
+              </a:rPr>
+              <a:t>写控制</a:t>
+            </a:r>
+          </a:p>
+        </p:txBody>
+      </p:sp>
+      <p:sp>
+        <p:nvSpPr>
+          <p:cNvPr id="951" name="文本框 950">
+            <a:extLst>
+              <a:ext uri="{FF2B5EF4-FFF2-40B4-BE49-F238E27FC236}">
+                <a16:creationId xmlns:a16="http://schemas.microsoft.com/office/drawing/2014/main" id="{C3B4403E-77D6-FCBC-2EE6-BA41F2A9615F}"/>
+              </a:ext>
+            </a:extLst>
+          </p:cNvPr>
+          <p:cNvSpPr txBox="1"/>
+          <p:nvPr/>
+        </p:nvSpPr>
+        <p:spPr>
+          <a:xfrm>
+            <a:off x="6523021" y="3810638"/>
+            <a:ext cx="1227345" cy="153888"/>
+          </a:xfrm>
+          <a:prstGeom prst="rect">
+            <a:avLst/>
+          </a:prstGeom>
+          <a:noFill/>
+        </p:spPr>
+        <p:txBody>
+          <a:bodyPr wrap="square">
+            <a:spAutoFit/>
+          </a:bodyPr>
+          <a:lstStyle/>
+          <a:p>
+            <a:pPr marR="5080" algn="l">
+              <a:spcBef>
+                <a:spcPts val="125"/>
+              </a:spcBef>
+            </a:pPr>
+            <a:r>
+              <a:rPr lang="zh-CN" altLang="en-US" sz="400" dirty="0">
+                <a:solidFill>
+                  <a:srgbClr val="0000FF"/>
+                </a:solidFill>
+                <a:latin typeface="Arial"/>
+                <a:cs typeface="Arial"/>
+              </a:rPr>
+              <a:t>等待信号（</a:t>
+            </a:r>
+            <a:r>
+              <a:rPr lang="en-US" altLang="zh-CN" sz="400" dirty="0">
+                <a:solidFill>
+                  <a:srgbClr val="0000FF"/>
+                </a:solidFill>
+                <a:latin typeface="Arial"/>
+                <a:cs typeface="Arial"/>
+              </a:rPr>
+              <a:t>Wait</a:t>
+            </a:r>
+            <a:r>
+              <a:rPr lang="zh-CN" altLang="en-US" sz="400" dirty="0">
+                <a:solidFill>
+                  <a:srgbClr val="0000FF"/>
+                </a:solidFill>
+                <a:latin typeface="Arial"/>
+                <a:cs typeface="Arial"/>
+              </a:rPr>
+              <a:t>），用于指示外设未准备好</a:t>
+            </a:r>
+          </a:p>
+        </p:txBody>
+      </p:sp>
+      <p:sp>
+        <p:nvSpPr>
+          <p:cNvPr id="952" name="文本框 951">
+            <a:extLst>
+              <a:ext uri="{FF2B5EF4-FFF2-40B4-BE49-F238E27FC236}">
+                <a16:creationId xmlns:a16="http://schemas.microsoft.com/office/drawing/2014/main" id="{E9B19026-D78E-0EB6-8A09-6A71450D8943}"/>
+              </a:ext>
+            </a:extLst>
+          </p:cNvPr>
+          <p:cNvSpPr txBox="1"/>
+          <p:nvPr/>
+        </p:nvSpPr>
+        <p:spPr>
+          <a:xfrm>
+            <a:off x="6775292" y="2169227"/>
+            <a:ext cx="673888" cy="338554"/>
+          </a:xfrm>
+          <a:prstGeom prst="rect">
+            <a:avLst/>
+          </a:prstGeom>
+          <a:noFill/>
+        </p:spPr>
+        <p:txBody>
+          <a:bodyPr wrap="square">
+            <a:spAutoFit/>
+          </a:bodyPr>
+          <a:lstStyle/>
+          <a:p>
+            <a:pPr marR="5080" algn="l">
+              <a:spcBef>
+                <a:spcPts val="125"/>
+              </a:spcBef>
+            </a:pPr>
+            <a:r>
+              <a:rPr lang="en-US" altLang="zh-CN" sz="400" dirty="0">
+                <a:solidFill>
+                  <a:srgbClr val="0000FF"/>
+                </a:solidFill>
+                <a:latin typeface="Arial"/>
+                <a:cs typeface="Arial"/>
+              </a:rPr>
+              <a:t>NC</a:t>
+            </a:r>
+            <a:r>
+              <a:rPr lang="zh-CN" altLang="en-US" sz="400" dirty="0">
+                <a:solidFill>
+                  <a:srgbClr val="0000FF"/>
+                </a:solidFill>
+                <a:latin typeface="Arial"/>
+                <a:cs typeface="Arial"/>
+              </a:rPr>
+              <a:t>系列：芯片选择信号，选择不同的外设（</a:t>
+            </a:r>
+            <a:r>
+              <a:rPr lang="en-US" altLang="zh-CN" sz="400" dirty="0">
+                <a:solidFill>
+                  <a:srgbClr val="0000FF"/>
+                </a:solidFill>
+                <a:latin typeface="Arial"/>
+                <a:cs typeface="Arial"/>
+              </a:rPr>
+              <a:t>NCS0</a:t>
+            </a:r>
+            <a:r>
+              <a:rPr lang="zh-CN" altLang="en-US" sz="400" dirty="0">
+                <a:solidFill>
+                  <a:srgbClr val="0000FF"/>
+                </a:solidFill>
+                <a:latin typeface="Arial"/>
+                <a:cs typeface="Arial"/>
+              </a:rPr>
+              <a:t>通常用于外部 </a:t>
+            </a:r>
+            <a:r>
+              <a:rPr lang="en-US" altLang="zh-CN" sz="400" dirty="0">
+                <a:solidFill>
+                  <a:srgbClr val="0000FF"/>
+                </a:solidFill>
+                <a:latin typeface="Arial"/>
+                <a:cs typeface="Arial"/>
+              </a:rPr>
+              <a:t>Flash</a:t>
+            </a:r>
+            <a:r>
+              <a:rPr lang="zh-CN" altLang="en-US" sz="400" dirty="0">
+                <a:solidFill>
+                  <a:srgbClr val="0000FF"/>
+                </a:solidFill>
+                <a:latin typeface="Arial"/>
+                <a:cs typeface="Arial"/>
+              </a:rPr>
+              <a:t>）</a:t>
+            </a:r>
+          </a:p>
+        </p:txBody>
+      </p:sp>
+      <p:sp>
+        <p:nvSpPr>
+          <p:cNvPr id="953" name="文本框 952">
+            <a:extLst>
+              <a:ext uri="{FF2B5EF4-FFF2-40B4-BE49-F238E27FC236}">
+                <a16:creationId xmlns:a16="http://schemas.microsoft.com/office/drawing/2014/main" id="{F60799AC-0703-5606-FEA4-C36F1DAB57C5}"/>
+              </a:ext>
+            </a:extLst>
+          </p:cNvPr>
+          <p:cNvSpPr txBox="1"/>
+          <p:nvPr/>
+        </p:nvSpPr>
+        <p:spPr>
+          <a:xfrm>
+            <a:off x="6610980" y="1735724"/>
+            <a:ext cx="1298490" cy="228268"/>
+          </a:xfrm>
+          <a:prstGeom prst="rect">
+            <a:avLst/>
+          </a:prstGeom>
+          <a:noFill/>
+        </p:spPr>
+        <p:txBody>
+          <a:bodyPr wrap="square">
+            <a:spAutoFit/>
+          </a:bodyPr>
+          <a:lstStyle/>
+          <a:p>
+            <a:pPr marR="5080" algn="ctr">
+              <a:spcBef>
+                <a:spcPts val="125"/>
+              </a:spcBef>
+            </a:pPr>
+            <a:r>
+              <a:rPr lang="en-US" altLang="zh-CN" sz="400" dirty="0">
+                <a:solidFill>
+                  <a:srgbClr val="0000FF"/>
+                </a:solidFill>
+                <a:latin typeface="Arial"/>
+                <a:cs typeface="Arial"/>
+              </a:rPr>
+              <a:t>NBS</a:t>
+            </a:r>
+            <a:r>
+              <a:rPr lang="zh-CN" altLang="en-US" sz="400" dirty="0">
+                <a:solidFill>
+                  <a:srgbClr val="0000FF"/>
+                </a:solidFill>
+                <a:latin typeface="Arial"/>
+                <a:cs typeface="Arial"/>
+              </a:rPr>
+              <a:t>：</a:t>
+            </a:r>
+            <a:r>
+              <a:rPr lang="en-US" altLang="zh-CN" sz="400" dirty="0">
+                <a:solidFill>
+                  <a:srgbClr val="0000FF"/>
+                </a:solidFill>
+                <a:latin typeface="Arial"/>
+                <a:cs typeface="Arial"/>
+              </a:rPr>
+              <a:t>Bank Select</a:t>
+            </a:r>
+            <a:r>
+              <a:rPr lang="zh-CN" altLang="en-US" sz="400" dirty="0">
+                <a:solidFill>
+                  <a:srgbClr val="0000FF"/>
+                </a:solidFill>
+                <a:latin typeface="Arial"/>
+                <a:cs typeface="Arial"/>
+              </a:rPr>
+              <a:t>，</a:t>
+            </a:r>
+            <a:endParaRPr lang="en-US" altLang="zh-CN" sz="400" dirty="0">
               <a:solidFill>
                 <a:srgbClr val="0000FF"/>
               </a:solidFill>
@@ -8676,24 +9102,81 @@
               <a:cs typeface="Arial"/>
             </a:endParaRPr>
           </a:p>
-        </p:txBody>
-      </p:sp>
-      <p:sp>
-        <p:nvSpPr>
-          <p:cNvPr id="948" name="文本框 947">
-            <a:extLst>
-              <a:ext uri="{FF2B5EF4-FFF2-40B4-BE49-F238E27FC236}">
-                <a16:creationId xmlns:a16="http://schemas.microsoft.com/office/drawing/2014/main" id="{C393C84F-4300-FF83-B55C-8C4E5497C3AE}"/>
-              </a:ext>
-            </a:extLst>
-          </p:cNvPr>
-          <p:cNvSpPr txBox="1"/>
-          <p:nvPr/>
-        </p:nvSpPr>
-        <p:spPr>
-          <a:xfrm>
-            <a:off x="7017491" y="3634874"/>
-            <a:ext cx="914993" cy="215444"/>
+          <a:p>
+            <a:pPr marR="5080" algn="ctr">
+              <a:spcBef>
+                <a:spcPts val="125"/>
+              </a:spcBef>
+            </a:pPr>
+            <a:r>
+              <a:rPr lang="zh-CN" altLang="en-US" sz="400" dirty="0">
+                <a:solidFill>
+                  <a:srgbClr val="0000FF"/>
+                </a:solidFill>
+                <a:latin typeface="Arial"/>
+                <a:cs typeface="Arial"/>
+              </a:rPr>
+              <a:t>用于 </a:t>
+            </a:r>
+            <a:r>
+              <a:rPr lang="en-US" altLang="zh-CN" sz="400" dirty="0">
+                <a:solidFill>
+                  <a:srgbClr val="0000FF"/>
+                </a:solidFill>
+                <a:latin typeface="Arial"/>
+                <a:cs typeface="Arial"/>
+              </a:rPr>
+              <a:t>SDRAM </a:t>
+            </a:r>
+            <a:r>
+              <a:rPr lang="zh-CN" altLang="en-US" sz="400" dirty="0">
+                <a:solidFill>
+                  <a:srgbClr val="0000FF"/>
+                </a:solidFill>
+                <a:latin typeface="Arial"/>
+                <a:cs typeface="Arial"/>
+              </a:rPr>
+              <a:t>的 </a:t>
+            </a:r>
+            <a:r>
+              <a:rPr lang="en-US" altLang="zh-CN" sz="400" dirty="0">
+                <a:solidFill>
+                  <a:srgbClr val="0000FF"/>
+                </a:solidFill>
+                <a:latin typeface="Arial"/>
+                <a:cs typeface="Arial"/>
+              </a:rPr>
+              <a:t>bank </a:t>
+            </a:r>
+            <a:r>
+              <a:rPr lang="zh-CN" altLang="en-US" sz="400" dirty="0">
+                <a:solidFill>
+                  <a:srgbClr val="0000FF"/>
+                </a:solidFill>
+                <a:latin typeface="Arial"/>
+                <a:cs typeface="Arial"/>
+              </a:rPr>
+              <a:t>选择</a:t>
+            </a:r>
+          </a:p>
+        </p:txBody>
+      </p:sp>
+      <p:sp>
+        <p:nvSpPr>
+          <p:cNvPr id="954" name="文本框 953">
+            <a:extLst>
+              <a:ext uri="{FF2B5EF4-FFF2-40B4-BE49-F238E27FC236}">
+                <a16:creationId xmlns:a16="http://schemas.microsoft.com/office/drawing/2014/main" id="{9ABA964B-FF21-B388-1941-0BE51868D28A}"/>
+              </a:ext>
+            </a:extLst>
+          </p:cNvPr>
+          <p:cNvSpPr txBox="1"/>
+          <p:nvPr/>
+        </p:nvSpPr>
+        <p:spPr>
+          <a:xfrm>
+            <a:off x="6857407" y="2412518"/>
+            <a:ext cx="914993" cy="153888"/>
           </a:xfrm>
           <a:prstGeom prst="rect">
             <a:avLst/>
@@ -8719,7 +9202,7 @@
                 <a:latin typeface="Arial"/>
                 <a:cs typeface="Arial"/>
               </a:rPr>
-              <a:t>地址总线，用于寻址外部设备（</a:t>
+              <a:t>读使能信号</a:t>
             </a:r>
             <a:r>
               <a:rPr lang="en-US" altLang="zh-CN" sz="400" dirty="0">
@@ -8729,7 +9212,7 @@
                 <a:latin typeface="Arial"/>
                 <a:cs typeface="Arial"/>
               </a:rPr>
-              <a:t>SDRAM</a:t>
+              <a:t>/</a:t>
             </a:r>
             <a:r>
               <a:rPr lang="zh-CN" altLang="en-US" sz="400" dirty="0">
@@ -8739,7 +9222,7 @@
                 <a:latin typeface="Arial"/>
                 <a:cs typeface="Arial"/>
               </a:rPr>
-              <a:t>、</a:t>
+              <a:t>输出使能</a:t>
             </a:r>
             <a:r>
               <a:rPr lang="en-US" altLang="zh-CN" sz="400" dirty="0">
@@ -8749,7 +9232,7 @@
                 <a:latin typeface="Arial"/>
                 <a:cs typeface="Arial"/>
               </a:rPr>
-              <a:t>NOR Flash</a:t>
+              <a:t>/</a:t>
             </a:r>
             <a:r>
               <a:rPr lang="zh-CN" altLang="en-US" sz="400" dirty="0">
@@ -8759,27 +9242,27 @@
                 <a:latin typeface="Arial"/>
                 <a:cs typeface="Arial"/>
               </a:rPr>
-              <a:t>等）</a:t>
-            </a:r>
-          </a:p>
-        </p:txBody>
-      </p:sp>
-      <p:sp>
-        <p:nvSpPr>
-          <p:cNvPr id="949" name="文本框 948">
-            <a:extLst>
-              <a:ext uri="{FF2B5EF4-FFF2-40B4-BE49-F238E27FC236}">
-                <a16:creationId xmlns:a16="http://schemas.microsoft.com/office/drawing/2014/main" id="{AF6856A9-F4F5-0424-B2EF-77FAD44ACD48}"/>
-              </a:ext>
-            </a:extLst>
-          </p:cNvPr>
-          <p:cNvSpPr txBox="1"/>
-          <p:nvPr/>
-        </p:nvSpPr>
-        <p:spPr>
-          <a:xfrm>
-            <a:off x="6934200" y="4199263"/>
-            <a:ext cx="1555261" cy="153888"/>
+              <a:t>输出使能</a:t>
+            </a:r>
+          </a:p>
+        </p:txBody>
+      </p:sp>
+      <p:sp>
+        <p:nvSpPr>
+          <p:cNvPr id="955" name="文本框 954">
+            <a:extLst>
+              <a:ext uri="{FF2B5EF4-FFF2-40B4-BE49-F238E27FC236}">
+                <a16:creationId xmlns:a16="http://schemas.microsoft.com/office/drawing/2014/main" id="{7FEB24A4-A91D-DDD5-F332-A063AC834191}"/>
+              </a:ext>
+            </a:extLst>
+          </p:cNvPr>
+          <p:cNvSpPr txBox="1"/>
+          <p:nvPr/>
+        </p:nvSpPr>
+        <p:spPr>
+          <a:xfrm>
+            <a:off x="7075833" y="2555114"/>
+            <a:ext cx="602838" cy="228268"/>
           </a:xfrm>
           <a:prstGeom prst="rect">
             <a:avLst/>
@@ -8805,7 +9288,7 @@
                 <a:latin typeface="Arial"/>
                 <a:cs typeface="Arial"/>
               </a:rPr>
-              <a:t>数据总线，支持 </a:t>
+              <a:t>写使能信号</a:t>
             </a:r>
             <a:r>
               <a:rPr lang="en-US" altLang="zh-CN" sz="400" dirty="0">
@@ -8815,8 +9298,15 @@
                 <a:latin typeface="Arial"/>
                 <a:cs typeface="Arial"/>
               </a:rPr>
-              <a:t>16-bit </a:t>
-            </a:r>
+              <a:t>/</a:t>
+            </a:r>
+          </a:p>
+          <a:p>
+            <a:pPr marR="5080" algn="l">
+              <a:spcBef>
+                <a:spcPts val="125"/>
+              </a:spcBef>
+            </a:pPr>
             <a:r>
               <a:rPr lang="zh-CN" altLang="en-US" sz="400" dirty="0">
                 <a:solidFill>
@@ -8825,8 +9315,44 @@
                 <a:latin typeface="Arial"/>
                 <a:cs typeface="Arial"/>
               </a:rPr>
-              <a:t>或 </a:t>
-            </a:r>
+              <a:t>控制字节的读写</a:t>
+            </a:r>
+          </a:p>
+        </p:txBody>
+      </p:sp>
+      <p:sp>
+        <p:nvSpPr>
+          <p:cNvPr id="956" name="文本框 955">
+            <a:extLst>
+              <a:ext uri="{FF2B5EF4-FFF2-40B4-BE49-F238E27FC236}">
+                <a16:creationId xmlns:a16="http://schemas.microsoft.com/office/drawing/2014/main" id="{6C2180E4-FA75-666A-FA82-F2F2B4F4D638}"/>
+              </a:ext>
+            </a:extLst>
+          </p:cNvPr>
+          <p:cNvSpPr txBox="1"/>
+          <p:nvPr/>
+        </p:nvSpPr>
+        <p:spPr>
+          <a:xfrm>
+            <a:off x="6814824" y="3934069"/>
+            <a:ext cx="673888" cy="338554"/>
+          </a:xfrm>
+          <a:prstGeom prst="rect">
+            <a:avLst/>
+          </a:prstGeom>
+          <a:noFill/>
+        </p:spPr>
+        <p:txBody>
+          <a:bodyPr wrap="square">
+            <a:spAutoFit/>
+          </a:bodyPr>
+          <a:lstStyle/>
+          <a:p>
+            <a:pPr marR="5080" algn="l">
+              <a:spcBef>
+                <a:spcPts val="125"/>
+              </a:spcBef>
+            </a:pPr>
             <a:r>
               <a:rPr lang="en-US" altLang="zh-CN" sz="400" dirty="0">
                 <a:solidFill>
@@ -8835,7 +9361,7 @@
                 <a:latin typeface="Arial"/>
                 <a:cs typeface="Arial"/>
               </a:rPr>
-              <a:t>32-bit </a:t>
+              <a:t>NC</a:t>
             </a:r>
             <a:r>
               <a:rPr lang="zh-CN" altLang="en-US" sz="400" dirty="0">
@@ -8845,27 +9371,67 @@
                 <a:latin typeface="Arial"/>
                 <a:cs typeface="Arial"/>
               </a:rPr>
-              <a:t>数据宽度</a:t>
-            </a:r>
-          </a:p>
-        </p:txBody>
-      </p:sp>
-      <p:sp>
-        <p:nvSpPr>
-          <p:cNvPr id="950" name="文本框 949">
-            <a:extLst>
-              <a:ext uri="{FF2B5EF4-FFF2-40B4-BE49-F238E27FC236}">
-                <a16:creationId xmlns:a16="http://schemas.microsoft.com/office/drawing/2014/main" id="{C16D73C2-08B9-6E96-AC06-C74EECCCCDF3}"/>
-              </a:ext>
-            </a:extLst>
-          </p:cNvPr>
-          <p:cNvSpPr txBox="1"/>
-          <p:nvPr/>
-        </p:nvSpPr>
-        <p:spPr>
-          <a:xfrm>
-            <a:off x="7772400" y="3634874"/>
-            <a:ext cx="609303" cy="215444"/>
+              <a:t>系列：芯片选择信号，选择不同的外设（</a:t>
+            </a:r>
+            <a:r>
+              <a:rPr lang="en-US" altLang="zh-CN" sz="400" dirty="0">
+                <a:solidFill>
+                  <a:srgbClr val="0000FF"/>
+                </a:solidFill>
+                <a:latin typeface="Arial"/>
+                <a:cs typeface="Arial"/>
+              </a:rPr>
+              <a:t>NCS0</a:t>
+            </a:r>
+            <a:r>
+              <a:rPr lang="zh-CN" altLang="en-US" sz="400" dirty="0">
+                <a:solidFill>
+                  <a:srgbClr val="0000FF"/>
+                </a:solidFill>
+                <a:latin typeface="Arial"/>
+                <a:cs typeface="Arial"/>
+              </a:rPr>
+              <a:t>通常用于外部 </a:t>
+            </a:r>
+            <a:r>
+              <a:rPr lang="en-US" altLang="zh-CN" sz="400" dirty="0">
+                <a:solidFill>
+                  <a:srgbClr val="0000FF"/>
+                </a:solidFill>
+                <a:latin typeface="Arial"/>
+                <a:cs typeface="Arial"/>
+              </a:rPr>
+              <a:t>Flash</a:t>
+            </a:r>
+            <a:r>
+              <a:rPr lang="zh-CN" altLang="en-US" sz="400" dirty="0">
+                <a:solidFill>
+                  <a:srgbClr val="0000FF"/>
+                </a:solidFill>
+                <a:latin typeface="Arial"/>
+                <a:cs typeface="Arial"/>
+              </a:rPr>
+              <a:t>）</a:t>
+            </a:r>
+          </a:p>
+        </p:txBody>
+      </p:sp>
+      <p:sp>
+        <p:nvSpPr>
+          <p:cNvPr id="957" name="文本框 956">
+            <a:extLst>
+              <a:ext uri="{FF2B5EF4-FFF2-40B4-BE49-F238E27FC236}">
+                <a16:creationId xmlns:a16="http://schemas.microsoft.com/office/drawing/2014/main" id="{300F90FC-8C84-CBA8-88D0-59E450D1D83C}"/>
+              </a:ext>
+            </a:extLst>
+          </p:cNvPr>
+          <p:cNvSpPr txBox="1"/>
+          <p:nvPr/>
+        </p:nvSpPr>
+        <p:spPr>
+          <a:xfrm>
+            <a:off x="6167947" y="676032"/>
+            <a:ext cx="1366487" cy="228268"/>
           </a:xfrm>
           <a:prstGeom prst="rect">
             <a:avLst/>
@@ -8878,7 +9444,77 @@
           </a:bodyPr>
           <a:lstStyle/>
           <a:p>
-            <a:pPr marR="5080" algn="l">
+            <a:pPr marR="5080" algn="ctr">
+              <a:spcBef>
+                <a:spcPts val="125"/>
+              </a:spcBef>
+            </a:pPr>
+            <a:r>
+              <a:rPr lang="zh-CN" altLang="en-US" sz="400" dirty="0">
+                <a:solidFill>
+                  <a:srgbClr val="0000FF"/>
+                </a:solidFill>
+                <a:latin typeface="Arial"/>
+                <a:cs typeface="Arial"/>
+              </a:rPr>
+              <a:t>追踪同步信号。用于数据流中的同步</a:t>
+            </a:r>
+            <a:endParaRPr lang="en-US" altLang="zh-CN" sz="400" dirty="0">
+              <a:solidFill>
+                <a:srgbClr val="0000FF"/>
+              </a:solidFill>
+              <a:latin typeface="Arial"/>
+              <a:cs typeface="Arial"/>
+            </a:endParaRPr>
+          </a:p>
+          <a:p>
+            <a:pPr marR="5080" algn="ctr">
+              <a:spcBef>
+                <a:spcPts val="125"/>
+              </a:spcBef>
+            </a:pPr>
+            <a:r>
+              <a:rPr lang="zh-CN" altLang="en-US" sz="400" dirty="0">
+                <a:solidFill>
+                  <a:srgbClr val="0000FF"/>
+                </a:solidFill>
+                <a:latin typeface="Arial"/>
+                <a:cs typeface="Arial"/>
+              </a:rPr>
+              <a:t>标记，确保调试器与目标系统之间的数据对齐。</a:t>
+            </a:r>
+          </a:p>
+        </p:txBody>
+      </p:sp>
+      <p:sp>
+        <p:nvSpPr>
+          <p:cNvPr id="958" name="文本框 957">
+            <a:extLst>
+              <a:ext uri="{FF2B5EF4-FFF2-40B4-BE49-F238E27FC236}">
+                <a16:creationId xmlns:a16="http://schemas.microsoft.com/office/drawing/2014/main" id="{480D4D10-A322-32F4-DE5B-DFEC21B60425}"/>
+              </a:ext>
+            </a:extLst>
+          </p:cNvPr>
+          <p:cNvSpPr txBox="1"/>
+          <p:nvPr/>
+        </p:nvSpPr>
+        <p:spPr>
+          <a:xfrm>
+            <a:off x="6400800" y="929627"/>
+            <a:ext cx="1366487" cy="228268"/>
+          </a:xfrm>
+          <a:prstGeom prst="rect">
+            <a:avLst/>
+          </a:prstGeom>
+          <a:noFill/>
+        </p:spPr>
+        <p:txBody>
+          <a:bodyPr wrap="square">
+            <a:spAutoFit/>
+          </a:bodyPr>
+          <a:lstStyle/>
+          <a:p>
+            <a:pPr marR="5080" algn="ctr">
               <a:spcBef>
                 <a:spcPts val="125"/>
               </a:spcBef>
@@ -8891,7 +9527,7 @@
                 <a:latin typeface="Arial"/>
                 <a:cs typeface="Arial"/>
               </a:rPr>
-              <a:t>CompactFlash </a:t>
+              <a:t>ETM </a:t>
             </a:r>
             <a:r>
               <a:rPr lang="zh-CN" altLang="en-US" sz="400" dirty="0">
@@ -8901,7 +9537,7 @@
                 <a:latin typeface="Arial"/>
                 <a:cs typeface="Arial"/>
               </a:rPr>
-              <a:t>读</a:t>
+              <a:t>模块的时钟信号。它控制 </a:t>
             </a:r>
             <a:r>
               <a:rPr lang="en-US" altLang="zh-CN" sz="400" dirty="0">
@@ -8911,7 +9547,7 @@
                 <a:latin typeface="Arial"/>
                 <a:cs typeface="Arial"/>
               </a:rPr>
-              <a:t>/</a:t>
+              <a:t>trace </a:t>
             </a:r>
             <a:r>
               <a:rPr lang="zh-CN" altLang="en-US" sz="400" dirty="0">
@@ -8921,40 +9557,18 @@
                 <a:latin typeface="Arial"/>
                 <a:cs typeface="Arial"/>
               </a:rPr>
-              <a:t>写控制</a:t>
-            </a:r>
-          </a:p>
-        </p:txBody>
-      </p:sp>
-      <p:sp>
-        <p:nvSpPr>
-          <p:cNvPr id="951" name="文本框 950">
-            <a:extLst>
-              <a:ext uri="{FF2B5EF4-FFF2-40B4-BE49-F238E27FC236}">
-                <a16:creationId xmlns:a16="http://schemas.microsoft.com/office/drawing/2014/main" id="{C3B4403E-77D6-FCBC-2EE6-BA41F2A9615F}"/>
-              </a:ext>
-            </a:extLst>
-          </p:cNvPr>
-          <p:cNvSpPr txBox="1"/>
-          <p:nvPr/>
-        </p:nvSpPr>
-        <p:spPr>
-          <a:xfrm>
-            <a:off x="6819155" y="3789760"/>
-            <a:ext cx="1227345" cy="153888"/>
-          </a:xfrm>
-          <a:prstGeom prst="rect">
-            <a:avLst/>
-          </a:prstGeom>
-          <a:noFill/>
-        </p:spPr>
-        <p:txBody>
-          <a:bodyPr wrap="square">
-            <a:spAutoFit/>
-          </a:bodyPr>
-          <a:lstStyle/>
-          <a:p>
-            <a:pPr marR="5080" algn="l">
+              <a:t>数据的</a:t>
+            </a:r>
+            <a:endParaRPr lang="en-US" altLang="zh-CN" sz="400" dirty="0">
+              <a:solidFill>
+                <a:srgbClr val="0000FF"/>
+              </a:solidFill>
+              <a:latin typeface="Arial"/>
+              <a:cs typeface="Arial"/>
+            </a:endParaRPr>
+          </a:p>
+          <a:p>
+            <a:pPr marR="5080" algn="ctr">
               <a:spcBef>
                 <a:spcPts val="125"/>
               </a:spcBef>
@@ -8967,609 +9581,7 @@
                 <a:latin typeface="Arial"/>
                 <a:cs typeface="Arial"/>
               </a:rPr>
-              <a:t>等待信号（</a:t>
-            </a:r>
-            <a:r>
-              <a:rPr lang="en-US" altLang="zh-CN" sz="400" dirty="0">
-                <a:solidFill>
-                  <a:srgbClr val="0000FF"/>
-                </a:solidFill>
-                <a:latin typeface="Arial"/>
-                <a:cs typeface="Arial"/>
-              </a:rPr>
-              <a:t>Wait</a:t>
-            </a:r>
-            <a:r>
-              <a:rPr lang="zh-CN" altLang="en-US" sz="400" dirty="0">
-                <a:solidFill>
-                  <a:srgbClr val="0000FF"/>
-                </a:solidFill>
-                <a:latin typeface="Arial"/>
-                <a:cs typeface="Arial"/>
-              </a:rPr>
-              <a:t>），用于指示外设未准备好</a:t>
-            </a:r>
-          </a:p>
-        </p:txBody>
-      </p:sp>
-      <p:sp>
-        <p:nvSpPr>
-          <p:cNvPr id="952" name="文本框 951">
-            <a:extLst>
-              <a:ext uri="{FF2B5EF4-FFF2-40B4-BE49-F238E27FC236}">
-                <a16:creationId xmlns:a16="http://schemas.microsoft.com/office/drawing/2014/main" id="{E9B19026-D78E-0EB6-8A09-6A71450D8943}"/>
-              </a:ext>
-            </a:extLst>
-          </p:cNvPr>
-          <p:cNvSpPr txBox="1"/>
-          <p:nvPr/>
-        </p:nvSpPr>
-        <p:spPr>
-          <a:xfrm>
-            <a:off x="7098512" y="2131963"/>
-            <a:ext cx="673888" cy="338554"/>
-          </a:xfrm>
-          <a:prstGeom prst="rect">
-            <a:avLst/>
-          </a:prstGeom>
-          <a:noFill/>
-        </p:spPr>
-        <p:txBody>
-          <a:bodyPr wrap="square">
-            <a:spAutoFit/>
-          </a:bodyPr>
-          <a:lstStyle/>
-          <a:p>
-            <a:pPr marR="5080" algn="l">
-              <a:spcBef>
-                <a:spcPts val="125"/>
-              </a:spcBef>
-            </a:pPr>
-            <a:r>
-              <a:rPr lang="en-US" altLang="zh-CN" sz="400" dirty="0">
-                <a:solidFill>
-                  <a:srgbClr val="0000FF"/>
-                </a:solidFill>
-                <a:latin typeface="Arial"/>
-                <a:cs typeface="Arial"/>
-              </a:rPr>
-              <a:t>NC</a:t>
-            </a:r>
-            <a:r>
-              <a:rPr lang="zh-CN" altLang="en-US" sz="400" dirty="0">
-                <a:solidFill>
-                  <a:srgbClr val="0000FF"/>
-                </a:solidFill>
-                <a:latin typeface="Arial"/>
-                <a:cs typeface="Arial"/>
-              </a:rPr>
-              <a:t>系列：芯片选择信号，选择不同的外设（</a:t>
-            </a:r>
-            <a:r>
-              <a:rPr lang="en-US" altLang="zh-CN" sz="400" dirty="0">
-                <a:solidFill>
-                  <a:srgbClr val="0000FF"/>
-                </a:solidFill>
-                <a:latin typeface="Arial"/>
-                <a:cs typeface="Arial"/>
-              </a:rPr>
-              <a:t>NCS0</a:t>
-            </a:r>
-            <a:r>
-              <a:rPr lang="zh-CN" altLang="en-US" sz="400" dirty="0">
-                <a:solidFill>
-                  <a:srgbClr val="0000FF"/>
-                </a:solidFill>
-                <a:latin typeface="Arial"/>
-                <a:cs typeface="Arial"/>
-              </a:rPr>
-              <a:t>通常用于外部 </a:t>
-            </a:r>
-            <a:r>
-              <a:rPr lang="en-US" altLang="zh-CN" sz="400" dirty="0">
-                <a:solidFill>
-                  <a:srgbClr val="0000FF"/>
-                </a:solidFill>
-                <a:latin typeface="Arial"/>
-                <a:cs typeface="Arial"/>
-              </a:rPr>
-              <a:t>Flash</a:t>
-            </a:r>
-            <a:r>
-              <a:rPr lang="zh-CN" altLang="en-US" sz="400" dirty="0">
-                <a:solidFill>
-                  <a:srgbClr val="0000FF"/>
-                </a:solidFill>
-                <a:latin typeface="Arial"/>
-                <a:cs typeface="Arial"/>
-              </a:rPr>
-              <a:t>）</a:t>
-            </a:r>
-          </a:p>
-        </p:txBody>
-      </p:sp>
-      <p:sp>
-        <p:nvSpPr>
-          <p:cNvPr id="953" name="文本框 952">
-            <a:extLst>
-              <a:ext uri="{FF2B5EF4-FFF2-40B4-BE49-F238E27FC236}">
-                <a16:creationId xmlns:a16="http://schemas.microsoft.com/office/drawing/2014/main" id="{F60799AC-0703-5606-FEA4-C36F1DAB57C5}"/>
-              </a:ext>
-            </a:extLst>
-          </p:cNvPr>
-          <p:cNvSpPr txBox="1"/>
-          <p:nvPr/>
-        </p:nvSpPr>
-        <p:spPr>
-          <a:xfrm>
-            <a:off x="7162800" y="1751734"/>
-            <a:ext cx="1298490" cy="153888"/>
-          </a:xfrm>
-          <a:prstGeom prst="rect">
-            <a:avLst/>
-          </a:prstGeom>
-          <a:noFill/>
-        </p:spPr>
-        <p:txBody>
-          <a:bodyPr wrap="square">
-            <a:spAutoFit/>
-          </a:bodyPr>
-          <a:lstStyle/>
-          <a:p>
-            <a:pPr marR="5080" algn="ctr">
-              <a:spcBef>
-                <a:spcPts val="125"/>
-              </a:spcBef>
-            </a:pPr>
-            <a:r>
-              <a:rPr lang="en-US" altLang="zh-CN" sz="400" dirty="0">
-                <a:solidFill>
-                  <a:srgbClr val="0000FF"/>
-                </a:solidFill>
-                <a:latin typeface="Arial"/>
-                <a:cs typeface="Arial"/>
-              </a:rPr>
-              <a:t>NBS</a:t>
-            </a:r>
-            <a:r>
-              <a:rPr lang="zh-CN" altLang="en-US" sz="400" dirty="0">
-                <a:solidFill>
-                  <a:srgbClr val="0000FF"/>
-                </a:solidFill>
-                <a:latin typeface="Arial"/>
-                <a:cs typeface="Arial"/>
-              </a:rPr>
-              <a:t>：</a:t>
-            </a:r>
-            <a:r>
-              <a:rPr lang="en-US" altLang="zh-CN" sz="400" dirty="0">
-                <a:solidFill>
-                  <a:srgbClr val="0000FF"/>
-                </a:solidFill>
-                <a:latin typeface="Arial"/>
-                <a:cs typeface="Arial"/>
-              </a:rPr>
-              <a:t>Bank Select</a:t>
-            </a:r>
-            <a:r>
-              <a:rPr lang="zh-CN" altLang="en-US" sz="400" dirty="0">
-                <a:solidFill>
-                  <a:srgbClr val="0000FF"/>
-                </a:solidFill>
-                <a:latin typeface="Arial"/>
-                <a:cs typeface="Arial"/>
-              </a:rPr>
-              <a:t>，用于 </a:t>
-            </a:r>
-            <a:r>
-              <a:rPr lang="en-US" altLang="zh-CN" sz="400" dirty="0">
-                <a:solidFill>
-                  <a:srgbClr val="0000FF"/>
-                </a:solidFill>
-                <a:latin typeface="Arial"/>
-                <a:cs typeface="Arial"/>
-              </a:rPr>
-              <a:t>SDRAM </a:t>
-            </a:r>
-            <a:r>
-              <a:rPr lang="zh-CN" altLang="en-US" sz="400" dirty="0">
-                <a:solidFill>
-                  <a:srgbClr val="0000FF"/>
-                </a:solidFill>
-                <a:latin typeface="Arial"/>
-                <a:cs typeface="Arial"/>
-              </a:rPr>
-              <a:t>的 </a:t>
-            </a:r>
-            <a:r>
-              <a:rPr lang="en-US" altLang="zh-CN" sz="400" dirty="0">
-                <a:solidFill>
-                  <a:srgbClr val="0000FF"/>
-                </a:solidFill>
-                <a:latin typeface="Arial"/>
-                <a:cs typeface="Arial"/>
-              </a:rPr>
-              <a:t>bank </a:t>
-            </a:r>
-            <a:r>
-              <a:rPr lang="zh-CN" altLang="en-US" sz="400" dirty="0">
-                <a:solidFill>
-                  <a:srgbClr val="0000FF"/>
-                </a:solidFill>
-                <a:latin typeface="Arial"/>
-                <a:cs typeface="Arial"/>
-              </a:rPr>
-              <a:t>选择</a:t>
-            </a:r>
-          </a:p>
-        </p:txBody>
-      </p:sp>
-      <p:sp>
-        <p:nvSpPr>
-          <p:cNvPr id="954" name="文本框 953">
-            <a:extLst>
-              <a:ext uri="{FF2B5EF4-FFF2-40B4-BE49-F238E27FC236}">
-                <a16:creationId xmlns:a16="http://schemas.microsoft.com/office/drawing/2014/main" id="{9ABA964B-FF21-B388-1941-0BE51868D28A}"/>
-              </a:ext>
-            </a:extLst>
-          </p:cNvPr>
-          <p:cNvSpPr txBox="1"/>
-          <p:nvPr/>
-        </p:nvSpPr>
-        <p:spPr>
-          <a:xfrm>
-            <a:off x="7214092" y="2413405"/>
-            <a:ext cx="914993" cy="153888"/>
-          </a:xfrm>
-          <a:prstGeom prst="rect">
-            <a:avLst/>
-          </a:prstGeom>
-          <a:noFill/>
-        </p:spPr>
-        <p:txBody>
-          <a:bodyPr wrap="square">
-            <a:spAutoFit/>
-          </a:bodyPr>
-          <a:lstStyle/>
-          <a:p>
-            <a:pPr marR="5080" algn="l">
-              <a:spcBef>
-                <a:spcPts val="125"/>
-              </a:spcBef>
-            </a:pPr>
-            <a:r>
-              <a:rPr lang="zh-CN" altLang="en-US" sz="400" dirty="0">
-                <a:solidFill>
-                  <a:srgbClr val="0000FF"/>
-                </a:solidFill>
-                <a:latin typeface="Arial"/>
-                <a:cs typeface="Arial"/>
-              </a:rPr>
-              <a:t>读使能信号</a:t>
-            </a:r>
-            <a:r>
-              <a:rPr lang="en-US" altLang="zh-CN" sz="400" dirty="0">
-                <a:solidFill>
-                  <a:srgbClr val="0000FF"/>
-                </a:solidFill>
-                <a:latin typeface="Arial"/>
-                <a:cs typeface="Arial"/>
-              </a:rPr>
-              <a:t>/</a:t>
-            </a:r>
-            <a:r>
-              <a:rPr lang="zh-CN" altLang="en-US" sz="400" dirty="0">
-                <a:solidFill>
-                  <a:srgbClr val="0000FF"/>
-                </a:solidFill>
-                <a:latin typeface="Arial"/>
-                <a:cs typeface="Arial"/>
-              </a:rPr>
-              <a:t>输出使能</a:t>
-            </a:r>
-            <a:r>
-              <a:rPr lang="en-US" altLang="zh-CN" sz="400" dirty="0">
-                <a:solidFill>
-                  <a:srgbClr val="0000FF"/>
-                </a:solidFill>
-                <a:latin typeface="Arial"/>
-                <a:cs typeface="Arial"/>
-              </a:rPr>
-              <a:t>/</a:t>
-            </a:r>
-            <a:r>
-              <a:rPr lang="zh-CN" altLang="en-US" sz="400" dirty="0">
-                <a:solidFill>
-                  <a:srgbClr val="0000FF"/>
-                </a:solidFill>
-                <a:latin typeface="Arial"/>
-                <a:cs typeface="Arial"/>
-              </a:rPr>
-              <a:t>输出使能</a:t>
-            </a:r>
-          </a:p>
-        </p:txBody>
-      </p:sp>
-      <p:sp>
-        <p:nvSpPr>
-          <p:cNvPr id="955" name="文本框 954">
-            <a:extLst>
-              <a:ext uri="{FF2B5EF4-FFF2-40B4-BE49-F238E27FC236}">
-                <a16:creationId xmlns:a16="http://schemas.microsoft.com/office/drawing/2014/main" id="{7FEB24A4-A91D-DDD5-F332-A063AC834191}"/>
-              </a:ext>
-            </a:extLst>
-          </p:cNvPr>
-          <p:cNvSpPr txBox="1"/>
-          <p:nvPr/>
-        </p:nvSpPr>
-        <p:spPr>
-          <a:xfrm>
-            <a:off x="7421048" y="2569910"/>
-            <a:ext cx="900282" cy="153888"/>
-          </a:xfrm>
-          <a:prstGeom prst="rect">
-            <a:avLst/>
-          </a:prstGeom>
-          <a:noFill/>
-        </p:spPr>
-        <p:txBody>
-          <a:bodyPr wrap="square">
-            <a:spAutoFit/>
-          </a:bodyPr>
-          <a:lstStyle/>
-          <a:p>
-            <a:pPr marR="5080" algn="l">
-              <a:spcBef>
-                <a:spcPts val="125"/>
-              </a:spcBef>
-            </a:pPr>
-            <a:r>
-              <a:rPr lang="zh-CN" altLang="en-US" sz="400" dirty="0">
-                <a:solidFill>
-                  <a:srgbClr val="0000FF"/>
-                </a:solidFill>
-                <a:latin typeface="Arial"/>
-                <a:cs typeface="Arial"/>
-              </a:rPr>
-              <a:t>写使能信号</a:t>
-            </a:r>
-            <a:r>
-              <a:rPr lang="en-US" altLang="zh-CN" sz="400" dirty="0">
-                <a:solidFill>
-                  <a:srgbClr val="0000FF"/>
-                </a:solidFill>
-                <a:latin typeface="Arial"/>
-                <a:cs typeface="Arial"/>
-              </a:rPr>
-              <a:t>/</a:t>
-            </a:r>
-            <a:r>
-              <a:rPr lang="zh-CN" altLang="en-US" sz="400" dirty="0">
-                <a:solidFill>
-                  <a:srgbClr val="0000FF"/>
-                </a:solidFill>
-                <a:latin typeface="Arial"/>
-                <a:cs typeface="Arial"/>
-              </a:rPr>
-              <a:t>控制字节的读写</a:t>
-            </a:r>
-          </a:p>
-        </p:txBody>
-      </p:sp>
-      <p:sp>
-        <p:nvSpPr>
-          <p:cNvPr id="956" name="文本框 955">
-            <a:extLst>
-              <a:ext uri="{FF2B5EF4-FFF2-40B4-BE49-F238E27FC236}">
-                <a16:creationId xmlns:a16="http://schemas.microsoft.com/office/drawing/2014/main" id="{6C2180E4-FA75-666A-FA82-F2F2B4F4D638}"/>
-              </a:ext>
-            </a:extLst>
-          </p:cNvPr>
-          <p:cNvSpPr txBox="1"/>
-          <p:nvPr/>
-        </p:nvSpPr>
-        <p:spPr>
-          <a:xfrm>
-            <a:off x="7138044" y="3896805"/>
-            <a:ext cx="673888" cy="338554"/>
-          </a:xfrm>
-          <a:prstGeom prst="rect">
-            <a:avLst/>
-          </a:prstGeom>
-          <a:noFill/>
-        </p:spPr>
-        <p:txBody>
-          <a:bodyPr wrap="square">
-            <a:spAutoFit/>
-          </a:bodyPr>
-          <a:lstStyle/>
-          <a:p>
-            <a:pPr marR="5080" algn="l">
-              <a:spcBef>
-                <a:spcPts val="125"/>
-              </a:spcBef>
-            </a:pPr>
-            <a:r>
-              <a:rPr lang="en-US" altLang="zh-CN" sz="400" dirty="0">
-                <a:solidFill>
-                  <a:srgbClr val="0000FF"/>
-                </a:solidFill>
-                <a:latin typeface="Arial"/>
-                <a:cs typeface="Arial"/>
-              </a:rPr>
-              <a:t>NC</a:t>
-            </a:r>
-            <a:r>
-              <a:rPr lang="zh-CN" altLang="en-US" sz="400" dirty="0">
-                <a:solidFill>
-                  <a:srgbClr val="0000FF"/>
-                </a:solidFill>
-                <a:latin typeface="Arial"/>
-                <a:cs typeface="Arial"/>
-              </a:rPr>
-              <a:t>系列：芯片选择信号，选择不同的外设（</a:t>
-            </a:r>
-            <a:r>
-              <a:rPr lang="en-US" altLang="zh-CN" sz="400" dirty="0">
-                <a:solidFill>
-                  <a:srgbClr val="0000FF"/>
-                </a:solidFill>
-                <a:latin typeface="Arial"/>
-                <a:cs typeface="Arial"/>
-              </a:rPr>
-              <a:t>NCS0</a:t>
-            </a:r>
-            <a:r>
-              <a:rPr lang="zh-CN" altLang="en-US" sz="400" dirty="0">
-                <a:solidFill>
-                  <a:srgbClr val="0000FF"/>
-                </a:solidFill>
-                <a:latin typeface="Arial"/>
-                <a:cs typeface="Arial"/>
-              </a:rPr>
-              <a:t>通常用于外部 </a:t>
-            </a:r>
-            <a:r>
-              <a:rPr lang="en-US" altLang="zh-CN" sz="400" dirty="0">
-                <a:solidFill>
-                  <a:srgbClr val="0000FF"/>
-                </a:solidFill>
-                <a:latin typeface="Arial"/>
-                <a:cs typeface="Arial"/>
-              </a:rPr>
-              <a:t>Flash</a:t>
-            </a:r>
-            <a:r>
-              <a:rPr lang="zh-CN" altLang="en-US" sz="400" dirty="0">
-                <a:solidFill>
-                  <a:srgbClr val="0000FF"/>
-                </a:solidFill>
-                <a:latin typeface="Arial"/>
-                <a:cs typeface="Arial"/>
-              </a:rPr>
-              <a:t>）</a:t>
-            </a:r>
-          </a:p>
-        </p:txBody>
-      </p:sp>
-      <p:sp>
-        <p:nvSpPr>
-          <p:cNvPr id="957" name="文本框 956">
-            <a:extLst>
-              <a:ext uri="{FF2B5EF4-FFF2-40B4-BE49-F238E27FC236}">
-                <a16:creationId xmlns:a16="http://schemas.microsoft.com/office/drawing/2014/main" id="{300F90FC-8C84-CBA8-88D0-59E450D1D83C}"/>
-              </a:ext>
-            </a:extLst>
-          </p:cNvPr>
-          <p:cNvSpPr txBox="1"/>
-          <p:nvPr/>
-        </p:nvSpPr>
-        <p:spPr>
-          <a:xfrm>
-            <a:off x="6870695" y="780560"/>
-            <a:ext cx="1366487" cy="215444"/>
-          </a:xfrm>
-          <a:prstGeom prst="rect">
-            <a:avLst/>
-          </a:prstGeom>
-          <a:noFill/>
-        </p:spPr>
-        <p:txBody>
-          <a:bodyPr wrap="square">
-            <a:spAutoFit/>
-          </a:bodyPr>
-          <a:lstStyle/>
-          <a:p>
-            <a:pPr marR="5080" algn="ctr">
-              <a:spcBef>
-                <a:spcPts val="125"/>
-              </a:spcBef>
-            </a:pPr>
-            <a:r>
-              <a:rPr lang="zh-CN" altLang="en-US" sz="400" dirty="0">
-                <a:solidFill>
-                  <a:srgbClr val="0000FF"/>
-                </a:solidFill>
-                <a:latin typeface="Arial"/>
-                <a:cs typeface="Arial"/>
-              </a:rPr>
-              <a:t>追踪同步信号。用于数据流中的同步标记，确保调试器与目标系统之间的数据对齐。</a:t>
-            </a:r>
-          </a:p>
-        </p:txBody>
-      </p:sp>
-      <p:sp>
-        <p:nvSpPr>
-          <p:cNvPr id="958" name="文本框 957">
-            <a:extLst>
-              <a:ext uri="{FF2B5EF4-FFF2-40B4-BE49-F238E27FC236}">
-                <a16:creationId xmlns:a16="http://schemas.microsoft.com/office/drawing/2014/main" id="{480D4D10-A322-32F4-DE5B-DFEC21B60425}"/>
-              </a:ext>
-            </a:extLst>
-          </p:cNvPr>
-          <p:cNvSpPr txBox="1"/>
-          <p:nvPr/>
-        </p:nvSpPr>
-        <p:spPr>
-          <a:xfrm>
-            <a:off x="6870695" y="924718"/>
-            <a:ext cx="1366487" cy="215444"/>
-          </a:xfrm>
-          <a:prstGeom prst="rect">
-            <a:avLst/>
-          </a:prstGeom>
-          <a:noFill/>
-        </p:spPr>
-        <p:txBody>
-          <a:bodyPr wrap="square">
-            <a:spAutoFit/>
-          </a:bodyPr>
-          <a:lstStyle/>
-          <a:p>
-            <a:pPr marR="5080" algn="ctr">
-              <a:spcBef>
-                <a:spcPts val="125"/>
-              </a:spcBef>
-            </a:pPr>
-            <a:r>
-              <a:rPr lang="en-US" altLang="zh-CN" sz="400" dirty="0">
-                <a:solidFill>
-                  <a:srgbClr val="0000FF"/>
-                </a:solidFill>
-                <a:latin typeface="Arial"/>
-                <a:cs typeface="Arial"/>
-              </a:rPr>
-              <a:t>ETM </a:t>
-            </a:r>
-            <a:r>
-              <a:rPr lang="zh-CN" altLang="en-US" sz="400" dirty="0">
-                <a:solidFill>
-                  <a:srgbClr val="0000FF"/>
-                </a:solidFill>
-                <a:latin typeface="Arial"/>
-                <a:cs typeface="Arial"/>
-              </a:rPr>
-              <a:t>模块的时钟信号。它控制 </a:t>
-            </a:r>
-            <a:r>
-              <a:rPr lang="en-US" altLang="zh-CN" sz="400" dirty="0">
-                <a:solidFill>
-                  <a:srgbClr val="0000FF"/>
-                </a:solidFill>
-                <a:latin typeface="Arial"/>
-                <a:cs typeface="Arial"/>
-              </a:rPr>
-              <a:t>trace </a:t>
-            </a:r>
-            <a:r>
-              <a:rPr lang="zh-CN" altLang="en-US" sz="400" dirty="0">
-                <a:solidFill>
-                  <a:srgbClr val="0000FF"/>
-                </a:solidFill>
-                <a:latin typeface="Arial"/>
-                <a:cs typeface="Arial"/>
-              </a:rPr>
-              <a:t>数据的输出节奏。可以是系统时钟或分频信号。</a:t>
+              <a:t>输出节奏。可以是系统时钟或分频信号。</a:t>
             </a:r>
           </a:p>
         </p:txBody>
@@ -9588,7 +9600,7 @@
         </p:nvSpPr>
         <p:spPr>
           <a:xfrm>
-            <a:off x="2627928" y="718434"/>
+            <a:off x="2304708" y="755698"/>
             <a:ext cx="472009" cy="323807"/>
           </a:xfrm>
           <a:prstGeom prst="rect">
@@ -9649,7 +9661,7 @@
         </p:nvSpPr>
         <p:spPr>
           <a:xfrm>
-            <a:off x="3810000" y="982130"/>
+            <a:off x="3486780" y="1019394"/>
             <a:ext cx="762000" cy="323807"/>
           </a:xfrm>
           <a:prstGeom prst="rect">
@@ -9710,7 +9722,7 @@
         </p:nvSpPr>
         <p:spPr>
           <a:xfrm>
-            <a:off x="3124200" y="938850"/>
+            <a:off x="2800980" y="976114"/>
             <a:ext cx="707937" cy="323807"/>
           </a:xfrm>
           <a:prstGeom prst="rect">
@@ -9849,7 +9861,7 @@
         </p:nvSpPr>
         <p:spPr>
           <a:xfrm>
-            <a:off x="4599031" y="890718"/>
+            <a:off x="4275811" y="927982"/>
             <a:ext cx="707937" cy="400751"/>
           </a:xfrm>
           <a:prstGeom prst="rect">
@@ -9988,7 +10000,7 @@
         </p:nvSpPr>
         <p:spPr>
           <a:xfrm>
-            <a:off x="5259658" y="497861"/>
+            <a:off x="4936438" y="535125"/>
             <a:ext cx="786161" cy="400751"/>
           </a:xfrm>
           <a:prstGeom prst="rect">
@@ -10049,7 +10061,7 @@
         </p:nvSpPr>
         <p:spPr>
           <a:xfrm>
-            <a:off x="7035264" y="1095143"/>
+            <a:off x="6712044" y="1132407"/>
             <a:ext cx="749305" cy="153888"/>
           </a:xfrm>
           <a:prstGeom prst="rect">
@@ -10105,7 +10117,7 @@
         </p:nvSpPr>
         <p:spPr>
           <a:xfrm>
-            <a:off x="7083006" y="1253318"/>
+            <a:off x="6229980" y="1383966"/>
             <a:ext cx="1146594" cy="153888"/>
           </a:xfrm>
           <a:prstGeom prst="rect">
